--- a/Documentation/ClockNet.pptx
+++ b/Documentation/ClockNet.pptx
@@ -8,6 +8,7 @@
     <p:sldId id="256" r:id="rId2"/>
     <p:sldId id="257" r:id="rId3"/>
     <p:sldId id="258" r:id="rId4"/>
+    <p:sldId id="259" r:id="rId5"/>
   </p:sldIdLst>
   <p:sldSz cx="12192000" cy="6858000"/>
   <p:notesSz cx="6858000" cy="9144000"/>
@@ -263,7 +264,7 @@
           <a:p>
             <a:fld id="{BE8EC4D6-8DFC-4D31-BF3E-167B2F1ECE7E}" type="datetimeFigureOut">
               <a:rPr lang="en-SE" smtClean="0"/>
-              <a:t>2021-01-14</a:t>
+              <a:t>2021-01-18</a:t>
             </a:fld>
             <a:endParaRPr lang="en-SE"/>
           </a:p>
@@ -463,7 +464,7 @@
           <a:p>
             <a:fld id="{BE8EC4D6-8DFC-4D31-BF3E-167B2F1ECE7E}" type="datetimeFigureOut">
               <a:rPr lang="en-SE" smtClean="0"/>
-              <a:t>2021-01-14</a:t>
+              <a:t>2021-01-18</a:t>
             </a:fld>
             <a:endParaRPr lang="en-SE"/>
           </a:p>
@@ -673,7 +674,7 @@
           <a:p>
             <a:fld id="{BE8EC4D6-8DFC-4D31-BF3E-167B2F1ECE7E}" type="datetimeFigureOut">
               <a:rPr lang="en-SE" smtClean="0"/>
-              <a:t>2021-01-14</a:t>
+              <a:t>2021-01-18</a:t>
             </a:fld>
             <a:endParaRPr lang="en-SE"/>
           </a:p>
@@ -873,7 +874,7 @@
           <a:p>
             <a:fld id="{BE8EC4D6-8DFC-4D31-BF3E-167B2F1ECE7E}" type="datetimeFigureOut">
               <a:rPr lang="en-SE" smtClean="0"/>
-              <a:t>2021-01-14</a:t>
+              <a:t>2021-01-18</a:t>
             </a:fld>
             <a:endParaRPr lang="en-SE"/>
           </a:p>
@@ -1149,7 +1150,7 @@
           <a:p>
             <a:fld id="{BE8EC4D6-8DFC-4D31-BF3E-167B2F1ECE7E}" type="datetimeFigureOut">
               <a:rPr lang="en-SE" smtClean="0"/>
-              <a:t>2021-01-14</a:t>
+              <a:t>2021-01-18</a:t>
             </a:fld>
             <a:endParaRPr lang="en-SE"/>
           </a:p>
@@ -1417,7 +1418,7 @@
           <a:p>
             <a:fld id="{BE8EC4D6-8DFC-4D31-BF3E-167B2F1ECE7E}" type="datetimeFigureOut">
               <a:rPr lang="en-SE" smtClean="0"/>
-              <a:t>2021-01-14</a:t>
+              <a:t>2021-01-18</a:t>
             </a:fld>
             <a:endParaRPr lang="en-SE"/>
           </a:p>
@@ -1832,7 +1833,7 @@
           <a:p>
             <a:fld id="{BE8EC4D6-8DFC-4D31-BF3E-167B2F1ECE7E}" type="datetimeFigureOut">
               <a:rPr lang="en-SE" smtClean="0"/>
-              <a:t>2021-01-14</a:t>
+              <a:t>2021-01-18</a:t>
             </a:fld>
             <a:endParaRPr lang="en-SE"/>
           </a:p>
@@ -1974,7 +1975,7 @@
           <a:p>
             <a:fld id="{BE8EC4D6-8DFC-4D31-BF3E-167B2F1ECE7E}" type="datetimeFigureOut">
               <a:rPr lang="en-SE" smtClean="0"/>
-              <a:t>2021-01-14</a:t>
+              <a:t>2021-01-18</a:t>
             </a:fld>
             <a:endParaRPr lang="en-SE"/>
           </a:p>
@@ -2087,7 +2088,7 @@
           <a:p>
             <a:fld id="{BE8EC4D6-8DFC-4D31-BF3E-167B2F1ECE7E}" type="datetimeFigureOut">
               <a:rPr lang="en-SE" smtClean="0"/>
-              <a:t>2021-01-14</a:t>
+              <a:t>2021-01-18</a:t>
             </a:fld>
             <a:endParaRPr lang="en-SE"/>
           </a:p>
@@ -2400,7 +2401,7 @@
           <a:p>
             <a:fld id="{BE8EC4D6-8DFC-4D31-BF3E-167B2F1ECE7E}" type="datetimeFigureOut">
               <a:rPr lang="en-SE" smtClean="0"/>
-              <a:t>2021-01-14</a:t>
+              <a:t>2021-01-18</a:t>
             </a:fld>
             <a:endParaRPr lang="en-SE"/>
           </a:p>
@@ -2689,7 +2690,7 @@
           <a:p>
             <a:fld id="{BE8EC4D6-8DFC-4D31-BF3E-167B2F1ECE7E}" type="datetimeFigureOut">
               <a:rPr lang="en-SE" smtClean="0"/>
-              <a:t>2021-01-14</a:t>
+              <a:t>2021-01-18</a:t>
             </a:fld>
             <a:endParaRPr lang="en-SE"/>
           </a:p>
@@ -2932,7 +2933,7 @@
           <a:p>
             <a:fld id="{BE8EC4D6-8DFC-4D31-BF3E-167B2F1ECE7E}" type="datetimeFigureOut">
               <a:rPr lang="en-SE" smtClean="0"/>
-              <a:t>2021-01-14</a:t>
+              <a:t>2021-01-18</a:t>
             </a:fld>
             <a:endParaRPr lang="en-SE"/>
           </a:p>
@@ -4044,7 +4045,7 @@
         </p:nvSpPr>
         <p:spPr>
           <a:xfrm>
-            <a:off x="1314450" y="3590925"/>
+            <a:off x="2235818" y="2550594"/>
             <a:ext cx="914400" cy="914400"/>
           </a:xfrm>
           <a:prstGeom prst="rect">
@@ -4121,7 +4122,7 @@
         </p:nvSpPr>
         <p:spPr>
           <a:xfrm>
-            <a:off x="4114800" y="3590925"/>
+            <a:off x="5064710" y="3262452"/>
             <a:ext cx="914400" cy="914400"/>
           </a:xfrm>
           <a:prstGeom prst="rect">
@@ -4209,7 +4210,7 @@
         </p:nvSpPr>
         <p:spPr>
           <a:xfrm>
-            <a:off x="7334250" y="2190750"/>
+            <a:off x="8112712" y="1551559"/>
             <a:ext cx="914400" cy="914400"/>
           </a:xfrm>
           <a:prstGeom prst="rect">
@@ -4305,7 +4306,7 @@
         </p:nvSpPr>
         <p:spPr>
           <a:xfrm>
-            <a:off x="7334250" y="3590925"/>
+            <a:off x="8112712" y="2656460"/>
             <a:ext cx="914400" cy="914400"/>
           </a:xfrm>
           <a:prstGeom prst="rect">
@@ -4401,7 +4402,7 @@
         </p:nvSpPr>
         <p:spPr>
           <a:xfrm>
-            <a:off x="7334250" y="4991100"/>
+            <a:off x="8122271" y="3761361"/>
             <a:ext cx="914400" cy="914400"/>
           </a:xfrm>
           <a:prstGeom prst="rect">
@@ -4500,8 +4501,8 @@
         </p:nvCxnSpPr>
         <p:spPr>
           <a:xfrm>
-            <a:off x="2228850" y="4048125"/>
-            <a:ext cx="1885950" cy="0"/>
+            <a:off x="3150218" y="3007794"/>
+            <a:ext cx="1914492" cy="711858"/>
           </a:xfrm>
           <a:prstGeom prst="straightConnector1">
             <a:avLst/>
@@ -4542,8 +4543,8 @@
         </p:nvCxnSpPr>
         <p:spPr>
           <a:xfrm flipV="1">
-            <a:off x="5029200" y="2647950"/>
-            <a:ext cx="2305050" cy="1400175"/>
+            <a:off x="5979110" y="2008759"/>
+            <a:ext cx="2133602" cy="1710893"/>
           </a:xfrm>
           <a:prstGeom prst="straightConnector1">
             <a:avLst/>
@@ -4583,9 +4584,9 @@
           <p:nvPr/>
         </p:nvCxnSpPr>
         <p:spPr>
-          <a:xfrm>
-            <a:off x="5029200" y="4048125"/>
-            <a:ext cx="2305050" cy="0"/>
+          <a:xfrm flipV="1">
+            <a:off x="5979110" y="3113660"/>
+            <a:ext cx="2133602" cy="605992"/>
           </a:xfrm>
           <a:prstGeom prst="straightConnector1">
             <a:avLst/>
@@ -4626,8 +4627,8 @@
         </p:nvCxnSpPr>
         <p:spPr>
           <a:xfrm>
-            <a:off x="5029200" y="4048125"/>
-            <a:ext cx="2305050" cy="1400175"/>
+            <a:off x="5979110" y="3719652"/>
+            <a:ext cx="2143161" cy="498909"/>
           </a:xfrm>
           <a:prstGeom prst="straightConnector1">
             <a:avLst/>
@@ -4665,7 +4666,7 @@
         </p:nvSpPr>
         <p:spPr>
           <a:xfrm>
-            <a:off x="4114800" y="3348037"/>
+            <a:off x="5064710" y="3019564"/>
             <a:ext cx="780983" cy="246221"/>
           </a:xfrm>
           <a:prstGeom prst="rect">
@@ -4700,7 +4701,234 @@
         </p:nvSpPr>
         <p:spPr>
           <a:xfrm>
-            <a:off x="8248650" y="2176463"/>
+            <a:off x="9027112" y="1537272"/>
+            <a:ext cx="1119217" cy="1015663"/>
+          </a:xfrm>
+          <a:prstGeom prst="rect">
+            <a:avLst/>
+          </a:prstGeom>
+          <a:noFill/>
+        </p:spPr>
+        <p:txBody>
+          <a:bodyPr wrap="none" rtlCol="0">
+            <a:spAutoFit/>
+          </a:bodyPr>
+          <a:lstStyle/>
+          <a:p>
+            <a:r>
+              <a:rPr lang="en-SE" sz="1000" dirty="0"/>
+              <a:t>time</a:t>
+            </a:r>
+          </a:p>
+          <a:p>
+            <a:r>
+              <a:rPr lang="sv-SE" sz="1000" dirty="0"/>
+              <a:t>I</a:t>
+            </a:r>
+            <a:r>
+              <a:rPr lang="en-SE" sz="1000" dirty="0" err="1"/>
+              <a:t>ndoor</a:t>
+            </a:r>
+            <a:r>
+              <a:rPr lang="en-SE" sz="1000" dirty="0"/>
+              <a:t> temp</a:t>
+            </a:r>
+          </a:p>
+          <a:p>
+            <a:r>
+              <a:rPr lang="sv-SE" sz="1000" dirty="0"/>
+              <a:t>O</a:t>
+            </a:r>
+            <a:r>
+              <a:rPr lang="en-SE" sz="1000" dirty="0" err="1"/>
+              <a:t>utdoor</a:t>
+            </a:r>
+            <a:r>
+              <a:rPr lang="en-SE" sz="1000" dirty="0"/>
+              <a:t> temp</a:t>
+            </a:r>
+          </a:p>
+          <a:p>
+            <a:r>
+              <a:rPr lang="sv-SE" sz="1000" dirty="0"/>
+              <a:t>O</a:t>
+            </a:r>
+            <a:r>
+              <a:rPr lang="en-SE" sz="1000" dirty="0" err="1"/>
+              <a:t>utdoor</a:t>
+            </a:r>
+            <a:r>
+              <a:rPr lang="en-SE" sz="1000" dirty="0"/>
+              <a:t> humidity</a:t>
+            </a:r>
+          </a:p>
+          <a:p>
+            <a:r>
+              <a:rPr lang="en-SE" sz="1000" dirty="0"/>
+              <a:t>UV-Index</a:t>
+            </a:r>
+          </a:p>
+          <a:p>
+            <a:r>
+              <a:rPr lang="en-SE" sz="1000" dirty="0"/>
+              <a:t>Air pressure</a:t>
+            </a:r>
+          </a:p>
+        </p:txBody>
+      </p:sp>
+      <p:sp>
+        <p:nvSpPr>
+          <p:cNvPr id="20" name="Rectangle 6">
+            <a:extLst>
+              <a:ext uri="{FF2B5EF4-FFF2-40B4-BE49-F238E27FC236}">
+                <a16:creationId xmlns:a16="http://schemas.microsoft.com/office/drawing/2014/main" id="{CB18A066-E175-465F-A885-0E0EE09ED325}"/>
+              </a:ext>
+            </a:extLst>
+          </p:cNvPr>
+          <p:cNvSpPr/>
+          <p:nvPr/>
+        </p:nvSpPr>
+        <p:spPr>
+          <a:xfrm>
+            <a:off x="8112712" y="4866262"/>
+            <a:ext cx="914400" cy="914400"/>
+          </a:xfrm>
+          <a:prstGeom prst="rect">
+            <a:avLst/>
+          </a:prstGeom>
+          <a:solidFill>
+            <a:srgbClr val="92D050">
+              <a:alpha val="42000"/>
+            </a:srgbClr>
+          </a:solidFill>
+          <a:ln>
+            <a:solidFill>
+              <a:schemeClr val="accent1">
+                <a:shade val="50000"/>
+                <a:alpha val="86000"/>
+              </a:schemeClr>
+            </a:solidFill>
+          </a:ln>
+        </p:spPr>
+        <p:style>
+          <a:lnRef idx="2">
+            <a:schemeClr val="accent1">
+              <a:shade val="50000"/>
+            </a:schemeClr>
+          </a:lnRef>
+          <a:fillRef idx="1">
+            <a:schemeClr val="accent1"/>
+          </a:fillRef>
+          <a:effectRef idx="0">
+            <a:schemeClr val="accent1"/>
+          </a:effectRef>
+          <a:fontRef idx="minor">
+            <a:schemeClr val="lt1"/>
+          </a:fontRef>
+        </p:style>
+        <p:txBody>
+          <a:bodyPr rtlCol="0" anchor="ctr"/>
+          <a:lstStyle/>
+          <a:p>
+            <a:pPr algn="ctr"/>
+            <a:r>
+              <a:rPr lang="en-SE" sz="1200" dirty="0">
+                <a:solidFill>
+                  <a:schemeClr val="tx1"/>
+                </a:solidFill>
+              </a:rPr>
+              <a:t>Node 98</a:t>
+            </a:r>
+          </a:p>
+          <a:p>
+            <a:pPr algn="ctr"/>
+            <a:r>
+              <a:rPr lang="en-SE" sz="1200" dirty="0" err="1">
+                <a:solidFill>
+                  <a:schemeClr val="tx1"/>
+                </a:solidFill>
+              </a:rPr>
+              <a:t>NodeId</a:t>
+            </a:r>
+            <a:r>
+              <a:rPr lang="en-SE" sz="1200" dirty="0">
+                <a:solidFill>
+                  <a:schemeClr val="tx1"/>
+                </a:solidFill>
+              </a:rPr>
+              <a:t>=4</a:t>
+            </a:r>
+          </a:p>
+          <a:p>
+            <a:pPr algn="ctr"/>
+            <a:r>
+              <a:rPr lang="en-SE" sz="1200" dirty="0">
+                <a:solidFill>
+                  <a:schemeClr val="tx1"/>
+                </a:solidFill>
+              </a:rPr>
+              <a:t>Patio</a:t>
+            </a:r>
+          </a:p>
+        </p:txBody>
+      </p:sp>
+      <p:cxnSp>
+        <p:nvCxnSpPr>
+          <p:cNvPr id="14" name="Rak pilkoppling 13">
+            <a:extLst>
+              <a:ext uri="{FF2B5EF4-FFF2-40B4-BE49-F238E27FC236}">
+                <a16:creationId xmlns:a16="http://schemas.microsoft.com/office/drawing/2014/main" id="{C8843C9A-6557-4AAB-A698-2F06B1DE7EDD}"/>
+              </a:ext>
+            </a:extLst>
+          </p:cNvPr>
+          <p:cNvCxnSpPr>
+            <a:stCxn id="4" idx="3"/>
+            <a:endCxn id="20" idx="1"/>
+          </p:cNvCxnSpPr>
+          <p:nvPr/>
+        </p:nvCxnSpPr>
+        <p:spPr>
+          <a:xfrm>
+            <a:off x="5979110" y="3719652"/>
+            <a:ext cx="2133602" cy="1603810"/>
+          </a:xfrm>
+          <a:prstGeom prst="straightConnector1">
+            <a:avLst/>
+          </a:prstGeom>
+          <a:ln>
+            <a:tailEnd type="triangle"/>
+          </a:ln>
+        </p:spPr>
+        <p:style>
+          <a:lnRef idx="1">
+            <a:schemeClr val="accent1"/>
+          </a:lnRef>
+          <a:fillRef idx="0">
+            <a:schemeClr val="accent1"/>
+          </a:fillRef>
+          <a:effectRef idx="0">
+            <a:schemeClr val="accent1"/>
+          </a:effectRef>
+          <a:fontRef idx="minor">
+            <a:schemeClr val="tx1"/>
+          </a:fontRef>
+        </p:style>
+      </p:cxnSp>
+      <p:sp>
+        <p:nvSpPr>
+          <p:cNvPr id="26" name="TextBox 18">
+            <a:extLst>
+              <a:ext uri="{FF2B5EF4-FFF2-40B4-BE49-F238E27FC236}">
+                <a16:creationId xmlns:a16="http://schemas.microsoft.com/office/drawing/2014/main" id="{B3968AD3-E319-4DDA-8B7B-EAD6035E8052}"/>
+              </a:ext>
+            </a:extLst>
+          </p:cNvPr>
+          <p:cNvSpPr txBox="1"/>
+          <p:nvPr/>
+        </p:nvSpPr>
+        <p:spPr>
+          <a:xfrm>
+            <a:off x="3150218" y="2478953"/>
             <a:ext cx="780983" cy="246221"/>
           </a:xfrm>
           <a:prstGeom prst="rect">
@@ -4723,10 +4951,129 @@
       </p:sp>
       <p:sp>
         <p:nvSpPr>
-          <p:cNvPr id="18" name="TextBox 17">
-            <a:extLst>
-              <a:ext uri="{FF2B5EF4-FFF2-40B4-BE49-F238E27FC236}">
-                <a16:creationId xmlns:a16="http://schemas.microsoft.com/office/drawing/2014/main" id="{380AA699-E4FC-41E3-9566-2A99C81502B5}"/>
+          <p:cNvPr id="27" name="Rectangle 2">
+            <a:extLst>
+              <a:ext uri="{FF2B5EF4-FFF2-40B4-BE49-F238E27FC236}">
+                <a16:creationId xmlns:a16="http://schemas.microsoft.com/office/drawing/2014/main" id="{446D5DD0-C63A-46EA-9553-C93EA9E6B045}"/>
+              </a:ext>
+            </a:extLst>
+          </p:cNvPr>
+          <p:cNvSpPr/>
+          <p:nvPr/>
+        </p:nvSpPr>
+        <p:spPr>
+          <a:xfrm>
+            <a:off x="2235818" y="3734564"/>
+            <a:ext cx="914400" cy="914400"/>
+          </a:xfrm>
+          <a:prstGeom prst="rect">
+            <a:avLst/>
+          </a:prstGeom>
+          <a:solidFill>
+            <a:srgbClr val="92D050">
+              <a:alpha val="42000"/>
+            </a:srgbClr>
+          </a:solidFill>
+          <a:ln>
+            <a:solidFill>
+              <a:schemeClr val="accent1">
+                <a:shade val="50000"/>
+                <a:alpha val="86000"/>
+              </a:schemeClr>
+            </a:solidFill>
+          </a:ln>
+        </p:spPr>
+        <p:style>
+          <a:lnRef idx="2">
+            <a:schemeClr val="accent1">
+              <a:shade val="50000"/>
+            </a:schemeClr>
+          </a:lnRef>
+          <a:fillRef idx="1">
+            <a:schemeClr val="accent1"/>
+          </a:fillRef>
+          <a:effectRef idx="0">
+            <a:schemeClr val="accent1"/>
+          </a:effectRef>
+          <a:fontRef idx="minor">
+            <a:schemeClr val="lt1"/>
+          </a:fontRef>
+        </p:style>
+        <p:txBody>
+          <a:bodyPr rtlCol="0" anchor="ctr"/>
+          <a:lstStyle/>
+          <a:p>
+            <a:pPr algn="ctr"/>
+            <a:r>
+              <a:rPr lang="en-SE" sz="1200" dirty="0">
+                <a:solidFill>
+                  <a:schemeClr val="tx1"/>
+                </a:solidFill>
+              </a:rPr>
+              <a:t>Node 31</a:t>
+            </a:r>
+          </a:p>
+          <a:p>
+            <a:pPr algn="ctr"/>
+            <a:r>
+              <a:rPr lang="en-SE" sz="1200" dirty="0">
+                <a:solidFill>
+                  <a:schemeClr val="tx1"/>
+                </a:solidFill>
+              </a:rPr>
+              <a:t>Pergola</a:t>
+            </a:r>
+          </a:p>
+        </p:txBody>
+      </p:sp>
+      <p:cxnSp>
+        <p:nvCxnSpPr>
+          <p:cNvPr id="30" name="Rak pilkoppling 29">
+            <a:extLst>
+              <a:ext uri="{FF2B5EF4-FFF2-40B4-BE49-F238E27FC236}">
+                <a16:creationId xmlns:a16="http://schemas.microsoft.com/office/drawing/2014/main" id="{437E73ED-91EA-4D2D-9CD7-04BCB59FE6F1}"/>
+              </a:ext>
+            </a:extLst>
+          </p:cNvPr>
+          <p:cNvCxnSpPr>
+            <a:stCxn id="27" idx="3"/>
+            <a:endCxn id="4" idx="1"/>
+          </p:cNvCxnSpPr>
+          <p:nvPr/>
+        </p:nvCxnSpPr>
+        <p:spPr>
+          <a:xfrm flipV="1">
+            <a:off x="3150218" y="3719652"/>
+            <a:ext cx="1914492" cy="472112"/>
+          </a:xfrm>
+          <a:prstGeom prst="straightConnector1">
+            <a:avLst/>
+          </a:prstGeom>
+          <a:ln>
+            <a:tailEnd type="triangle"/>
+          </a:ln>
+        </p:spPr>
+        <p:style>
+          <a:lnRef idx="1">
+            <a:schemeClr val="accent1"/>
+          </a:lnRef>
+          <a:fillRef idx="0">
+            <a:schemeClr val="accent1"/>
+          </a:fillRef>
+          <a:effectRef idx="0">
+            <a:schemeClr val="accent1"/>
+          </a:effectRef>
+          <a:fontRef idx="minor">
+            <a:schemeClr val="tx1"/>
+          </a:fontRef>
+        </p:style>
+      </p:cxnSp>
+      <p:sp>
+        <p:nvSpPr>
+          <p:cNvPr id="31" name="TextBox 18">
+            <a:extLst>
+              <a:ext uri="{FF2B5EF4-FFF2-40B4-BE49-F238E27FC236}">
+                <a16:creationId xmlns:a16="http://schemas.microsoft.com/office/drawing/2014/main" id="{ADA8EBCD-8E37-4A41-9452-695877CD2AA5}"/>
               </a:ext>
             </a:extLst>
           </p:cNvPr>
@@ -4735,8 +5082,8 @@
         </p:nvSpPr>
         <p:spPr>
           <a:xfrm>
-            <a:off x="8248650" y="3583781"/>
-            <a:ext cx="780983" cy="246221"/>
+            <a:off x="3150218" y="3785033"/>
+            <a:ext cx="1048685" cy="246221"/>
           </a:xfrm>
           <a:prstGeom prst="rect">
             <a:avLst/>
@@ -4751,17 +5098,17 @@
           <a:p>
             <a:r>
               <a:rPr lang="en-SE" sz="1000" dirty="0"/>
-              <a:t>Temp/Hum</a:t>
-            </a:r>
-          </a:p>
-        </p:txBody>
-      </p:sp>
-      <p:sp>
-        <p:nvSpPr>
-          <p:cNvPr id="19" name="TextBox 18">
-            <a:extLst>
-              <a:ext uri="{FF2B5EF4-FFF2-40B4-BE49-F238E27FC236}">
-                <a16:creationId xmlns:a16="http://schemas.microsoft.com/office/drawing/2014/main" id="{247EDD77-A978-4006-97F1-3BC5B6A7FD6C}"/>
+              <a:t>UVI/Air pressure</a:t>
+            </a:r>
+          </a:p>
+        </p:txBody>
+      </p:sp>
+      <p:sp>
+        <p:nvSpPr>
+          <p:cNvPr id="32" name="TextBox 16">
+            <a:extLst>
+              <a:ext uri="{FF2B5EF4-FFF2-40B4-BE49-F238E27FC236}">
+                <a16:creationId xmlns:a16="http://schemas.microsoft.com/office/drawing/2014/main" id="{0DA2CA64-6D55-49A3-9AB8-3A555C97D661}"/>
               </a:ext>
             </a:extLst>
           </p:cNvPr>
@@ -4770,8 +5117,8 @@
         </p:nvSpPr>
         <p:spPr>
           <a:xfrm>
-            <a:off x="8258209" y="4991099"/>
-            <a:ext cx="780983" cy="246221"/>
+            <a:off x="9041404" y="2594644"/>
+            <a:ext cx="1119217" cy="1015663"/>
           </a:xfrm>
           <a:prstGeom prst="rect">
             <a:avLst/>
@@ -4786,7 +5133,239 @@
           <a:p>
             <a:r>
               <a:rPr lang="en-SE" sz="1000" dirty="0"/>
-              <a:t>Temp/Hum</a:t>
+              <a:t>time</a:t>
+            </a:r>
+          </a:p>
+          <a:p>
+            <a:r>
+              <a:rPr lang="sv-SE" sz="1000" dirty="0"/>
+              <a:t>I</a:t>
+            </a:r>
+            <a:r>
+              <a:rPr lang="en-SE" sz="1000" dirty="0" err="1"/>
+              <a:t>ndoor</a:t>
+            </a:r>
+            <a:r>
+              <a:rPr lang="en-SE" sz="1000" dirty="0"/>
+              <a:t> temp</a:t>
+            </a:r>
+          </a:p>
+          <a:p>
+            <a:r>
+              <a:rPr lang="sv-SE" sz="1000" dirty="0"/>
+              <a:t>O</a:t>
+            </a:r>
+            <a:r>
+              <a:rPr lang="en-SE" sz="1000" dirty="0" err="1"/>
+              <a:t>utdoor</a:t>
+            </a:r>
+            <a:r>
+              <a:rPr lang="en-SE" sz="1000" dirty="0"/>
+              <a:t> temp</a:t>
+            </a:r>
+          </a:p>
+          <a:p>
+            <a:r>
+              <a:rPr lang="sv-SE" sz="1000" dirty="0"/>
+              <a:t>O</a:t>
+            </a:r>
+            <a:r>
+              <a:rPr lang="en-SE" sz="1000" dirty="0" err="1"/>
+              <a:t>utdoor</a:t>
+            </a:r>
+            <a:r>
+              <a:rPr lang="en-SE" sz="1000" dirty="0"/>
+              <a:t> humidity</a:t>
+            </a:r>
+          </a:p>
+          <a:p>
+            <a:r>
+              <a:rPr lang="en-SE" sz="1000" dirty="0"/>
+              <a:t>UV-Index</a:t>
+            </a:r>
+          </a:p>
+          <a:p>
+            <a:r>
+              <a:rPr lang="en-SE" sz="1000" dirty="0"/>
+              <a:t>Air pressure</a:t>
+            </a:r>
+          </a:p>
+        </p:txBody>
+      </p:sp>
+      <p:sp>
+        <p:nvSpPr>
+          <p:cNvPr id="33" name="TextBox 16">
+            <a:extLst>
+              <a:ext uri="{FF2B5EF4-FFF2-40B4-BE49-F238E27FC236}">
+                <a16:creationId xmlns:a16="http://schemas.microsoft.com/office/drawing/2014/main" id="{F7144BA1-D6D4-4F7B-B1E2-C8DBD3CABF98}"/>
+              </a:ext>
+            </a:extLst>
+          </p:cNvPr>
+          <p:cNvSpPr txBox="1"/>
+          <p:nvPr/>
+        </p:nvSpPr>
+        <p:spPr>
+          <a:xfrm>
+            <a:off x="9046230" y="3761361"/>
+            <a:ext cx="1119217" cy="1015663"/>
+          </a:xfrm>
+          <a:prstGeom prst="rect">
+            <a:avLst/>
+          </a:prstGeom>
+          <a:noFill/>
+        </p:spPr>
+        <p:txBody>
+          <a:bodyPr wrap="none" rtlCol="0">
+            <a:spAutoFit/>
+          </a:bodyPr>
+          <a:lstStyle/>
+          <a:p>
+            <a:r>
+              <a:rPr lang="en-SE" sz="1000" dirty="0"/>
+              <a:t>time</a:t>
+            </a:r>
+          </a:p>
+          <a:p>
+            <a:r>
+              <a:rPr lang="sv-SE" sz="1000" dirty="0"/>
+              <a:t>I</a:t>
+            </a:r>
+            <a:r>
+              <a:rPr lang="en-SE" sz="1000" dirty="0" err="1"/>
+              <a:t>ndoor</a:t>
+            </a:r>
+            <a:r>
+              <a:rPr lang="en-SE" sz="1000" dirty="0"/>
+              <a:t> temp</a:t>
+            </a:r>
+          </a:p>
+          <a:p>
+            <a:r>
+              <a:rPr lang="sv-SE" sz="1000" dirty="0"/>
+              <a:t>O</a:t>
+            </a:r>
+            <a:r>
+              <a:rPr lang="en-SE" sz="1000" dirty="0" err="1"/>
+              <a:t>utdoor</a:t>
+            </a:r>
+            <a:r>
+              <a:rPr lang="en-SE" sz="1000" dirty="0"/>
+              <a:t> temp</a:t>
+            </a:r>
+          </a:p>
+          <a:p>
+            <a:r>
+              <a:rPr lang="sv-SE" sz="1000" dirty="0"/>
+              <a:t>O</a:t>
+            </a:r>
+            <a:r>
+              <a:rPr lang="en-SE" sz="1000" dirty="0" err="1"/>
+              <a:t>utdoor</a:t>
+            </a:r>
+            <a:r>
+              <a:rPr lang="en-SE" sz="1000" dirty="0"/>
+              <a:t> humidity</a:t>
+            </a:r>
+          </a:p>
+          <a:p>
+            <a:r>
+              <a:rPr lang="en-SE" sz="1000" dirty="0"/>
+              <a:t>UV-Index</a:t>
+            </a:r>
+          </a:p>
+          <a:p>
+            <a:r>
+              <a:rPr lang="en-SE" sz="1000" dirty="0"/>
+              <a:t>Air pressure</a:t>
+            </a:r>
+          </a:p>
+        </p:txBody>
+      </p:sp>
+      <p:sp>
+        <p:nvSpPr>
+          <p:cNvPr id="34" name="TextBox 16">
+            <a:extLst>
+              <a:ext uri="{FF2B5EF4-FFF2-40B4-BE49-F238E27FC236}">
+                <a16:creationId xmlns:a16="http://schemas.microsoft.com/office/drawing/2014/main" id="{BABB42FC-B759-4B8F-AFDE-ABFD0456AB8E}"/>
+              </a:ext>
+            </a:extLst>
+          </p:cNvPr>
+          <p:cNvSpPr txBox="1"/>
+          <p:nvPr/>
+        </p:nvSpPr>
+        <p:spPr>
+          <a:xfrm>
+            <a:off x="9027112" y="4866262"/>
+            <a:ext cx="1119217" cy="1015663"/>
+          </a:xfrm>
+          <a:prstGeom prst="rect">
+            <a:avLst/>
+          </a:prstGeom>
+          <a:noFill/>
+        </p:spPr>
+        <p:txBody>
+          <a:bodyPr wrap="none" rtlCol="0">
+            <a:spAutoFit/>
+          </a:bodyPr>
+          <a:lstStyle/>
+          <a:p>
+            <a:r>
+              <a:rPr lang="en-SE" sz="1000" dirty="0"/>
+              <a:t>time</a:t>
+            </a:r>
+          </a:p>
+          <a:p>
+            <a:r>
+              <a:rPr lang="sv-SE" sz="1000" dirty="0"/>
+              <a:t>I</a:t>
+            </a:r>
+            <a:r>
+              <a:rPr lang="en-SE" sz="1000" dirty="0" err="1"/>
+              <a:t>ndoor</a:t>
+            </a:r>
+            <a:r>
+              <a:rPr lang="en-SE" sz="1000" dirty="0"/>
+              <a:t> temp</a:t>
+            </a:r>
+          </a:p>
+          <a:p>
+            <a:r>
+              <a:rPr lang="sv-SE" sz="1000" dirty="0"/>
+              <a:t>O</a:t>
+            </a:r>
+            <a:r>
+              <a:rPr lang="en-SE" sz="1000" dirty="0" err="1"/>
+              <a:t>utdoor</a:t>
+            </a:r>
+            <a:r>
+              <a:rPr lang="en-SE" sz="1000" dirty="0"/>
+              <a:t> temp</a:t>
+            </a:r>
+          </a:p>
+          <a:p>
+            <a:r>
+              <a:rPr lang="sv-SE" sz="1000" dirty="0"/>
+              <a:t>O</a:t>
+            </a:r>
+            <a:r>
+              <a:rPr lang="en-SE" sz="1000" dirty="0" err="1"/>
+              <a:t>utdoor</a:t>
+            </a:r>
+            <a:r>
+              <a:rPr lang="en-SE" sz="1000" dirty="0"/>
+              <a:t> humidity</a:t>
+            </a:r>
+          </a:p>
+          <a:p>
+            <a:r>
+              <a:rPr lang="en-SE" sz="1000" dirty="0"/>
+              <a:t>UV-Index</a:t>
+            </a:r>
+          </a:p>
+          <a:p>
+            <a:r>
+              <a:rPr lang="en-SE" sz="1000" dirty="0"/>
+              <a:t>Air pressure</a:t>
             </a:r>
           </a:p>
         </p:txBody>
@@ -4795,6 +5374,836 @@
     <p:extLst>
       <p:ext uri="{BB962C8B-B14F-4D97-AF65-F5344CB8AC3E}">
         <p14:creationId xmlns:p14="http://schemas.microsoft.com/office/powerpoint/2010/main" val="3186348832"/>
+      </p:ext>
+    </p:extLst>
+  </p:cSld>
+  <p:clrMapOvr>
+    <a:masterClrMapping/>
+  </p:clrMapOvr>
+</p:sld>
+</file>
+
+<file path=ppt/slides/slide4.xml><?xml version="1.0" encoding="utf-8"?>
+<p:sld xmlns:a="http://schemas.openxmlformats.org/drawingml/2006/main" xmlns:r="http://schemas.openxmlformats.org/officeDocument/2006/relationships" xmlns:p="http://schemas.openxmlformats.org/presentationml/2006/main">
+  <p:cSld>
+    <p:bg>
+      <p:bgPr>
+        <a:solidFill>
+          <a:schemeClr val="bg1"/>
+        </a:solidFill>
+        <a:effectLst/>
+      </p:bgPr>
+    </p:bg>
+    <p:spTree>
+      <p:nvGrpSpPr>
+        <p:cNvPr id="1" name=""/>
+        <p:cNvGrpSpPr/>
+        <p:nvPr/>
+      </p:nvGrpSpPr>
+      <p:grpSpPr>
+        <a:xfrm>
+          <a:off x="0" y="0"/>
+          <a:ext cx="0" cy="0"/>
+          <a:chOff x="0" y="0"/>
+          <a:chExt cx="0" cy="0"/>
+        </a:xfrm>
+      </p:grpSpPr>
+      <p:sp>
+        <p:nvSpPr>
+          <p:cNvPr id="2" name="Rubrik 1">
+            <a:extLst>
+              <a:ext uri="{FF2B5EF4-FFF2-40B4-BE49-F238E27FC236}">
+                <a16:creationId xmlns:a16="http://schemas.microsoft.com/office/drawing/2014/main" id="{992E5BCC-627C-4DAE-9634-589BDA0DFC68}"/>
+              </a:ext>
+            </a:extLst>
+          </p:cNvPr>
+          <p:cNvSpPr>
+            <a:spLocks noGrp="1"/>
+          </p:cNvSpPr>
+          <p:nvPr>
+            <p:ph type="title"/>
+          </p:nvPr>
+        </p:nvSpPr>
+        <p:spPr/>
+        <p:txBody>
+          <a:bodyPr/>
+          <a:lstStyle/>
+          <a:p>
+            <a:r>
+              <a:rPr lang="en-SE" dirty="0"/>
+              <a:t>Cyclic presentation of </a:t>
+            </a:r>
+            <a:r>
+              <a:rPr lang="en-SE" dirty="0" err="1"/>
+              <a:t>Sensordata</a:t>
+            </a:r>
+            <a:endParaRPr lang="sv-SE" dirty="0"/>
+          </a:p>
+        </p:txBody>
+      </p:sp>
+      <p:sp>
+        <p:nvSpPr>
+          <p:cNvPr id="4" name="Rektangel 3">
+            <a:extLst>
+              <a:ext uri="{FF2B5EF4-FFF2-40B4-BE49-F238E27FC236}">
+                <a16:creationId xmlns:a16="http://schemas.microsoft.com/office/drawing/2014/main" id="{71E7FE55-DDD3-41CC-A5C7-D98F7DA18756}"/>
+              </a:ext>
+            </a:extLst>
+          </p:cNvPr>
+          <p:cNvSpPr/>
+          <p:nvPr/>
+        </p:nvSpPr>
+        <p:spPr>
+          <a:xfrm>
+            <a:off x="2474845" y="2202033"/>
+            <a:ext cx="2117034" cy="327991"/>
+          </a:xfrm>
+          <a:prstGeom prst="rect">
+            <a:avLst/>
+          </a:prstGeom>
+          <a:solidFill>
+            <a:srgbClr val="00B050">
+              <a:alpha val="13000"/>
+            </a:srgbClr>
+          </a:solidFill>
+          <a:ln w="25400">
+            <a:solidFill>
+              <a:schemeClr val="accent1">
+                <a:shade val="50000"/>
+              </a:schemeClr>
+            </a:solidFill>
+          </a:ln>
+        </p:spPr>
+        <p:style>
+          <a:lnRef idx="2">
+            <a:schemeClr val="accent1">
+              <a:shade val="50000"/>
+            </a:schemeClr>
+          </a:lnRef>
+          <a:fillRef idx="1">
+            <a:schemeClr val="accent1"/>
+          </a:fillRef>
+          <a:effectRef idx="0">
+            <a:schemeClr val="accent1"/>
+          </a:effectRef>
+          <a:fontRef idx="minor">
+            <a:schemeClr val="lt1"/>
+          </a:fontRef>
+        </p:style>
+        <p:txBody>
+          <a:bodyPr rtlCol="0" anchor="ctr"/>
+          <a:lstStyle/>
+          <a:p>
+            <a:pPr algn="ctr"/>
+            <a:r>
+              <a:rPr lang="en-SE" sz="1200" dirty="0">
+                <a:solidFill>
+                  <a:schemeClr val="tx1"/>
+                </a:solidFill>
+              </a:rPr>
+              <a:t>Current time (20 sec)</a:t>
+            </a:r>
+            <a:endParaRPr lang="sv-SE" sz="1200" dirty="0">
+              <a:solidFill>
+                <a:schemeClr val="tx1"/>
+              </a:solidFill>
+            </a:endParaRPr>
+          </a:p>
+        </p:txBody>
+      </p:sp>
+      <p:sp>
+        <p:nvSpPr>
+          <p:cNvPr id="5" name="Rektangel 4">
+            <a:extLst>
+              <a:ext uri="{FF2B5EF4-FFF2-40B4-BE49-F238E27FC236}">
+                <a16:creationId xmlns:a16="http://schemas.microsoft.com/office/drawing/2014/main" id="{737FC3CD-5488-4789-A6D7-B99C76A719C5}"/>
+              </a:ext>
+            </a:extLst>
+          </p:cNvPr>
+          <p:cNvSpPr/>
+          <p:nvPr/>
+        </p:nvSpPr>
+        <p:spPr>
+          <a:xfrm>
+            <a:off x="2474845" y="2948358"/>
+            <a:ext cx="2117034" cy="327991"/>
+          </a:xfrm>
+          <a:prstGeom prst="rect">
+            <a:avLst/>
+          </a:prstGeom>
+          <a:solidFill>
+            <a:srgbClr val="00B050">
+              <a:alpha val="13000"/>
+            </a:srgbClr>
+          </a:solidFill>
+          <a:ln w="25400">
+            <a:solidFill>
+              <a:schemeClr val="accent1">
+                <a:shade val="50000"/>
+              </a:schemeClr>
+            </a:solidFill>
+          </a:ln>
+        </p:spPr>
+        <p:style>
+          <a:lnRef idx="2">
+            <a:schemeClr val="accent1">
+              <a:shade val="50000"/>
+            </a:schemeClr>
+          </a:lnRef>
+          <a:fillRef idx="1">
+            <a:schemeClr val="accent1"/>
+          </a:fillRef>
+          <a:effectRef idx="0">
+            <a:schemeClr val="accent1"/>
+          </a:effectRef>
+          <a:fontRef idx="minor">
+            <a:schemeClr val="lt1"/>
+          </a:fontRef>
+        </p:style>
+        <p:txBody>
+          <a:bodyPr rtlCol="0" anchor="ctr"/>
+          <a:lstStyle/>
+          <a:p>
+            <a:pPr algn="ctr"/>
+            <a:r>
+              <a:rPr lang="en-SE" sz="1200" dirty="0">
+                <a:solidFill>
+                  <a:schemeClr val="tx1"/>
+                </a:solidFill>
+              </a:rPr>
+              <a:t>Current time (2 sec)</a:t>
+            </a:r>
+            <a:endParaRPr lang="sv-SE" sz="1200" dirty="0">
+              <a:solidFill>
+                <a:schemeClr val="tx1"/>
+              </a:solidFill>
+            </a:endParaRPr>
+          </a:p>
+        </p:txBody>
+      </p:sp>
+      <p:sp>
+        <p:nvSpPr>
+          <p:cNvPr id="6" name="Rektangel 5">
+            <a:extLst>
+              <a:ext uri="{FF2B5EF4-FFF2-40B4-BE49-F238E27FC236}">
+                <a16:creationId xmlns:a16="http://schemas.microsoft.com/office/drawing/2014/main" id="{C8BFE475-A6DC-4440-97EA-A2FC8E6E122C}"/>
+              </a:ext>
+            </a:extLst>
+          </p:cNvPr>
+          <p:cNvSpPr/>
+          <p:nvPr/>
+        </p:nvSpPr>
+        <p:spPr>
+          <a:xfrm>
+            <a:off x="2474845" y="3694683"/>
+            <a:ext cx="2117034" cy="327991"/>
+          </a:xfrm>
+          <a:prstGeom prst="rect">
+            <a:avLst/>
+          </a:prstGeom>
+          <a:solidFill>
+            <a:srgbClr val="00B050">
+              <a:alpha val="13000"/>
+            </a:srgbClr>
+          </a:solidFill>
+          <a:ln w="25400">
+            <a:solidFill>
+              <a:schemeClr val="accent1">
+                <a:shade val="50000"/>
+              </a:schemeClr>
+            </a:solidFill>
+          </a:ln>
+        </p:spPr>
+        <p:style>
+          <a:lnRef idx="2">
+            <a:schemeClr val="accent1">
+              <a:shade val="50000"/>
+            </a:schemeClr>
+          </a:lnRef>
+          <a:fillRef idx="1">
+            <a:schemeClr val="accent1"/>
+          </a:fillRef>
+          <a:effectRef idx="0">
+            <a:schemeClr val="accent1"/>
+          </a:effectRef>
+          <a:fontRef idx="minor">
+            <a:schemeClr val="lt1"/>
+          </a:fontRef>
+        </p:style>
+        <p:txBody>
+          <a:bodyPr rtlCol="0" anchor="ctr"/>
+          <a:lstStyle/>
+          <a:p>
+            <a:pPr algn="ctr"/>
+            <a:r>
+              <a:rPr lang="en-SE" sz="1200" dirty="0">
+                <a:solidFill>
+                  <a:schemeClr val="tx1"/>
+                </a:solidFill>
+              </a:rPr>
+              <a:t>Current time (2 sec)</a:t>
+            </a:r>
+            <a:endParaRPr lang="sv-SE" sz="1200" dirty="0">
+              <a:solidFill>
+                <a:schemeClr val="tx1"/>
+              </a:solidFill>
+            </a:endParaRPr>
+          </a:p>
+        </p:txBody>
+      </p:sp>
+      <p:sp>
+        <p:nvSpPr>
+          <p:cNvPr id="7" name="Rektangel 6">
+            <a:extLst>
+              <a:ext uri="{FF2B5EF4-FFF2-40B4-BE49-F238E27FC236}">
+                <a16:creationId xmlns:a16="http://schemas.microsoft.com/office/drawing/2014/main" id="{AC53AC5C-3E3B-4754-9AC7-B619A1376873}"/>
+              </a:ext>
+            </a:extLst>
+          </p:cNvPr>
+          <p:cNvSpPr/>
+          <p:nvPr/>
+        </p:nvSpPr>
+        <p:spPr>
+          <a:xfrm>
+            <a:off x="2474845" y="4441008"/>
+            <a:ext cx="2117034" cy="327991"/>
+          </a:xfrm>
+          <a:prstGeom prst="rect">
+            <a:avLst/>
+          </a:prstGeom>
+          <a:solidFill>
+            <a:srgbClr val="00B050">
+              <a:alpha val="13000"/>
+            </a:srgbClr>
+          </a:solidFill>
+          <a:ln w="25400">
+            <a:solidFill>
+              <a:schemeClr val="accent1">
+                <a:shade val="50000"/>
+              </a:schemeClr>
+            </a:solidFill>
+          </a:ln>
+        </p:spPr>
+        <p:style>
+          <a:lnRef idx="2">
+            <a:schemeClr val="accent1">
+              <a:shade val="50000"/>
+            </a:schemeClr>
+          </a:lnRef>
+          <a:fillRef idx="1">
+            <a:schemeClr val="accent1"/>
+          </a:fillRef>
+          <a:effectRef idx="0">
+            <a:schemeClr val="accent1"/>
+          </a:effectRef>
+          <a:fontRef idx="minor">
+            <a:schemeClr val="lt1"/>
+          </a:fontRef>
+        </p:style>
+        <p:txBody>
+          <a:bodyPr rtlCol="0" anchor="ctr"/>
+          <a:lstStyle/>
+          <a:p>
+            <a:pPr algn="ctr"/>
+            <a:r>
+              <a:rPr lang="en-SE" sz="1200" dirty="0">
+                <a:solidFill>
+                  <a:schemeClr val="tx1"/>
+                </a:solidFill>
+              </a:rPr>
+              <a:t>Current time (2 sec)</a:t>
+            </a:r>
+            <a:endParaRPr lang="sv-SE" sz="1200" dirty="0">
+              <a:solidFill>
+                <a:schemeClr val="tx1"/>
+              </a:solidFill>
+            </a:endParaRPr>
+          </a:p>
+        </p:txBody>
+      </p:sp>
+      <p:sp>
+        <p:nvSpPr>
+          <p:cNvPr id="8" name="Rektangel 7">
+            <a:extLst>
+              <a:ext uri="{FF2B5EF4-FFF2-40B4-BE49-F238E27FC236}">
+                <a16:creationId xmlns:a16="http://schemas.microsoft.com/office/drawing/2014/main" id="{1477BC35-6F8E-4393-9BFB-26A8A59F5822}"/>
+              </a:ext>
+            </a:extLst>
+          </p:cNvPr>
+          <p:cNvSpPr/>
+          <p:nvPr/>
+        </p:nvSpPr>
+        <p:spPr>
+          <a:xfrm>
+            <a:off x="2474845" y="5187333"/>
+            <a:ext cx="2117034" cy="327991"/>
+          </a:xfrm>
+          <a:prstGeom prst="rect">
+            <a:avLst/>
+          </a:prstGeom>
+          <a:solidFill>
+            <a:srgbClr val="00B050">
+              <a:alpha val="13000"/>
+            </a:srgbClr>
+          </a:solidFill>
+          <a:ln w="25400">
+            <a:solidFill>
+              <a:schemeClr val="accent1">
+                <a:shade val="50000"/>
+              </a:schemeClr>
+            </a:solidFill>
+          </a:ln>
+        </p:spPr>
+        <p:style>
+          <a:lnRef idx="2">
+            <a:schemeClr val="accent1">
+              <a:shade val="50000"/>
+            </a:schemeClr>
+          </a:lnRef>
+          <a:fillRef idx="1">
+            <a:schemeClr val="accent1"/>
+          </a:fillRef>
+          <a:effectRef idx="0">
+            <a:schemeClr val="accent1"/>
+          </a:effectRef>
+          <a:fontRef idx="minor">
+            <a:schemeClr val="lt1"/>
+          </a:fontRef>
+        </p:style>
+        <p:txBody>
+          <a:bodyPr rtlCol="0" anchor="ctr"/>
+          <a:lstStyle/>
+          <a:p>
+            <a:pPr algn="ctr"/>
+            <a:r>
+              <a:rPr lang="en-SE" sz="1200" dirty="0">
+                <a:solidFill>
+                  <a:schemeClr val="tx1"/>
+                </a:solidFill>
+              </a:rPr>
+              <a:t>Current time (2 sec)</a:t>
+            </a:r>
+            <a:endParaRPr lang="sv-SE" sz="1200" dirty="0">
+              <a:solidFill>
+                <a:schemeClr val="tx1"/>
+              </a:solidFill>
+            </a:endParaRPr>
+          </a:p>
+        </p:txBody>
+      </p:sp>
+      <p:sp>
+        <p:nvSpPr>
+          <p:cNvPr id="9" name="Rektangel 8">
+            <a:extLst>
+              <a:ext uri="{FF2B5EF4-FFF2-40B4-BE49-F238E27FC236}">
+                <a16:creationId xmlns:a16="http://schemas.microsoft.com/office/drawing/2014/main" id="{E03DFA4F-5E89-4451-84F7-B47B04CDE6C2}"/>
+              </a:ext>
+            </a:extLst>
+          </p:cNvPr>
+          <p:cNvSpPr/>
+          <p:nvPr/>
+        </p:nvSpPr>
+        <p:spPr>
+          <a:xfrm>
+            <a:off x="2474845" y="5933660"/>
+            <a:ext cx="2117034" cy="327991"/>
+          </a:xfrm>
+          <a:prstGeom prst="rect">
+            <a:avLst/>
+          </a:prstGeom>
+          <a:solidFill>
+            <a:srgbClr val="00B050">
+              <a:alpha val="13000"/>
+            </a:srgbClr>
+          </a:solidFill>
+          <a:ln w="25400">
+            <a:solidFill>
+              <a:schemeClr val="accent1">
+                <a:shade val="50000"/>
+              </a:schemeClr>
+            </a:solidFill>
+          </a:ln>
+        </p:spPr>
+        <p:style>
+          <a:lnRef idx="2">
+            <a:schemeClr val="accent1">
+              <a:shade val="50000"/>
+            </a:schemeClr>
+          </a:lnRef>
+          <a:fillRef idx="1">
+            <a:schemeClr val="accent1"/>
+          </a:fillRef>
+          <a:effectRef idx="0">
+            <a:schemeClr val="accent1"/>
+          </a:effectRef>
+          <a:fontRef idx="minor">
+            <a:schemeClr val="lt1"/>
+          </a:fontRef>
+        </p:style>
+        <p:txBody>
+          <a:bodyPr rtlCol="0" anchor="ctr"/>
+          <a:lstStyle/>
+          <a:p>
+            <a:pPr algn="ctr"/>
+            <a:r>
+              <a:rPr lang="en-SE" sz="1200" dirty="0">
+                <a:solidFill>
+                  <a:schemeClr val="tx1"/>
+                </a:solidFill>
+              </a:rPr>
+              <a:t>Current time (2 sec)</a:t>
+            </a:r>
+            <a:endParaRPr lang="sv-SE" sz="1200" dirty="0">
+              <a:solidFill>
+                <a:schemeClr val="tx1"/>
+              </a:solidFill>
+            </a:endParaRPr>
+          </a:p>
+        </p:txBody>
+      </p:sp>
+      <p:cxnSp>
+        <p:nvCxnSpPr>
+          <p:cNvPr id="11" name="Rak pilkoppling 10">
+            <a:extLst>
+              <a:ext uri="{FF2B5EF4-FFF2-40B4-BE49-F238E27FC236}">
+                <a16:creationId xmlns:a16="http://schemas.microsoft.com/office/drawing/2014/main" id="{5E522CFB-592F-4912-AA29-9C31383FD301}"/>
+              </a:ext>
+            </a:extLst>
+          </p:cNvPr>
+          <p:cNvCxnSpPr>
+            <a:stCxn id="4" idx="2"/>
+            <a:endCxn id="5" idx="0"/>
+          </p:cNvCxnSpPr>
+          <p:nvPr/>
+        </p:nvCxnSpPr>
+        <p:spPr>
+          <a:xfrm>
+            <a:off x="3533362" y="2530024"/>
+            <a:ext cx="0" cy="418334"/>
+          </a:xfrm>
+          <a:prstGeom prst="straightConnector1">
+            <a:avLst/>
+          </a:prstGeom>
+          <a:ln>
+            <a:tailEnd type="triangle"/>
+          </a:ln>
+        </p:spPr>
+        <p:style>
+          <a:lnRef idx="1">
+            <a:schemeClr val="accent1"/>
+          </a:lnRef>
+          <a:fillRef idx="0">
+            <a:schemeClr val="accent1"/>
+          </a:fillRef>
+          <a:effectRef idx="0">
+            <a:schemeClr val="accent1"/>
+          </a:effectRef>
+          <a:fontRef idx="minor">
+            <a:schemeClr val="tx1"/>
+          </a:fontRef>
+        </p:style>
+      </p:cxnSp>
+      <p:cxnSp>
+        <p:nvCxnSpPr>
+          <p:cNvPr id="13" name="Rak pilkoppling 12">
+            <a:extLst>
+              <a:ext uri="{FF2B5EF4-FFF2-40B4-BE49-F238E27FC236}">
+                <a16:creationId xmlns:a16="http://schemas.microsoft.com/office/drawing/2014/main" id="{70982396-E0CB-4363-800D-EEAF880C25C0}"/>
+              </a:ext>
+            </a:extLst>
+          </p:cNvPr>
+          <p:cNvCxnSpPr>
+            <a:stCxn id="5" idx="2"/>
+            <a:endCxn id="6" idx="0"/>
+          </p:cNvCxnSpPr>
+          <p:nvPr/>
+        </p:nvCxnSpPr>
+        <p:spPr>
+          <a:xfrm>
+            <a:off x="3533362" y="3276349"/>
+            <a:ext cx="0" cy="418334"/>
+          </a:xfrm>
+          <a:prstGeom prst="straightConnector1">
+            <a:avLst/>
+          </a:prstGeom>
+          <a:ln>
+            <a:tailEnd type="triangle"/>
+          </a:ln>
+        </p:spPr>
+        <p:style>
+          <a:lnRef idx="1">
+            <a:schemeClr val="accent1"/>
+          </a:lnRef>
+          <a:fillRef idx="0">
+            <a:schemeClr val="accent1"/>
+          </a:fillRef>
+          <a:effectRef idx="0">
+            <a:schemeClr val="accent1"/>
+          </a:effectRef>
+          <a:fontRef idx="minor">
+            <a:schemeClr val="tx1"/>
+          </a:fontRef>
+        </p:style>
+      </p:cxnSp>
+      <p:cxnSp>
+        <p:nvCxnSpPr>
+          <p:cNvPr id="15" name="Rak pilkoppling 14">
+            <a:extLst>
+              <a:ext uri="{FF2B5EF4-FFF2-40B4-BE49-F238E27FC236}">
+                <a16:creationId xmlns:a16="http://schemas.microsoft.com/office/drawing/2014/main" id="{629BEFA0-4573-4183-904A-419F0F533D49}"/>
+              </a:ext>
+            </a:extLst>
+          </p:cNvPr>
+          <p:cNvCxnSpPr>
+            <a:stCxn id="6" idx="2"/>
+            <a:endCxn id="7" idx="0"/>
+          </p:cNvCxnSpPr>
+          <p:nvPr/>
+        </p:nvCxnSpPr>
+        <p:spPr>
+          <a:xfrm>
+            <a:off x="3533362" y="4022674"/>
+            <a:ext cx="0" cy="418334"/>
+          </a:xfrm>
+          <a:prstGeom prst="straightConnector1">
+            <a:avLst/>
+          </a:prstGeom>
+          <a:ln>
+            <a:tailEnd type="triangle"/>
+          </a:ln>
+        </p:spPr>
+        <p:style>
+          <a:lnRef idx="1">
+            <a:schemeClr val="accent1"/>
+          </a:lnRef>
+          <a:fillRef idx="0">
+            <a:schemeClr val="accent1"/>
+          </a:fillRef>
+          <a:effectRef idx="0">
+            <a:schemeClr val="accent1"/>
+          </a:effectRef>
+          <a:fontRef idx="minor">
+            <a:schemeClr val="tx1"/>
+          </a:fontRef>
+        </p:style>
+      </p:cxnSp>
+      <p:cxnSp>
+        <p:nvCxnSpPr>
+          <p:cNvPr id="17" name="Rak pilkoppling 16">
+            <a:extLst>
+              <a:ext uri="{FF2B5EF4-FFF2-40B4-BE49-F238E27FC236}">
+                <a16:creationId xmlns:a16="http://schemas.microsoft.com/office/drawing/2014/main" id="{BF878FB4-E957-4798-8EBD-C8C31895DCF0}"/>
+              </a:ext>
+            </a:extLst>
+          </p:cNvPr>
+          <p:cNvCxnSpPr>
+            <a:stCxn id="7" idx="2"/>
+            <a:endCxn id="8" idx="0"/>
+          </p:cNvCxnSpPr>
+          <p:nvPr/>
+        </p:nvCxnSpPr>
+        <p:spPr>
+          <a:xfrm>
+            <a:off x="3533362" y="4768999"/>
+            <a:ext cx="0" cy="418334"/>
+          </a:xfrm>
+          <a:prstGeom prst="straightConnector1">
+            <a:avLst/>
+          </a:prstGeom>
+          <a:ln>
+            <a:tailEnd type="triangle"/>
+          </a:ln>
+        </p:spPr>
+        <p:style>
+          <a:lnRef idx="1">
+            <a:schemeClr val="accent1"/>
+          </a:lnRef>
+          <a:fillRef idx="0">
+            <a:schemeClr val="accent1"/>
+          </a:fillRef>
+          <a:effectRef idx="0">
+            <a:schemeClr val="accent1"/>
+          </a:effectRef>
+          <a:fontRef idx="minor">
+            <a:schemeClr val="tx1"/>
+          </a:fontRef>
+        </p:style>
+      </p:cxnSp>
+      <p:cxnSp>
+        <p:nvCxnSpPr>
+          <p:cNvPr id="19" name="Rak pilkoppling 18">
+            <a:extLst>
+              <a:ext uri="{FF2B5EF4-FFF2-40B4-BE49-F238E27FC236}">
+                <a16:creationId xmlns:a16="http://schemas.microsoft.com/office/drawing/2014/main" id="{3567AB93-8399-414B-B658-5A2B49E31D38}"/>
+              </a:ext>
+            </a:extLst>
+          </p:cNvPr>
+          <p:cNvCxnSpPr>
+            <a:stCxn id="8" idx="2"/>
+            <a:endCxn id="9" idx="0"/>
+          </p:cNvCxnSpPr>
+          <p:nvPr/>
+        </p:nvCxnSpPr>
+        <p:spPr>
+          <a:xfrm>
+            <a:off x="3533362" y="5515324"/>
+            <a:ext cx="0" cy="418336"/>
+          </a:xfrm>
+          <a:prstGeom prst="straightConnector1">
+            <a:avLst/>
+          </a:prstGeom>
+          <a:ln>
+            <a:tailEnd type="triangle"/>
+          </a:ln>
+        </p:spPr>
+        <p:style>
+          <a:lnRef idx="1">
+            <a:schemeClr val="accent1"/>
+          </a:lnRef>
+          <a:fillRef idx="0">
+            <a:schemeClr val="accent1"/>
+          </a:fillRef>
+          <a:effectRef idx="0">
+            <a:schemeClr val="accent1"/>
+          </a:effectRef>
+          <a:fontRef idx="minor">
+            <a:schemeClr val="tx1"/>
+          </a:fontRef>
+        </p:style>
+      </p:cxnSp>
+      <p:cxnSp>
+        <p:nvCxnSpPr>
+          <p:cNvPr id="21" name="Koppling: vinklad 20">
+            <a:extLst>
+              <a:ext uri="{FF2B5EF4-FFF2-40B4-BE49-F238E27FC236}">
+                <a16:creationId xmlns:a16="http://schemas.microsoft.com/office/drawing/2014/main" id="{644C8165-F32B-4752-A4CA-18CBD1C6CC13}"/>
+              </a:ext>
+            </a:extLst>
+          </p:cNvPr>
+          <p:cNvCxnSpPr>
+            <a:stCxn id="9" idx="2"/>
+            <a:endCxn id="4" idx="0"/>
+          </p:cNvCxnSpPr>
+          <p:nvPr/>
+        </p:nvCxnSpPr>
+        <p:spPr>
+          <a:xfrm rot="5400000" flipH="1">
+            <a:off x="1503553" y="4231842"/>
+            <a:ext cx="4059618" cy="12700"/>
+          </a:xfrm>
+          <a:prstGeom prst="bentConnector5">
+            <a:avLst>
+              <a:gd name="adj1" fmla="val -5631"/>
+              <a:gd name="adj2" fmla="val 14126087"/>
+              <a:gd name="adj3" fmla="val 105631"/>
+            </a:avLst>
+          </a:prstGeom>
+          <a:ln>
+            <a:tailEnd type="triangle"/>
+          </a:ln>
+        </p:spPr>
+        <p:style>
+          <a:lnRef idx="1">
+            <a:schemeClr val="accent1"/>
+          </a:lnRef>
+          <a:fillRef idx="0">
+            <a:schemeClr val="accent1"/>
+          </a:fillRef>
+          <a:effectRef idx="0">
+            <a:schemeClr val="accent1"/>
+          </a:effectRef>
+          <a:fontRef idx="minor">
+            <a:schemeClr val="tx1"/>
+          </a:fontRef>
+        </p:style>
+      </p:cxnSp>
+      <p:sp>
+        <p:nvSpPr>
+          <p:cNvPr id="23" name="Höger klammerparentes 22">
+            <a:extLst>
+              <a:ext uri="{FF2B5EF4-FFF2-40B4-BE49-F238E27FC236}">
+                <a16:creationId xmlns:a16="http://schemas.microsoft.com/office/drawing/2014/main" id="{3343F1C0-3D6A-4444-80A3-9AC0D13B6BDA}"/>
+              </a:ext>
+            </a:extLst>
+          </p:cNvPr>
+          <p:cNvSpPr/>
+          <p:nvPr/>
+        </p:nvSpPr>
+        <p:spPr>
+          <a:xfrm>
+            <a:off x="4819788" y="2208383"/>
+            <a:ext cx="824258" cy="4059618"/>
+          </a:xfrm>
+          <a:prstGeom prst="rightBrace">
+            <a:avLst>
+              <a:gd name="adj1" fmla="val 8333"/>
+              <a:gd name="adj2" fmla="val 49755"/>
+            </a:avLst>
+          </a:prstGeom>
+        </p:spPr>
+        <p:style>
+          <a:lnRef idx="1">
+            <a:schemeClr val="accent1"/>
+          </a:lnRef>
+          <a:fillRef idx="0">
+            <a:schemeClr val="accent1"/>
+          </a:fillRef>
+          <a:effectRef idx="0">
+            <a:schemeClr val="accent1"/>
+          </a:effectRef>
+          <a:fontRef idx="minor">
+            <a:schemeClr val="tx1"/>
+          </a:fontRef>
+        </p:style>
+        <p:txBody>
+          <a:bodyPr rtlCol="0" anchor="ctr"/>
+          <a:lstStyle/>
+          <a:p>
+            <a:pPr algn="ctr"/>
+            <a:endParaRPr lang="sv-SE"/>
+          </a:p>
+        </p:txBody>
+      </p:sp>
+      <p:sp>
+        <p:nvSpPr>
+          <p:cNvPr id="24" name="textruta 23">
+            <a:extLst>
+              <a:ext uri="{FF2B5EF4-FFF2-40B4-BE49-F238E27FC236}">
+                <a16:creationId xmlns:a16="http://schemas.microsoft.com/office/drawing/2014/main" id="{FA1EC48D-9434-4AA9-9900-08E3E4888265}"/>
+              </a:ext>
+            </a:extLst>
+          </p:cNvPr>
+          <p:cNvSpPr txBox="1"/>
+          <p:nvPr/>
+        </p:nvSpPr>
+        <p:spPr>
+          <a:xfrm>
+            <a:off x="5871955" y="4053526"/>
+            <a:ext cx="1227900" cy="369332"/>
+          </a:xfrm>
+          <a:prstGeom prst="rect">
+            <a:avLst/>
+          </a:prstGeom>
+          <a:noFill/>
+        </p:spPr>
+        <p:txBody>
+          <a:bodyPr wrap="none" rtlCol="0">
+            <a:spAutoFit/>
+          </a:bodyPr>
+          <a:lstStyle/>
+          <a:p>
+            <a:r>
+              <a:rPr lang="en-SE" dirty="0"/>
+              <a:t>30 seconds</a:t>
+            </a:r>
+            <a:endParaRPr lang="sv-SE" dirty="0"/>
+          </a:p>
+        </p:txBody>
+      </p:sp>
+    </p:spTree>
+    <p:extLst>
+      <p:ext uri="{BB962C8B-B14F-4D97-AF65-F5344CB8AC3E}">
+        <p14:creationId xmlns:p14="http://schemas.microsoft.com/office/powerpoint/2010/main" val="1370291259"/>
       </p:ext>
     </p:extLst>
   </p:cSld>

--- a/Documentation/ClockNet.pptx
+++ b/Documentation/ClockNet.pptx
@@ -8,7 +8,8 @@
     <p:sldId id="256" r:id="rId2"/>
     <p:sldId id="257" r:id="rId3"/>
     <p:sldId id="258" r:id="rId4"/>
-    <p:sldId id="259" r:id="rId5"/>
+    <p:sldId id="260" r:id="rId5"/>
+    <p:sldId id="259" r:id="rId6"/>
   </p:sldIdLst>
   <p:sldSz cx="12192000" cy="6858000"/>
   <p:notesSz cx="6858000" cy="9144000"/>
@@ -264,7 +265,7 @@
           <a:p>
             <a:fld id="{BE8EC4D6-8DFC-4D31-BF3E-167B2F1ECE7E}" type="datetimeFigureOut">
               <a:rPr lang="en-SE" smtClean="0"/>
-              <a:t>2021-01-18</a:t>
+              <a:t>2021-01-20</a:t>
             </a:fld>
             <a:endParaRPr lang="en-SE"/>
           </a:p>
@@ -464,7 +465,7 @@
           <a:p>
             <a:fld id="{BE8EC4D6-8DFC-4D31-BF3E-167B2F1ECE7E}" type="datetimeFigureOut">
               <a:rPr lang="en-SE" smtClean="0"/>
-              <a:t>2021-01-18</a:t>
+              <a:t>2021-01-20</a:t>
             </a:fld>
             <a:endParaRPr lang="en-SE"/>
           </a:p>
@@ -674,7 +675,7 @@
           <a:p>
             <a:fld id="{BE8EC4D6-8DFC-4D31-BF3E-167B2F1ECE7E}" type="datetimeFigureOut">
               <a:rPr lang="en-SE" smtClean="0"/>
-              <a:t>2021-01-18</a:t>
+              <a:t>2021-01-20</a:t>
             </a:fld>
             <a:endParaRPr lang="en-SE"/>
           </a:p>
@@ -874,7 +875,7 @@
           <a:p>
             <a:fld id="{BE8EC4D6-8DFC-4D31-BF3E-167B2F1ECE7E}" type="datetimeFigureOut">
               <a:rPr lang="en-SE" smtClean="0"/>
-              <a:t>2021-01-18</a:t>
+              <a:t>2021-01-20</a:t>
             </a:fld>
             <a:endParaRPr lang="en-SE"/>
           </a:p>
@@ -1150,7 +1151,7 @@
           <a:p>
             <a:fld id="{BE8EC4D6-8DFC-4D31-BF3E-167B2F1ECE7E}" type="datetimeFigureOut">
               <a:rPr lang="en-SE" smtClean="0"/>
-              <a:t>2021-01-18</a:t>
+              <a:t>2021-01-20</a:t>
             </a:fld>
             <a:endParaRPr lang="en-SE"/>
           </a:p>
@@ -1418,7 +1419,7 @@
           <a:p>
             <a:fld id="{BE8EC4D6-8DFC-4D31-BF3E-167B2F1ECE7E}" type="datetimeFigureOut">
               <a:rPr lang="en-SE" smtClean="0"/>
-              <a:t>2021-01-18</a:t>
+              <a:t>2021-01-20</a:t>
             </a:fld>
             <a:endParaRPr lang="en-SE"/>
           </a:p>
@@ -1833,7 +1834,7 @@
           <a:p>
             <a:fld id="{BE8EC4D6-8DFC-4D31-BF3E-167B2F1ECE7E}" type="datetimeFigureOut">
               <a:rPr lang="en-SE" smtClean="0"/>
-              <a:t>2021-01-18</a:t>
+              <a:t>2021-01-20</a:t>
             </a:fld>
             <a:endParaRPr lang="en-SE"/>
           </a:p>
@@ -1975,7 +1976,7 @@
           <a:p>
             <a:fld id="{BE8EC4D6-8DFC-4D31-BF3E-167B2F1ECE7E}" type="datetimeFigureOut">
               <a:rPr lang="en-SE" smtClean="0"/>
-              <a:t>2021-01-18</a:t>
+              <a:t>2021-01-20</a:t>
             </a:fld>
             <a:endParaRPr lang="en-SE"/>
           </a:p>
@@ -2088,7 +2089,7 @@
           <a:p>
             <a:fld id="{BE8EC4D6-8DFC-4D31-BF3E-167B2F1ECE7E}" type="datetimeFigureOut">
               <a:rPr lang="en-SE" smtClean="0"/>
-              <a:t>2021-01-18</a:t>
+              <a:t>2021-01-20</a:t>
             </a:fld>
             <a:endParaRPr lang="en-SE"/>
           </a:p>
@@ -2401,7 +2402,7 @@
           <a:p>
             <a:fld id="{BE8EC4D6-8DFC-4D31-BF3E-167B2F1ECE7E}" type="datetimeFigureOut">
               <a:rPr lang="en-SE" smtClean="0"/>
-              <a:t>2021-01-18</a:t>
+              <a:t>2021-01-20</a:t>
             </a:fld>
             <a:endParaRPr lang="en-SE"/>
           </a:p>
@@ -2690,7 +2691,7 @@
           <a:p>
             <a:fld id="{BE8EC4D6-8DFC-4D31-BF3E-167B2F1ECE7E}" type="datetimeFigureOut">
               <a:rPr lang="en-SE" smtClean="0"/>
-              <a:t>2021-01-18</a:t>
+              <a:t>2021-01-20</a:t>
             </a:fld>
             <a:endParaRPr lang="en-SE"/>
           </a:p>
@@ -2933,7 +2934,7 @@
           <a:p>
             <a:fld id="{BE8EC4D6-8DFC-4D31-BF3E-167B2F1ECE7E}" type="datetimeFigureOut">
               <a:rPr lang="en-SE" smtClean="0"/>
-              <a:t>2021-01-18</a:t>
+              <a:t>2021-01-20</a:t>
             </a:fld>
             <a:endParaRPr lang="en-SE"/>
           </a:p>
@@ -3466,14 +3467,7 @@
           <a:p>
             <a:r>
               <a:rPr lang="en-SE" dirty="0"/>
-              <a:t>Topology Alternative 1</a:t>
-            </a:r>
-            <a:br>
-              <a:rPr lang="en-SE" dirty="0"/>
-            </a:br>
-            <a:r>
-              <a:rPr lang="en-SE" dirty="0"/>
-              <a:t>Star</a:t>
+              <a:t>Topology: Star Distribution</a:t>
             </a:r>
           </a:p>
         </p:txBody>
@@ -4019,14 +4013,7 @@
           <a:p>
             <a:r>
               <a:rPr lang="en-SE" dirty="0"/>
-              <a:t>Topology </a:t>
-            </a:r>
-            <a:br>
-              <a:rPr lang="en-SE" dirty="0"/>
-            </a:br>
-            <a:r>
-              <a:rPr lang="en-SE" dirty="0"/>
-              <a:t>Alternative</a:t>
+              <a:t>Topology: Star Distribution</a:t>
             </a:r>
           </a:p>
         </p:txBody>
@@ -4287,7 +4274,7 @@
                   <a:schemeClr val="tx1"/>
                 </a:solidFill>
               </a:rPr>
-              <a:t>Patio</a:t>
+              <a:t>Livingroom</a:t>
             </a:r>
           </a:p>
         </p:txBody>
@@ -4383,7 +4370,7 @@
                   <a:schemeClr val="tx1"/>
                 </a:solidFill>
               </a:rPr>
-              <a:t>Patio</a:t>
+              <a:t>Bedroom</a:t>
             </a:r>
           </a:p>
         </p:txBody>
@@ -4479,7 +4466,7 @@
                   <a:schemeClr val="tx1"/>
                 </a:solidFill>
               </a:rPr>
-              <a:t>Patio</a:t>
+              <a:t>Office</a:t>
             </a:r>
           </a:p>
         </p:txBody>
@@ -4837,7 +4824,7 @@
                   <a:schemeClr val="tx1"/>
                 </a:solidFill>
               </a:rPr>
-              <a:t>Node 98</a:t>
+              <a:t>Node 99</a:t>
             </a:r>
           </a:p>
           <a:p>
@@ -4856,7 +4843,7 @@
                   <a:schemeClr val="tx1"/>
                 </a:solidFill>
               </a:rPr>
-              <a:t>=4</a:t>
+              <a:t>=5</a:t>
             </a:r>
           </a:p>
           <a:p>
@@ -4867,7 +4854,7 @@
                   <a:schemeClr val="tx1"/>
                 </a:solidFill>
               </a:rPr>
-              <a:t>Patio</a:t>
+              <a:t>Kitchen</a:t>
             </a:r>
           </a:p>
         </p:txBody>
@@ -5384,6 +5371,1427 @@
 </file>
 
 <file path=ppt/slides/slide4.xml><?xml version="1.0" encoding="utf-8"?>
+<p:sld xmlns:a="http://schemas.openxmlformats.org/drawingml/2006/main" xmlns:r="http://schemas.openxmlformats.org/officeDocument/2006/relationships" xmlns:p="http://schemas.openxmlformats.org/presentationml/2006/main">
+  <p:cSld>
+    <p:spTree>
+      <p:nvGrpSpPr>
+        <p:cNvPr id="1" name=""/>
+        <p:cNvGrpSpPr/>
+        <p:nvPr/>
+      </p:nvGrpSpPr>
+      <p:grpSpPr>
+        <a:xfrm>
+          <a:off x="0" y="0"/>
+          <a:ext cx="0" cy="0"/>
+          <a:chOff x="0" y="0"/>
+          <a:chExt cx="0" cy="0"/>
+        </a:xfrm>
+      </p:grpSpPr>
+      <p:sp>
+        <p:nvSpPr>
+          <p:cNvPr id="2" name="Title 1">
+            <a:extLst>
+              <a:ext uri="{FF2B5EF4-FFF2-40B4-BE49-F238E27FC236}">
+                <a16:creationId xmlns:a16="http://schemas.microsoft.com/office/drawing/2014/main" id="{7EE94081-A0BC-4C97-AE60-097A077D2FFC}"/>
+              </a:ext>
+            </a:extLst>
+          </p:cNvPr>
+          <p:cNvSpPr>
+            <a:spLocks noGrp="1"/>
+          </p:cNvSpPr>
+          <p:nvPr>
+            <p:ph type="title"/>
+          </p:nvPr>
+        </p:nvSpPr>
+        <p:spPr/>
+        <p:txBody>
+          <a:bodyPr/>
+          <a:lstStyle/>
+          <a:p>
+            <a:r>
+              <a:rPr lang="en-SE" dirty="0" err="1"/>
+              <a:t>Toplogy</a:t>
+            </a:r>
+            <a:r>
+              <a:rPr lang="en-SE" dirty="0"/>
+              <a:t> </a:t>
+            </a:r>
+            <a:r>
+              <a:rPr lang="en-SE" dirty="0" err="1"/>
+              <a:t>Sequen</a:t>
+            </a:r>
+            <a:r>
+              <a:rPr lang="sv-SE" dirty="0"/>
+              <a:t>t</a:t>
+            </a:r>
+            <a:r>
+              <a:rPr lang="en-SE" dirty="0" err="1"/>
+              <a:t>ial</a:t>
+            </a:r>
+            <a:r>
+              <a:rPr lang="en-SE" dirty="0"/>
+              <a:t> Distribution</a:t>
+            </a:r>
+          </a:p>
+        </p:txBody>
+      </p:sp>
+      <p:sp>
+        <p:nvSpPr>
+          <p:cNvPr id="3" name="Rectangle 2">
+            <a:extLst>
+              <a:ext uri="{FF2B5EF4-FFF2-40B4-BE49-F238E27FC236}">
+                <a16:creationId xmlns:a16="http://schemas.microsoft.com/office/drawing/2014/main" id="{974EE9E5-372A-429E-A6E4-0A13B6BABF45}"/>
+              </a:ext>
+            </a:extLst>
+          </p:cNvPr>
+          <p:cNvSpPr/>
+          <p:nvPr/>
+        </p:nvSpPr>
+        <p:spPr>
+          <a:xfrm>
+            <a:off x="581476" y="1712660"/>
+            <a:ext cx="914400" cy="914400"/>
+          </a:xfrm>
+          <a:prstGeom prst="rect">
+            <a:avLst/>
+          </a:prstGeom>
+          <a:solidFill>
+            <a:srgbClr val="92D050">
+              <a:alpha val="42000"/>
+            </a:srgbClr>
+          </a:solidFill>
+          <a:ln>
+            <a:solidFill>
+              <a:schemeClr val="accent1">
+                <a:shade val="50000"/>
+                <a:alpha val="86000"/>
+              </a:schemeClr>
+            </a:solidFill>
+          </a:ln>
+        </p:spPr>
+        <p:style>
+          <a:lnRef idx="2">
+            <a:schemeClr val="accent1">
+              <a:shade val="50000"/>
+            </a:schemeClr>
+          </a:lnRef>
+          <a:fillRef idx="1">
+            <a:schemeClr val="accent1"/>
+          </a:fillRef>
+          <a:effectRef idx="0">
+            <a:schemeClr val="accent1"/>
+          </a:effectRef>
+          <a:fontRef idx="minor">
+            <a:schemeClr val="lt1"/>
+          </a:fontRef>
+        </p:style>
+        <p:txBody>
+          <a:bodyPr rtlCol="0" anchor="ctr"/>
+          <a:lstStyle/>
+          <a:p>
+            <a:pPr algn="ctr"/>
+            <a:r>
+              <a:rPr lang="en-SE" sz="1200" dirty="0">
+                <a:solidFill>
+                  <a:schemeClr val="tx1"/>
+                </a:solidFill>
+              </a:rPr>
+              <a:t>Node 27</a:t>
+            </a:r>
+          </a:p>
+          <a:p>
+            <a:pPr algn="ctr"/>
+            <a:r>
+              <a:rPr lang="en-SE" sz="1200" dirty="0">
+                <a:solidFill>
+                  <a:schemeClr val="tx1"/>
+                </a:solidFill>
+              </a:rPr>
+              <a:t>Pergola</a:t>
+            </a:r>
+          </a:p>
+        </p:txBody>
+      </p:sp>
+      <p:sp>
+        <p:nvSpPr>
+          <p:cNvPr id="4" name="Rectangle 3">
+            <a:extLst>
+              <a:ext uri="{FF2B5EF4-FFF2-40B4-BE49-F238E27FC236}">
+                <a16:creationId xmlns:a16="http://schemas.microsoft.com/office/drawing/2014/main" id="{0117195B-9A74-4F49-8FC6-BB5B51B159FC}"/>
+              </a:ext>
+            </a:extLst>
+          </p:cNvPr>
+          <p:cNvSpPr/>
+          <p:nvPr/>
+        </p:nvSpPr>
+        <p:spPr>
+          <a:xfrm>
+            <a:off x="3410368" y="2424518"/>
+            <a:ext cx="914400" cy="914400"/>
+          </a:xfrm>
+          <a:prstGeom prst="rect">
+            <a:avLst/>
+          </a:prstGeom>
+          <a:solidFill>
+            <a:srgbClr val="92D050">
+              <a:alpha val="42000"/>
+            </a:srgbClr>
+          </a:solidFill>
+          <a:ln>
+            <a:solidFill>
+              <a:schemeClr val="accent1">
+                <a:shade val="50000"/>
+                <a:alpha val="86000"/>
+              </a:schemeClr>
+            </a:solidFill>
+          </a:ln>
+        </p:spPr>
+        <p:style>
+          <a:lnRef idx="2">
+            <a:schemeClr val="accent1">
+              <a:shade val="50000"/>
+            </a:schemeClr>
+          </a:lnRef>
+          <a:fillRef idx="1">
+            <a:schemeClr val="accent1"/>
+          </a:fillRef>
+          <a:effectRef idx="0">
+            <a:schemeClr val="accent1"/>
+          </a:effectRef>
+          <a:fontRef idx="minor">
+            <a:schemeClr val="lt1"/>
+          </a:fontRef>
+        </p:style>
+        <p:txBody>
+          <a:bodyPr rtlCol="0" anchor="ctr"/>
+          <a:lstStyle/>
+          <a:p>
+            <a:pPr algn="ctr"/>
+            <a:r>
+              <a:rPr lang="en-SE" sz="1200" dirty="0">
+                <a:solidFill>
+                  <a:schemeClr val="tx1"/>
+                </a:solidFill>
+              </a:rPr>
+              <a:t>Node 95</a:t>
+            </a:r>
+          </a:p>
+          <a:p>
+            <a:pPr algn="ctr"/>
+            <a:r>
+              <a:rPr lang="en-SE" sz="1200" dirty="0">
+                <a:solidFill>
+                  <a:schemeClr val="tx1"/>
+                </a:solidFill>
+              </a:rPr>
+              <a:t>Node Id = 1</a:t>
+            </a:r>
+          </a:p>
+          <a:p>
+            <a:pPr algn="ctr"/>
+            <a:r>
+              <a:rPr lang="en-SE" sz="1200" dirty="0">
+                <a:solidFill>
+                  <a:schemeClr val="tx1"/>
+                </a:solidFill>
+              </a:rPr>
+              <a:t>Patio</a:t>
+            </a:r>
+          </a:p>
+        </p:txBody>
+      </p:sp>
+      <p:sp>
+        <p:nvSpPr>
+          <p:cNvPr id="5" name="Rectangle 4">
+            <a:extLst>
+              <a:ext uri="{FF2B5EF4-FFF2-40B4-BE49-F238E27FC236}">
+                <a16:creationId xmlns:a16="http://schemas.microsoft.com/office/drawing/2014/main" id="{582CF3CE-5475-4FC2-90AA-44210A29F3E2}"/>
+              </a:ext>
+            </a:extLst>
+          </p:cNvPr>
+          <p:cNvSpPr/>
+          <p:nvPr/>
+        </p:nvSpPr>
+        <p:spPr>
+          <a:xfrm>
+            <a:off x="5453544" y="1675051"/>
+            <a:ext cx="914400" cy="914400"/>
+          </a:xfrm>
+          <a:prstGeom prst="rect">
+            <a:avLst/>
+          </a:prstGeom>
+          <a:solidFill>
+            <a:srgbClr val="92D050">
+              <a:alpha val="42000"/>
+            </a:srgbClr>
+          </a:solidFill>
+          <a:ln>
+            <a:solidFill>
+              <a:schemeClr val="accent1">
+                <a:shade val="50000"/>
+                <a:alpha val="86000"/>
+              </a:schemeClr>
+            </a:solidFill>
+          </a:ln>
+        </p:spPr>
+        <p:style>
+          <a:lnRef idx="2">
+            <a:schemeClr val="accent1">
+              <a:shade val="50000"/>
+            </a:schemeClr>
+          </a:lnRef>
+          <a:fillRef idx="1">
+            <a:schemeClr val="accent1"/>
+          </a:fillRef>
+          <a:effectRef idx="0">
+            <a:schemeClr val="accent1"/>
+          </a:effectRef>
+          <a:fontRef idx="minor">
+            <a:schemeClr val="lt1"/>
+          </a:fontRef>
+        </p:style>
+        <p:txBody>
+          <a:bodyPr rtlCol="0" anchor="ctr"/>
+          <a:lstStyle/>
+          <a:p>
+            <a:pPr algn="ctr"/>
+            <a:r>
+              <a:rPr lang="en-SE" sz="1200" dirty="0">
+                <a:solidFill>
+                  <a:schemeClr val="tx1"/>
+                </a:solidFill>
+              </a:rPr>
+              <a:t>Node 96</a:t>
+            </a:r>
+          </a:p>
+          <a:p>
+            <a:pPr algn="ctr"/>
+            <a:r>
+              <a:rPr lang="en-SE" sz="1200" dirty="0" err="1">
+                <a:solidFill>
+                  <a:schemeClr val="tx1"/>
+                </a:solidFill>
+              </a:rPr>
+              <a:t>NodeId</a:t>
+            </a:r>
+            <a:r>
+              <a:rPr lang="en-SE" sz="1200" dirty="0">
+                <a:solidFill>
+                  <a:schemeClr val="tx1"/>
+                </a:solidFill>
+              </a:rPr>
+              <a:t>=2</a:t>
+            </a:r>
+          </a:p>
+          <a:p>
+            <a:pPr algn="ctr"/>
+            <a:r>
+              <a:rPr lang="en-SE" sz="1200" dirty="0">
+                <a:solidFill>
+                  <a:schemeClr val="tx1"/>
+                </a:solidFill>
+              </a:rPr>
+              <a:t>Livingroom</a:t>
+            </a:r>
+          </a:p>
+        </p:txBody>
+      </p:sp>
+      <p:sp>
+        <p:nvSpPr>
+          <p:cNvPr id="6" name="Rectangle 5">
+            <a:extLst>
+              <a:ext uri="{FF2B5EF4-FFF2-40B4-BE49-F238E27FC236}">
+                <a16:creationId xmlns:a16="http://schemas.microsoft.com/office/drawing/2014/main" id="{2A7E04F7-4878-4362-AF97-E7C8358E0923}"/>
+              </a:ext>
+            </a:extLst>
+          </p:cNvPr>
+          <p:cNvSpPr/>
+          <p:nvPr/>
+        </p:nvSpPr>
+        <p:spPr>
+          <a:xfrm>
+            <a:off x="7541355" y="1675051"/>
+            <a:ext cx="914400" cy="914400"/>
+          </a:xfrm>
+          <a:prstGeom prst="rect">
+            <a:avLst/>
+          </a:prstGeom>
+          <a:solidFill>
+            <a:srgbClr val="92D050">
+              <a:alpha val="42000"/>
+            </a:srgbClr>
+          </a:solidFill>
+          <a:ln>
+            <a:solidFill>
+              <a:schemeClr val="accent1">
+                <a:shade val="50000"/>
+                <a:alpha val="86000"/>
+              </a:schemeClr>
+            </a:solidFill>
+          </a:ln>
+        </p:spPr>
+        <p:style>
+          <a:lnRef idx="2">
+            <a:schemeClr val="accent1">
+              <a:shade val="50000"/>
+            </a:schemeClr>
+          </a:lnRef>
+          <a:fillRef idx="1">
+            <a:schemeClr val="accent1"/>
+          </a:fillRef>
+          <a:effectRef idx="0">
+            <a:schemeClr val="accent1"/>
+          </a:effectRef>
+          <a:fontRef idx="minor">
+            <a:schemeClr val="lt1"/>
+          </a:fontRef>
+        </p:style>
+        <p:txBody>
+          <a:bodyPr rtlCol="0" anchor="ctr"/>
+          <a:lstStyle/>
+          <a:p>
+            <a:pPr algn="ctr"/>
+            <a:r>
+              <a:rPr lang="en-SE" sz="1200" dirty="0">
+                <a:solidFill>
+                  <a:schemeClr val="tx1"/>
+                </a:solidFill>
+              </a:rPr>
+              <a:t>Node 97</a:t>
+            </a:r>
+          </a:p>
+          <a:p>
+            <a:pPr algn="ctr"/>
+            <a:r>
+              <a:rPr lang="en-SE" sz="1200" dirty="0" err="1">
+                <a:solidFill>
+                  <a:schemeClr val="tx1"/>
+                </a:solidFill>
+              </a:rPr>
+              <a:t>NodeId</a:t>
+            </a:r>
+            <a:r>
+              <a:rPr lang="en-SE" sz="1200" dirty="0">
+                <a:solidFill>
+                  <a:schemeClr val="tx1"/>
+                </a:solidFill>
+              </a:rPr>
+              <a:t>=3</a:t>
+            </a:r>
+          </a:p>
+          <a:p>
+            <a:pPr algn="ctr"/>
+            <a:r>
+              <a:rPr lang="en-SE" sz="1200" dirty="0">
+                <a:solidFill>
+                  <a:schemeClr val="tx1"/>
+                </a:solidFill>
+              </a:rPr>
+              <a:t>Bedroom</a:t>
+            </a:r>
+          </a:p>
+        </p:txBody>
+      </p:sp>
+      <p:sp>
+        <p:nvSpPr>
+          <p:cNvPr id="7" name="Rectangle 6">
+            <a:extLst>
+              <a:ext uri="{FF2B5EF4-FFF2-40B4-BE49-F238E27FC236}">
+                <a16:creationId xmlns:a16="http://schemas.microsoft.com/office/drawing/2014/main" id="{1D7A21AA-274A-4E30-B3C0-CCED60FA5098}"/>
+              </a:ext>
+            </a:extLst>
+          </p:cNvPr>
+          <p:cNvSpPr/>
+          <p:nvPr/>
+        </p:nvSpPr>
+        <p:spPr>
+          <a:xfrm>
+            <a:off x="7613824" y="4445445"/>
+            <a:ext cx="914400" cy="914400"/>
+          </a:xfrm>
+          <a:prstGeom prst="rect">
+            <a:avLst/>
+          </a:prstGeom>
+          <a:solidFill>
+            <a:srgbClr val="92D050">
+              <a:alpha val="42000"/>
+            </a:srgbClr>
+          </a:solidFill>
+          <a:ln>
+            <a:solidFill>
+              <a:schemeClr val="accent1">
+                <a:shade val="50000"/>
+                <a:alpha val="86000"/>
+              </a:schemeClr>
+            </a:solidFill>
+          </a:ln>
+        </p:spPr>
+        <p:style>
+          <a:lnRef idx="2">
+            <a:schemeClr val="accent1">
+              <a:shade val="50000"/>
+            </a:schemeClr>
+          </a:lnRef>
+          <a:fillRef idx="1">
+            <a:schemeClr val="accent1"/>
+          </a:fillRef>
+          <a:effectRef idx="0">
+            <a:schemeClr val="accent1"/>
+          </a:effectRef>
+          <a:fontRef idx="minor">
+            <a:schemeClr val="lt1"/>
+          </a:fontRef>
+        </p:style>
+        <p:txBody>
+          <a:bodyPr rtlCol="0" anchor="ctr"/>
+          <a:lstStyle/>
+          <a:p>
+            <a:pPr algn="ctr"/>
+            <a:r>
+              <a:rPr lang="en-SE" sz="1200" dirty="0">
+                <a:solidFill>
+                  <a:schemeClr val="tx1"/>
+                </a:solidFill>
+              </a:rPr>
+              <a:t>Node 98</a:t>
+            </a:r>
+          </a:p>
+          <a:p>
+            <a:pPr algn="ctr"/>
+            <a:r>
+              <a:rPr lang="en-SE" sz="1200" dirty="0" err="1">
+                <a:solidFill>
+                  <a:schemeClr val="tx1"/>
+                </a:solidFill>
+              </a:rPr>
+              <a:t>NodeId</a:t>
+            </a:r>
+            <a:r>
+              <a:rPr lang="en-SE" sz="1200" dirty="0">
+                <a:solidFill>
+                  <a:schemeClr val="tx1"/>
+                </a:solidFill>
+              </a:rPr>
+              <a:t>=4</a:t>
+            </a:r>
+          </a:p>
+          <a:p>
+            <a:pPr algn="ctr"/>
+            <a:r>
+              <a:rPr lang="en-SE" sz="1200" dirty="0">
+                <a:solidFill>
+                  <a:schemeClr val="tx1"/>
+                </a:solidFill>
+              </a:rPr>
+              <a:t>Office</a:t>
+            </a:r>
+          </a:p>
+        </p:txBody>
+      </p:sp>
+      <p:cxnSp>
+        <p:nvCxnSpPr>
+          <p:cNvPr id="8" name="Straight Arrow Connector 7">
+            <a:extLst>
+              <a:ext uri="{FF2B5EF4-FFF2-40B4-BE49-F238E27FC236}">
+                <a16:creationId xmlns:a16="http://schemas.microsoft.com/office/drawing/2014/main" id="{9B25E4FB-FDAC-42D5-B842-80FD0FF40E52}"/>
+              </a:ext>
+            </a:extLst>
+          </p:cNvPr>
+          <p:cNvCxnSpPr>
+            <a:stCxn id="3" idx="3"/>
+            <a:endCxn id="4" idx="1"/>
+          </p:cNvCxnSpPr>
+          <p:nvPr/>
+        </p:nvCxnSpPr>
+        <p:spPr>
+          <a:xfrm>
+            <a:off x="1495876" y="2169860"/>
+            <a:ext cx="1914492" cy="711858"/>
+          </a:xfrm>
+          <a:prstGeom prst="straightConnector1">
+            <a:avLst/>
+          </a:prstGeom>
+          <a:ln>
+            <a:tailEnd type="triangle"/>
+          </a:ln>
+        </p:spPr>
+        <p:style>
+          <a:lnRef idx="1">
+            <a:schemeClr val="accent1"/>
+          </a:lnRef>
+          <a:fillRef idx="0">
+            <a:schemeClr val="accent1"/>
+          </a:fillRef>
+          <a:effectRef idx="0">
+            <a:schemeClr val="accent1"/>
+          </a:effectRef>
+          <a:fontRef idx="minor">
+            <a:schemeClr val="tx1"/>
+          </a:fontRef>
+        </p:style>
+      </p:cxnSp>
+      <p:cxnSp>
+        <p:nvCxnSpPr>
+          <p:cNvPr id="9" name="Straight Arrow Connector 8">
+            <a:extLst>
+              <a:ext uri="{FF2B5EF4-FFF2-40B4-BE49-F238E27FC236}">
+                <a16:creationId xmlns:a16="http://schemas.microsoft.com/office/drawing/2014/main" id="{937DA27C-6FB2-4C07-BDBB-1DD6B28F40EB}"/>
+              </a:ext>
+            </a:extLst>
+          </p:cNvPr>
+          <p:cNvCxnSpPr>
+            <a:stCxn id="4" idx="3"/>
+            <a:endCxn id="5" idx="1"/>
+          </p:cNvCxnSpPr>
+          <p:nvPr/>
+        </p:nvCxnSpPr>
+        <p:spPr>
+          <a:xfrm flipV="1">
+            <a:off x="4324768" y="2132251"/>
+            <a:ext cx="1128776" cy="749467"/>
+          </a:xfrm>
+          <a:prstGeom prst="straightConnector1">
+            <a:avLst/>
+          </a:prstGeom>
+          <a:ln>
+            <a:tailEnd type="triangle"/>
+          </a:ln>
+        </p:spPr>
+        <p:style>
+          <a:lnRef idx="1">
+            <a:schemeClr val="accent1"/>
+          </a:lnRef>
+          <a:fillRef idx="0">
+            <a:schemeClr val="accent1"/>
+          </a:fillRef>
+          <a:effectRef idx="0">
+            <a:schemeClr val="accent1"/>
+          </a:effectRef>
+          <a:fontRef idx="minor">
+            <a:schemeClr val="tx1"/>
+          </a:fontRef>
+        </p:style>
+      </p:cxnSp>
+      <p:cxnSp>
+        <p:nvCxnSpPr>
+          <p:cNvPr id="10" name="Straight Arrow Connector 9">
+            <a:extLst>
+              <a:ext uri="{FF2B5EF4-FFF2-40B4-BE49-F238E27FC236}">
+                <a16:creationId xmlns:a16="http://schemas.microsoft.com/office/drawing/2014/main" id="{C95AC78D-79A4-4AC4-80D3-023383FEB60D}"/>
+              </a:ext>
+            </a:extLst>
+          </p:cNvPr>
+          <p:cNvCxnSpPr>
+            <a:cxnSpLocks/>
+            <a:stCxn id="5" idx="3"/>
+            <a:endCxn id="6" idx="1"/>
+          </p:cNvCxnSpPr>
+          <p:nvPr/>
+        </p:nvCxnSpPr>
+        <p:spPr>
+          <a:xfrm>
+            <a:off x="6367944" y="2132251"/>
+            <a:ext cx="1173411" cy="0"/>
+          </a:xfrm>
+          <a:prstGeom prst="straightConnector1">
+            <a:avLst/>
+          </a:prstGeom>
+          <a:ln>
+            <a:tailEnd type="triangle"/>
+          </a:ln>
+        </p:spPr>
+        <p:style>
+          <a:lnRef idx="1">
+            <a:schemeClr val="accent1"/>
+          </a:lnRef>
+          <a:fillRef idx="0">
+            <a:schemeClr val="accent1"/>
+          </a:fillRef>
+          <a:effectRef idx="0">
+            <a:schemeClr val="accent1"/>
+          </a:effectRef>
+          <a:fontRef idx="minor">
+            <a:schemeClr val="tx1"/>
+          </a:fontRef>
+        </p:style>
+      </p:cxnSp>
+      <p:sp>
+        <p:nvSpPr>
+          <p:cNvPr id="12" name="TextBox 11">
+            <a:extLst>
+              <a:ext uri="{FF2B5EF4-FFF2-40B4-BE49-F238E27FC236}">
+                <a16:creationId xmlns:a16="http://schemas.microsoft.com/office/drawing/2014/main" id="{6772D5A6-D48B-4E3C-804B-B3ACDA58F23F}"/>
+              </a:ext>
+            </a:extLst>
+          </p:cNvPr>
+          <p:cNvSpPr txBox="1"/>
+          <p:nvPr/>
+        </p:nvSpPr>
+        <p:spPr>
+          <a:xfrm>
+            <a:off x="3410368" y="2181630"/>
+            <a:ext cx="780983" cy="246221"/>
+          </a:xfrm>
+          <a:prstGeom prst="rect">
+            <a:avLst/>
+          </a:prstGeom>
+          <a:noFill/>
+        </p:spPr>
+        <p:txBody>
+          <a:bodyPr wrap="none" rtlCol="0">
+            <a:spAutoFit/>
+          </a:bodyPr>
+          <a:lstStyle/>
+          <a:p>
+            <a:r>
+              <a:rPr lang="en-SE" sz="1000" dirty="0"/>
+              <a:t>Temp/Hum</a:t>
+            </a:r>
+          </a:p>
+        </p:txBody>
+      </p:sp>
+      <p:sp>
+        <p:nvSpPr>
+          <p:cNvPr id="13" name="TextBox 12">
+            <a:extLst>
+              <a:ext uri="{FF2B5EF4-FFF2-40B4-BE49-F238E27FC236}">
+                <a16:creationId xmlns:a16="http://schemas.microsoft.com/office/drawing/2014/main" id="{5B69DC59-2A38-4E4F-82D7-0130F335165B}"/>
+              </a:ext>
+            </a:extLst>
+          </p:cNvPr>
+          <p:cNvSpPr txBox="1"/>
+          <p:nvPr/>
+        </p:nvSpPr>
+        <p:spPr>
+          <a:xfrm>
+            <a:off x="5373453" y="2569794"/>
+            <a:ext cx="1119217" cy="1015663"/>
+          </a:xfrm>
+          <a:prstGeom prst="rect">
+            <a:avLst/>
+          </a:prstGeom>
+          <a:noFill/>
+        </p:spPr>
+        <p:txBody>
+          <a:bodyPr wrap="none" rtlCol="0">
+            <a:spAutoFit/>
+          </a:bodyPr>
+          <a:lstStyle/>
+          <a:p>
+            <a:r>
+              <a:rPr lang="en-SE" sz="1000" dirty="0"/>
+              <a:t>time</a:t>
+            </a:r>
+          </a:p>
+          <a:p>
+            <a:r>
+              <a:rPr lang="sv-SE" sz="1000" dirty="0"/>
+              <a:t>I</a:t>
+            </a:r>
+            <a:r>
+              <a:rPr lang="en-SE" sz="1000" dirty="0" err="1"/>
+              <a:t>ndoor</a:t>
+            </a:r>
+            <a:r>
+              <a:rPr lang="en-SE" sz="1000" dirty="0"/>
+              <a:t> temp</a:t>
+            </a:r>
+          </a:p>
+          <a:p>
+            <a:r>
+              <a:rPr lang="sv-SE" sz="1000" dirty="0"/>
+              <a:t>O</a:t>
+            </a:r>
+            <a:r>
+              <a:rPr lang="en-SE" sz="1000" dirty="0" err="1"/>
+              <a:t>utdoor</a:t>
+            </a:r>
+            <a:r>
+              <a:rPr lang="en-SE" sz="1000" dirty="0"/>
+              <a:t> temp</a:t>
+            </a:r>
+          </a:p>
+          <a:p>
+            <a:r>
+              <a:rPr lang="sv-SE" sz="1000" dirty="0"/>
+              <a:t>O</a:t>
+            </a:r>
+            <a:r>
+              <a:rPr lang="en-SE" sz="1000" dirty="0" err="1"/>
+              <a:t>utdoor</a:t>
+            </a:r>
+            <a:r>
+              <a:rPr lang="en-SE" sz="1000" dirty="0"/>
+              <a:t> humidity</a:t>
+            </a:r>
+          </a:p>
+          <a:p>
+            <a:r>
+              <a:rPr lang="en-SE" sz="1000" dirty="0"/>
+              <a:t>UV-Index</a:t>
+            </a:r>
+          </a:p>
+          <a:p>
+            <a:r>
+              <a:rPr lang="en-SE" sz="1000" dirty="0"/>
+              <a:t>Air pressure</a:t>
+            </a:r>
+          </a:p>
+        </p:txBody>
+      </p:sp>
+      <p:sp>
+        <p:nvSpPr>
+          <p:cNvPr id="14" name="Rectangle 6">
+            <a:extLst>
+              <a:ext uri="{FF2B5EF4-FFF2-40B4-BE49-F238E27FC236}">
+                <a16:creationId xmlns:a16="http://schemas.microsoft.com/office/drawing/2014/main" id="{5212CF5C-3464-42E5-947F-E9CD09EE61F3}"/>
+              </a:ext>
+            </a:extLst>
+          </p:cNvPr>
+          <p:cNvSpPr/>
+          <p:nvPr/>
+        </p:nvSpPr>
+        <p:spPr>
+          <a:xfrm>
+            <a:off x="5475862" y="4429399"/>
+            <a:ext cx="914400" cy="914400"/>
+          </a:xfrm>
+          <a:prstGeom prst="rect">
+            <a:avLst/>
+          </a:prstGeom>
+          <a:solidFill>
+            <a:srgbClr val="92D050">
+              <a:alpha val="42000"/>
+            </a:srgbClr>
+          </a:solidFill>
+          <a:ln>
+            <a:solidFill>
+              <a:schemeClr val="accent1">
+                <a:shade val="50000"/>
+                <a:alpha val="86000"/>
+              </a:schemeClr>
+            </a:solidFill>
+          </a:ln>
+        </p:spPr>
+        <p:style>
+          <a:lnRef idx="2">
+            <a:schemeClr val="accent1">
+              <a:shade val="50000"/>
+            </a:schemeClr>
+          </a:lnRef>
+          <a:fillRef idx="1">
+            <a:schemeClr val="accent1"/>
+          </a:fillRef>
+          <a:effectRef idx="0">
+            <a:schemeClr val="accent1"/>
+          </a:effectRef>
+          <a:fontRef idx="minor">
+            <a:schemeClr val="lt1"/>
+          </a:fontRef>
+        </p:style>
+        <p:txBody>
+          <a:bodyPr rtlCol="0" anchor="ctr"/>
+          <a:lstStyle/>
+          <a:p>
+            <a:pPr algn="ctr"/>
+            <a:r>
+              <a:rPr lang="en-SE" sz="1200" dirty="0">
+                <a:solidFill>
+                  <a:schemeClr val="tx1"/>
+                </a:solidFill>
+              </a:rPr>
+              <a:t>Node 99</a:t>
+            </a:r>
+          </a:p>
+          <a:p>
+            <a:pPr algn="ctr"/>
+            <a:r>
+              <a:rPr lang="en-SE" sz="1200" dirty="0" err="1">
+                <a:solidFill>
+                  <a:schemeClr val="tx1"/>
+                </a:solidFill>
+              </a:rPr>
+              <a:t>NodeId</a:t>
+            </a:r>
+            <a:r>
+              <a:rPr lang="en-SE" sz="1200" dirty="0">
+                <a:solidFill>
+                  <a:schemeClr val="tx1"/>
+                </a:solidFill>
+              </a:rPr>
+              <a:t>=5</a:t>
+            </a:r>
+          </a:p>
+          <a:p>
+            <a:pPr algn="ctr"/>
+            <a:r>
+              <a:rPr lang="en-SE" sz="1200" dirty="0">
+                <a:solidFill>
+                  <a:schemeClr val="tx1"/>
+                </a:solidFill>
+              </a:rPr>
+              <a:t>Kitchen</a:t>
+            </a:r>
+          </a:p>
+        </p:txBody>
+      </p:sp>
+      <p:cxnSp>
+        <p:nvCxnSpPr>
+          <p:cNvPr id="15" name="Rak pilkoppling 13">
+            <a:extLst>
+              <a:ext uri="{FF2B5EF4-FFF2-40B4-BE49-F238E27FC236}">
+                <a16:creationId xmlns:a16="http://schemas.microsoft.com/office/drawing/2014/main" id="{91BB8FCB-6C07-41C0-8F8D-5876A8DEE0BA}"/>
+              </a:ext>
+            </a:extLst>
+          </p:cNvPr>
+          <p:cNvCxnSpPr>
+            <a:cxnSpLocks/>
+            <a:stCxn id="7" idx="1"/>
+            <a:endCxn id="14" idx="3"/>
+          </p:cNvCxnSpPr>
+          <p:nvPr/>
+        </p:nvCxnSpPr>
+        <p:spPr>
+          <a:xfrm flipH="1" flipV="1">
+            <a:off x="6390262" y="4886599"/>
+            <a:ext cx="1223562" cy="16046"/>
+          </a:xfrm>
+          <a:prstGeom prst="straightConnector1">
+            <a:avLst/>
+          </a:prstGeom>
+          <a:ln>
+            <a:tailEnd type="triangle"/>
+          </a:ln>
+        </p:spPr>
+        <p:style>
+          <a:lnRef idx="1">
+            <a:schemeClr val="accent1"/>
+          </a:lnRef>
+          <a:fillRef idx="0">
+            <a:schemeClr val="accent1"/>
+          </a:fillRef>
+          <a:effectRef idx="0">
+            <a:schemeClr val="accent1"/>
+          </a:effectRef>
+          <a:fontRef idx="minor">
+            <a:schemeClr val="tx1"/>
+          </a:fontRef>
+        </p:style>
+      </p:cxnSp>
+      <p:sp>
+        <p:nvSpPr>
+          <p:cNvPr id="16" name="TextBox 18">
+            <a:extLst>
+              <a:ext uri="{FF2B5EF4-FFF2-40B4-BE49-F238E27FC236}">
+                <a16:creationId xmlns:a16="http://schemas.microsoft.com/office/drawing/2014/main" id="{2874C741-491A-439A-A781-F849F6928D5A}"/>
+              </a:ext>
+            </a:extLst>
+          </p:cNvPr>
+          <p:cNvSpPr txBox="1"/>
+          <p:nvPr/>
+        </p:nvSpPr>
+        <p:spPr>
+          <a:xfrm>
+            <a:off x="1495876" y="1641019"/>
+            <a:ext cx="780983" cy="246221"/>
+          </a:xfrm>
+          <a:prstGeom prst="rect">
+            <a:avLst/>
+          </a:prstGeom>
+          <a:noFill/>
+        </p:spPr>
+        <p:txBody>
+          <a:bodyPr wrap="none" rtlCol="0">
+            <a:spAutoFit/>
+          </a:bodyPr>
+          <a:lstStyle/>
+          <a:p>
+            <a:r>
+              <a:rPr lang="en-SE" sz="1000" dirty="0"/>
+              <a:t>Temp/Hum</a:t>
+            </a:r>
+          </a:p>
+        </p:txBody>
+      </p:sp>
+      <p:sp>
+        <p:nvSpPr>
+          <p:cNvPr id="17" name="Rectangle 2">
+            <a:extLst>
+              <a:ext uri="{FF2B5EF4-FFF2-40B4-BE49-F238E27FC236}">
+                <a16:creationId xmlns:a16="http://schemas.microsoft.com/office/drawing/2014/main" id="{26D5C088-DC23-4FB2-86D5-8353C6AF0DD4}"/>
+              </a:ext>
+            </a:extLst>
+          </p:cNvPr>
+          <p:cNvSpPr/>
+          <p:nvPr/>
+        </p:nvSpPr>
+        <p:spPr>
+          <a:xfrm>
+            <a:off x="581476" y="2896630"/>
+            <a:ext cx="914400" cy="914400"/>
+          </a:xfrm>
+          <a:prstGeom prst="rect">
+            <a:avLst/>
+          </a:prstGeom>
+          <a:solidFill>
+            <a:srgbClr val="92D050">
+              <a:alpha val="42000"/>
+            </a:srgbClr>
+          </a:solidFill>
+          <a:ln>
+            <a:solidFill>
+              <a:schemeClr val="accent1">
+                <a:shade val="50000"/>
+                <a:alpha val="86000"/>
+              </a:schemeClr>
+            </a:solidFill>
+          </a:ln>
+        </p:spPr>
+        <p:style>
+          <a:lnRef idx="2">
+            <a:schemeClr val="accent1">
+              <a:shade val="50000"/>
+            </a:schemeClr>
+          </a:lnRef>
+          <a:fillRef idx="1">
+            <a:schemeClr val="accent1"/>
+          </a:fillRef>
+          <a:effectRef idx="0">
+            <a:schemeClr val="accent1"/>
+          </a:effectRef>
+          <a:fontRef idx="minor">
+            <a:schemeClr val="lt1"/>
+          </a:fontRef>
+        </p:style>
+        <p:txBody>
+          <a:bodyPr rtlCol="0" anchor="ctr"/>
+          <a:lstStyle/>
+          <a:p>
+            <a:pPr algn="ctr"/>
+            <a:r>
+              <a:rPr lang="en-SE" sz="1200" dirty="0">
+                <a:solidFill>
+                  <a:schemeClr val="tx1"/>
+                </a:solidFill>
+              </a:rPr>
+              <a:t>Node 31</a:t>
+            </a:r>
+          </a:p>
+          <a:p>
+            <a:pPr algn="ctr"/>
+            <a:r>
+              <a:rPr lang="en-SE" sz="1200" dirty="0">
+                <a:solidFill>
+                  <a:schemeClr val="tx1"/>
+                </a:solidFill>
+              </a:rPr>
+              <a:t>Pergola</a:t>
+            </a:r>
+          </a:p>
+        </p:txBody>
+      </p:sp>
+      <p:cxnSp>
+        <p:nvCxnSpPr>
+          <p:cNvPr id="18" name="Rak pilkoppling 29">
+            <a:extLst>
+              <a:ext uri="{FF2B5EF4-FFF2-40B4-BE49-F238E27FC236}">
+                <a16:creationId xmlns:a16="http://schemas.microsoft.com/office/drawing/2014/main" id="{7F6D33FA-6EAB-44C6-8CFB-3B19CA4206A4}"/>
+              </a:ext>
+            </a:extLst>
+          </p:cNvPr>
+          <p:cNvCxnSpPr>
+            <a:stCxn id="17" idx="3"/>
+            <a:endCxn id="4" idx="1"/>
+          </p:cNvCxnSpPr>
+          <p:nvPr/>
+        </p:nvCxnSpPr>
+        <p:spPr>
+          <a:xfrm flipV="1">
+            <a:off x="1495876" y="2881718"/>
+            <a:ext cx="1914492" cy="472112"/>
+          </a:xfrm>
+          <a:prstGeom prst="straightConnector1">
+            <a:avLst/>
+          </a:prstGeom>
+          <a:ln>
+            <a:tailEnd type="triangle"/>
+          </a:ln>
+        </p:spPr>
+        <p:style>
+          <a:lnRef idx="1">
+            <a:schemeClr val="accent1"/>
+          </a:lnRef>
+          <a:fillRef idx="0">
+            <a:schemeClr val="accent1"/>
+          </a:fillRef>
+          <a:effectRef idx="0">
+            <a:schemeClr val="accent1"/>
+          </a:effectRef>
+          <a:fontRef idx="minor">
+            <a:schemeClr val="tx1"/>
+          </a:fontRef>
+        </p:style>
+      </p:cxnSp>
+      <p:sp>
+        <p:nvSpPr>
+          <p:cNvPr id="19" name="TextBox 18">
+            <a:extLst>
+              <a:ext uri="{FF2B5EF4-FFF2-40B4-BE49-F238E27FC236}">
+                <a16:creationId xmlns:a16="http://schemas.microsoft.com/office/drawing/2014/main" id="{11D9AD7B-E963-4FA1-A677-B3696E120D79}"/>
+              </a:ext>
+            </a:extLst>
+          </p:cNvPr>
+          <p:cNvSpPr txBox="1"/>
+          <p:nvPr/>
+        </p:nvSpPr>
+        <p:spPr>
+          <a:xfrm>
+            <a:off x="1495876" y="2947099"/>
+            <a:ext cx="1048685" cy="246221"/>
+          </a:xfrm>
+          <a:prstGeom prst="rect">
+            <a:avLst/>
+          </a:prstGeom>
+          <a:noFill/>
+        </p:spPr>
+        <p:txBody>
+          <a:bodyPr wrap="none" rtlCol="0">
+            <a:spAutoFit/>
+          </a:bodyPr>
+          <a:lstStyle/>
+          <a:p>
+            <a:r>
+              <a:rPr lang="en-SE" sz="1000" dirty="0"/>
+              <a:t>UVI/Air pressure</a:t>
+            </a:r>
+          </a:p>
+        </p:txBody>
+      </p:sp>
+      <p:sp>
+        <p:nvSpPr>
+          <p:cNvPr id="20" name="TextBox 16">
+            <a:extLst>
+              <a:ext uri="{FF2B5EF4-FFF2-40B4-BE49-F238E27FC236}">
+                <a16:creationId xmlns:a16="http://schemas.microsoft.com/office/drawing/2014/main" id="{BDFE4144-0C37-49A0-BE61-581B7D87A7BD}"/>
+              </a:ext>
+            </a:extLst>
+          </p:cNvPr>
+          <p:cNvSpPr txBox="1"/>
+          <p:nvPr/>
+        </p:nvSpPr>
+        <p:spPr>
+          <a:xfrm>
+            <a:off x="7450695" y="2567159"/>
+            <a:ext cx="1119217" cy="1015663"/>
+          </a:xfrm>
+          <a:prstGeom prst="rect">
+            <a:avLst/>
+          </a:prstGeom>
+          <a:noFill/>
+        </p:spPr>
+        <p:txBody>
+          <a:bodyPr wrap="none" rtlCol="0">
+            <a:spAutoFit/>
+          </a:bodyPr>
+          <a:lstStyle/>
+          <a:p>
+            <a:r>
+              <a:rPr lang="en-SE" sz="1000" dirty="0"/>
+              <a:t>time</a:t>
+            </a:r>
+          </a:p>
+          <a:p>
+            <a:r>
+              <a:rPr lang="sv-SE" sz="1000" dirty="0"/>
+              <a:t>I</a:t>
+            </a:r>
+            <a:r>
+              <a:rPr lang="en-SE" sz="1000" dirty="0" err="1"/>
+              <a:t>ndoor</a:t>
+            </a:r>
+            <a:r>
+              <a:rPr lang="en-SE" sz="1000" dirty="0"/>
+              <a:t> temp</a:t>
+            </a:r>
+          </a:p>
+          <a:p>
+            <a:r>
+              <a:rPr lang="sv-SE" sz="1000" dirty="0"/>
+              <a:t>O</a:t>
+            </a:r>
+            <a:r>
+              <a:rPr lang="en-SE" sz="1000" dirty="0" err="1"/>
+              <a:t>utdoor</a:t>
+            </a:r>
+            <a:r>
+              <a:rPr lang="en-SE" sz="1000" dirty="0"/>
+              <a:t> temp</a:t>
+            </a:r>
+          </a:p>
+          <a:p>
+            <a:r>
+              <a:rPr lang="sv-SE" sz="1000" dirty="0"/>
+              <a:t>O</a:t>
+            </a:r>
+            <a:r>
+              <a:rPr lang="en-SE" sz="1000" dirty="0" err="1"/>
+              <a:t>utdoor</a:t>
+            </a:r>
+            <a:r>
+              <a:rPr lang="en-SE" sz="1000" dirty="0"/>
+              <a:t> humidity</a:t>
+            </a:r>
+          </a:p>
+          <a:p>
+            <a:r>
+              <a:rPr lang="en-SE" sz="1000" dirty="0"/>
+              <a:t>UV-Index</a:t>
+            </a:r>
+          </a:p>
+          <a:p>
+            <a:r>
+              <a:rPr lang="en-SE" sz="1000" dirty="0"/>
+              <a:t>Air pressure</a:t>
+            </a:r>
+          </a:p>
+        </p:txBody>
+      </p:sp>
+      <p:sp>
+        <p:nvSpPr>
+          <p:cNvPr id="21" name="TextBox 16">
+            <a:extLst>
+              <a:ext uri="{FF2B5EF4-FFF2-40B4-BE49-F238E27FC236}">
+                <a16:creationId xmlns:a16="http://schemas.microsoft.com/office/drawing/2014/main" id="{5DF71B2B-05C8-449A-94AB-D8F91F8C97C5}"/>
+              </a:ext>
+            </a:extLst>
+          </p:cNvPr>
+          <p:cNvSpPr txBox="1"/>
+          <p:nvPr/>
+        </p:nvSpPr>
+        <p:spPr>
+          <a:xfrm>
+            <a:off x="7523164" y="5313838"/>
+            <a:ext cx="1119217" cy="1015663"/>
+          </a:xfrm>
+          <a:prstGeom prst="rect">
+            <a:avLst/>
+          </a:prstGeom>
+          <a:noFill/>
+        </p:spPr>
+        <p:txBody>
+          <a:bodyPr wrap="none" rtlCol="0">
+            <a:spAutoFit/>
+          </a:bodyPr>
+          <a:lstStyle/>
+          <a:p>
+            <a:r>
+              <a:rPr lang="en-SE" sz="1000" dirty="0"/>
+              <a:t>time</a:t>
+            </a:r>
+          </a:p>
+          <a:p>
+            <a:r>
+              <a:rPr lang="sv-SE" sz="1000" dirty="0"/>
+              <a:t>I</a:t>
+            </a:r>
+            <a:r>
+              <a:rPr lang="en-SE" sz="1000" dirty="0" err="1"/>
+              <a:t>ndoor</a:t>
+            </a:r>
+            <a:r>
+              <a:rPr lang="en-SE" sz="1000" dirty="0"/>
+              <a:t> temp</a:t>
+            </a:r>
+          </a:p>
+          <a:p>
+            <a:r>
+              <a:rPr lang="sv-SE" sz="1000" dirty="0"/>
+              <a:t>O</a:t>
+            </a:r>
+            <a:r>
+              <a:rPr lang="en-SE" sz="1000" dirty="0" err="1"/>
+              <a:t>utdoor</a:t>
+            </a:r>
+            <a:r>
+              <a:rPr lang="en-SE" sz="1000" dirty="0"/>
+              <a:t> temp</a:t>
+            </a:r>
+          </a:p>
+          <a:p>
+            <a:r>
+              <a:rPr lang="sv-SE" sz="1000" dirty="0"/>
+              <a:t>O</a:t>
+            </a:r>
+            <a:r>
+              <a:rPr lang="en-SE" sz="1000" dirty="0" err="1"/>
+              <a:t>utdoor</a:t>
+            </a:r>
+            <a:r>
+              <a:rPr lang="en-SE" sz="1000" dirty="0"/>
+              <a:t> humidity</a:t>
+            </a:r>
+          </a:p>
+          <a:p>
+            <a:r>
+              <a:rPr lang="en-SE" sz="1000" dirty="0"/>
+              <a:t>UV-Index</a:t>
+            </a:r>
+          </a:p>
+          <a:p>
+            <a:r>
+              <a:rPr lang="en-SE" sz="1000" dirty="0"/>
+              <a:t>Air pressure</a:t>
+            </a:r>
+          </a:p>
+        </p:txBody>
+      </p:sp>
+      <p:sp>
+        <p:nvSpPr>
+          <p:cNvPr id="22" name="TextBox 16">
+            <a:extLst>
+              <a:ext uri="{FF2B5EF4-FFF2-40B4-BE49-F238E27FC236}">
+                <a16:creationId xmlns:a16="http://schemas.microsoft.com/office/drawing/2014/main" id="{FF8EECBB-2337-4431-BD46-46122CCD0CC6}"/>
+              </a:ext>
+            </a:extLst>
+          </p:cNvPr>
+          <p:cNvSpPr txBox="1"/>
+          <p:nvPr/>
+        </p:nvSpPr>
+        <p:spPr>
+          <a:xfrm>
+            <a:off x="5373453" y="5313838"/>
+            <a:ext cx="1119217" cy="1015663"/>
+          </a:xfrm>
+          <a:prstGeom prst="rect">
+            <a:avLst/>
+          </a:prstGeom>
+          <a:noFill/>
+        </p:spPr>
+        <p:txBody>
+          <a:bodyPr wrap="none" rtlCol="0">
+            <a:spAutoFit/>
+          </a:bodyPr>
+          <a:lstStyle/>
+          <a:p>
+            <a:r>
+              <a:rPr lang="en-SE" sz="1000" dirty="0"/>
+              <a:t>time</a:t>
+            </a:r>
+          </a:p>
+          <a:p>
+            <a:r>
+              <a:rPr lang="sv-SE" sz="1000" dirty="0"/>
+              <a:t>I</a:t>
+            </a:r>
+            <a:r>
+              <a:rPr lang="en-SE" sz="1000" dirty="0" err="1"/>
+              <a:t>ndoor</a:t>
+            </a:r>
+            <a:r>
+              <a:rPr lang="en-SE" sz="1000" dirty="0"/>
+              <a:t> temp</a:t>
+            </a:r>
+          </a:p>
+          <a:p>
+            <a:r>
+              <a:rPr lang="sv-SE" sz="1000" dirty="0"/>
+              <a:t>O</a:t>
+            </a:r>
+            <a:r>
+              <a:rPr lang="en-SE" sz="1000" dirty="0" err="1"/>
+              <a:t>utdoor</a:t>
+            </a:r>
+            <a:r>
+              <a:rPr lang="en-SE" sz="1000" dirty="0"/>
+              <a:t> temp</a:t>
+            </a:r>
+          </a:p>
+          <a:p>
+            <a:r>
+              <a:rPr lang="sv-SE" sz="1000" dirty="0"/>
+              <a:t>O</a:t>
+            </a:r>
+            <a:r>
+              <a:rPr lang="en-SE" sz="1000" dirty="0" err="1"/>
+              <a:t>utdoor</a:t>
+            </a:r>
+            <a:r>
+              <a:rPr lang="en-SE" sz="1000" dirty="0"/>
+              <a:t> humidity</a:t>
+            </a:r>
+          </a:p>
+          <a:p>
+            <a:r>
+              <a:rPr lang="en-SE" sz="1000" dirty="0"/>
+              <a:t>UV-Index</a:t>
+            </a:r>
+          </a:p>
+          <a:p>
+            <a:r>
+              <a:rPr lang="en-SE" sz="1000" dirty="0"/>
+              <a:t>Air pressure</a:t>
+            </a:r>
+          </a:p>
+        </p:txBody>
+      </p:sp>
+      <p:cxnSp>
+        <p:nvCxnSpPr>
+          <p:cNvPr id="32" name="Connector: Elbow 31">
+            <a:extLst>
+              <a:ext uri="{FF2B5EF4-FFF2-40B4-BE49-F238E27FC236}">
+                <a16:creationId xmlns:a16="http://schemas.microsoft.com/office/drawing/2014/main" id="{E8906066-C85C-4741-B586-0D3C1B472491}"/>
+              </a:ext>
+            </a:extLst>
+          </p:cNvPr>
+          <p:cNvCxnSpPr>
+            <a:stCxn id="6" idx="3"/>
+            <a:endCxn id="7" idx="3"/>
+          </p:cNvCxnSpPr>
+          <p:nvPr/>
+        </p:nvCxnSpPr>
+        <p:spPr>
+          <a:xfrm>
+            <a:off x="8455755" y="2132251"/>
+            <a:ext cx="72469" cy="2770394"/>
+          </a:xfrm>
+          <a:prstGeom prst="bentConnector3">
+            <a:avLst>
+              <a:gd name="adj1" fmla="val 1112745"/>
+            </a:avLst>
+          </a:prstGeom>
+          <a:ln>
+            <a:tailEnd type="triangle"/>
+          </a:ln>
+        </p:spPr>
+        <p:style>
+          <a:lnRef idx="1">
+            <a:schemeClr val="accent1"/>
+          </a:lnRef>
+          <a:fillRef idx="0">
+            <a:schemeClr val="accent1"/>
+          </a:fillRef>
+          <a:effectRef idx="0">
+            <a:schemeClr val="accent1"/>
+          </a:effectRef>
+          <a:fontRef idx="minor">
+            <a:schemeClr val="tx1"/>
+          </a:fontRef>
+        </p:style>
+      </p:cxnSp>
+    </p:spTree>
+    <p:extLst>
+      <p:ext uri="{BB962C8B-B14F-4D97-AF65-F5344CB8AC3E}">
+        <p14:creationId xmlns:p14="http://schemas.microsoft.com/office/powerpoint/2010/main" val="116944910"/>
+      </p:ext>
+    </p:extLst>
+  </p:cSld>
+  <p:clrMapOvr>
+    <a:masterClrMapping/>
+  </p:clrMapOvr>
+</p:sld>
+</file>
+
+<file path=ppt/slides/slide5.xml><?xml version="1.0" encoding="utf-8"?>
 <p:sld xmlns:a="http://schemas.openxmlformats.org/drawingml/2006/main" xmlns:r="http://schemas.openxmlformats.org/officeDocument/2006/relationships" xmlns:p="http://schemas.openxmlformats.org/presentationml/2006/main">
   <p:cSld>
     <p:bg>
@@ -5431,11 +6839,11 @@
           <a:p>
             <a:r>
               <a:rPr lang="en-SE" dirty="0"/>
-              <a:t>Cyclic presentation of </a:t>
-            </a:r>
-            <a:r>
-              <a:rPr lang="en-SE" dirty="0" err="1"/>
-              <a:t>Sensordata</a:t>
+              <a:t>Cyclic presentation </a:t>
+            </a:r>
+            <a:r>
+              <a:rPr lang="en-SE"/>
+              <a:t>of Sensor data</a:t>
             </a:r>
             <a:endParaRPr lang="sv-SE" dirty="0"/>
           </a:p>

--- a/Documentation/ClockNet.pptx
+++ b/Documentation/ClockNet.pptx
@@ -7,9 +7,11 @@
   <p:sldIdLst>
     <p:sldId id="256" r:id="rId2"/>
     <p:sldId id="257" r:id="rId3"/>
-    <p:sldId id="258" r:id="rId4"/>
-    <p:sldId id="260" r:id="rId5"/>
-    <p:sldId id="259" r:id="rId6"/>
+    <p:sldId id="262" r:id="rId4"/>
+    <p:sldId id="258" r:id="rId5"/>
+    <p:sldId id="261" r:id="rId6"/>
+    <p:sldId id="260" r:id="rId7"/>
+    <p:sldId id="259" r:id="rId8"/>
   </p:sldIdLst>
   <p:sldSz cx="12192000" cy="6858000"/>
   <p:notesSz cx="6858000" cy="9144000"/>
@@ -265,7 +267,7 @@
           <a:p>
             <a:fld id="{BE8EC4D6-8DFC-4D31-BF3E-167B2F1ECE7E}" type="datetimeFigureOut">
               <a:rPr lang="en-SE" smtClean="0"/>
-              <a:t>2021-01-20</a:t>
+              <a:t>2021-02-28</a:t>
             </a:fld>
             <a:endParaRPr lang="en-SE"/>
           </a:p>
@@ -465,7 +467,7 @@
           <a:p>
             <a:fld id="{BE8EC4D6-8DFC-4D31-BF3E-167B2F1ECE7E}" type="datetimeFigureOut">
               <a:rPr lang="en-SE" smtClean="0"/>
-              <a:t>2021-01-20</a:t>
+              <a:t>2021-02-28</a:t>
             </a:fld>
             <a:endParaRPr lang="en-SE"/>
           </a:p>
@@ -675,7 +677,7 @@
           <a:p>
             <a:fld id="{BE8EC4D6-8DFC-4D31-BF3E-167B2F1ECE7E}" type="datetimeFigureOut">
               <a:rPr lang="en-SE" smtClean="0"/>
-              <a:t>2021-01-20</a:t>
+              <a:t>2021-02-28</a:t>
             </a:fld>
             <a:endParaRPr lang="en-SE"/>
           </a:p>
@@ -875,7 +877,7 @@
           <a:p>
             <a:fld id="{BE8EC4D6-8DFC-4D31-BF3E-167B2F1ECE7E}" type="datetimeFigureOut">
               <a:rPr lang="en-SE" smtClean="0"/>
-              <a:t>2021-01-20</a:t>
+              <a:t>2021-02-28</a:t>
             </a:fld>
             <a:endParaRPr lang="en-SE"/>
           </a:p>
@@ -1151,7 +1153,7 @@
           <a:p>
             <a:fld id="{BE8EC4D6-8DFC-4D31-BF3E-167B2F1ECE7E}" type="datetimeFigureOut">
               <a:rPr lang="en-SE" smtClean="0"/>
-              <a:t>2021-01-20</a:t>
+              <a:t>2021-02-28</a:t>
             </a:fld>
             <a:endParaRPr lang="en-SE"/>
           </a:p>
@@ -1419,7 +1421,7 @@
           <a:p>
             <a:fld id="{BE8EC4D6-8DFC-4D31-BF3E-167B2F1ECE7E}" type="datetimeFigureOut">
               <a:rPr lang="en-SE" smtClean="0"/>
-              <a:t>2021-01-20</a:t>
+              <a:t>2021-02-28</a:t>
             </a:fld>
             <a:endParaRPr lang="en-SE"/>
           </a:p>
@@ -1834,7 +1836,7 @@
           <a:p>
             <a:fld id="{BE8EC4D6-8DFC-4D31-BF3E-167B2F1ECE7E}" type="datetimeFigureOut">
               <a:rPr lang="en-SE" smtClean="0"/>
-              <a:t>2021-01-20</a:t>
+              <a:t>2021-02-28</a:t>
             </a:fld>
             <a:endParaRPr lang="en-SE"/>
           </a:p>
@@ -1976,7 +1978,7 @@
           <a:p>
             <a:fld id="{BE8EC4D6-8DFC-4D31-BF3E-167B2F1ECE7E}" type="datetimeFigureOut">
               <a:rPr lang="en-SE" smtClean="0"/>
-              <a:t>2021-01-20</a:t>
+              <a:t>2021-02-28</a:t>
             </a:fld>
             <a:endParaRPr lang="en-SE"/>
           </a:p>
@@ -2089,7 +2091,7 @@
           <a:p>
             <a:fld id="{BE8EC4D6-8DFC-4D31-BF3E-167B2F1ECE7E}" type="datetimeFigureOut">
               <a:rPr lang="en-SE" smtClean="0"/>
-              <a:t>2021-01-20</a:t>
+              <a:t>2021-02-28</a:t>
             </a:fld>
             <a:endParaRPr lang="en-SE"/>
           </a:p>
@@ -2402,7 +2404,7 @@
           <a:p>
             <a:fld id="{BE8EC4D6-8DFC-4D31-BF3E-167B2F1ECE7E}" type="datetimeFigureOut">
               <a:rPr lang="en-SE" smtClean="0"/>
-              <a:t>2021-01-20</a:t>
+              <a:t>2021-02-28</a:t>
             </a:fld>
             <a:endParaRPr lang="en-SE"/>
           </a:p>
@@ -2691,7 +2693,7 @@
           <a:p>
             <a:fld id="{BE8EC4D6-8DFC-4D31-BF3E-167B2F1ECE7E}" type="datetimeFigureOut">
               <a:rPr lang="en-SE" smtClean="0"/>
-              <a:t>2021-01-20</a:t>
+              <a:t>2021-02-28</a:t>
             </a:fld>
             <a:endParaRPr lang="en-SE"/>
           </a:p>
@@ -2934,7 +2936,7 @@
           <a:p>
             <a:fld id="{BE8EC4D6-8DFC-4D31-BF3E-167B2F1ECE7E}" type="datetimeFigureOut">
               <a:rPr lang="en-SE" smtClean="0"/>
-              <a:t>2021-01-20</a:t>
+              <a:t>2021-02-28</a:t>
             </a:fld>
             <a:endParaRPr lang="en-SE"/>
           </a:p>
@@ -4015,6 +4017,13 @@
               <a:rPr lang="en-SE" dirty="0"/>
               <a:t>Topology: Star Distribution</a:t>
             </a:r>
+            <a:br>
+              <a:rPr lang="en-SE" dirty="0"/>
+            </a:br>
+            <a:r>
+              <a:rPr lang="en-SE" dirty="0"/>
+              <a:t>Original solution</a:t>
+            </a:r>
           </a:p>
         </p:txBody>
       </p:sp>
@@ -5360,7 +5369,7 @@
     </p:spTree>
     <p:extLst>
       <p:ext uri="{BB962C8B-B14F-4D97-AF65-F5344CB8AC3E}">
-        <p14:creationId xmlns:p14="http://schemas.microsoft.com/office/powerpoint/2010/main" val="3186348832"/>
+        <p14:creationId xmlns:p14="http://schemas.microsoft.com/office/powerpoint/2010/main" val="1497203878"/>
       </p:ext>
     </p:extLst>
   </p:cSld>
@@ -5392,6 +5401,1688 @@
           <p:cNvPr id="2" name="Title 1">
             <a:extLst>
               <a:ext uri="{FF2B5EF4-FFF2-40B4-BE49-F238E27FC236}">
+                <a16:creationId xmlns:a16="http://schemas.microsoft.com/office/drawing/2014/main" id="{AF0E3A21-EA92-4943-A69B-C8BEEC506EC5}"/>
+              </a:ext>
+            </a:extLst>
+          </p:cNvPr>
+          <p:cNvSpPr>
+            <a:spLocks noGrp="1"/>
+          </p:cNvSpPr>
+          <p:nvPr>
+            <p:ph type="title"/>
+          </p:nvPr>
+        </p:nvSpPr>
+        <p:spPr/>
+        <p:txBody>
+          <a:bodyPr/>
+          <a:lstStyle/>
+          <a:p>
+            <a:r>
+              <a:rPr lang="en-SE" dirty="0"/>
+              <a:t>Topology: Star Distribution</a:t>
+            </a:r>
+            <a:br>
+              <a:rPr lang="en-SE" dirty="0"/>
+            </a:br>
+            <a:r>
+              <a:rPr lang="en-SE" dirty="0" err="1"/>
+              <a:t>Frontyard</a:t>
+            </a:r>
+            <a:r>
+              <a:rPr lang="en-SE" dirty="0"/>
+              <a:t> side</a:t>
+            </a:r>
+          </a:p>
+        </p:txBody>
+      </p:sp>
+      <p:sp>
+        <p:nvSpPr>
+          <p:cNvPr id="3" name="Rectangle 2">
+            <a:extLst>
+              <a:ext uri="{FF2B5EF4-FFF2-40B4-BE49-F238E27FC236}">
+                <a16:creationId xmlns:a16="http://schemas.microsoft.com/office/drawing/2014/main" id="{772D33C7-F15A-4328-859F-268788CDC37F}"/>
+              </a:ext>
+            </a:extLst>
+          </p:cNvPr>
+          <p:cNvSpPr/>
+          <p:nvPr/>
+        </p:nvSpPr>
+        <p:spPr>
+          <a:xfrm>
+            <a:off x="2235818" y="2550594"/>
+            <a:ext cx="914400" cy="914400"/>
+          </a:xfrm>
+          <a:prstGeom prst="rect">
+            <a:avLst/>
+          </a:prstGeom>
+          <a:solidFill>
+            <a:srgbClr val="92D050">
+              <a:alpha val="42000"/>
+            </a:srgbClr>
+          </a:solidFill>
+          <a:ln>
+            <a:solidFill>
+              <a:schemeClr val="accent1">
+                <a:shade val="50000"/>
+                <a:alpha val="86000"/>
+              </a:schemeClr>
+            </a:solidFill>
+          </a:ln>
+        </p:spPr>
+        <p:style>
+          <a:lnRef idx="2">
+            <a:schemeClr val="accent1">
+              <a:shade val="50000"/>
+            </a:schemeClr>
+          </a:lnRef>
+          <a:fillRef idx="1">
+            <a:schemeClr val="accent1"/>
+          </a:fillRef>
+          <a:effectRef idx="0">
+            <a:schemeClr val="accent1"/>
+          </a:effectRef>
+          <a:fontRef idx="minor">
+            <a:schemeClr val="lt1"/>
+          </a:fontRef>
+        </p:style>
+        <p:txBody>
+          <a:bodyPr rtlCol="0" anchor="ctr"/>
+          <a:lstStyle/>
+          <a:p>
+            <a:pPr algn="ctr"/>
+            <a:r>
+              <a:rPr lang="en-SE" sz="1200" dirty="0">
+                <a:solidFill>
+                  <a:schemeClr val="tx1"/>
+                </a:solidFill>
+              </a:rPr>
+              <a:t>Node 9</a:t>
+            </a:r>
+          </a:p>
+          <a:p>
+            <a:pPr algn="ctr"/>
+            <a:r>
+              <a:rPr lang="en-SE" sz="1200" dirty="0">
+                <a:solidFill>
+                  <a:schemeClr val="tx1"/>
+                </a:solidFill>
+              </a:rPr>
+              <a:t>Porch</a:t>
+            </a:r>
+          </a:p>
+        </p:txBody>
+      </p:sp>
+      <p:sp>
+        <p:nvSpPr>
+          <p:cNvPr id="4" name="Rectangle 3">
+            <a:extLst>
+              <a:ext uri="{FF2B5EF4-FFF2-40B4-BE49-F238E27FC236}">
+                <a16:creationId xmlns:a16="http://schemas.microsoft.com/office/drawing/2014/main" id="{22685319-BF4F-4CC2-8AD1-AF959C07D429}"/>
+              </a:ext>
+            </a:extLst>
+          </p:cNvPr>
+          <p:cNvSpPr/>
+          <p:nvPr/>
+        </p:nvSpPr>
+        <p:spPr>
+          <a:xfrm>
+            <a:off x="5064710" y="3262452"/>
+            <a:ext cx="914400" cy="914400"/>
+          </a:xfrm>
+          <a:prstGeom prst="rect">
+            <a:avLst/>
+          </a:prstGeom>
+          <a:solidFill>
+            <a:srgbClr val="92D050">
+              <a:alpha val="42000"/>
+            </a:srgbClr>
+          </a:solidFill>
+          <a:ln>
+            <a:solidFill>
+              <a:schemeClr val="accent1">
+                <a:shade val="50000"/>
+                <a:alpha val="86000"/>
+              </a:schemeClr>
+            </a:solidFill>
+          </a:ln>
+        </p:spPr>
+        <p:style>
+          <a:lnRef idx="2">
+            <a:schemeClr val="accent1">
+              <a:shade val="50000"/>
+            </a:schemeClr>
+          </a:lnRef>
+          <a:fillRef idx="1">
+            <a:schemeClr val="accent1"/>
+          </a:fillRef>
+          <a:effectRef idx="0">
+            <a:schemeClr val="accent1"/>
+          </a:effectRef>
+          <a:fontRef idx="minor">
+            <a:schemeClr val="lt1"/>
+          </a:fontRef>
+        </p:style>
+        <p:txBody>
+          <a:bodyPr rtlCol="0" anchor="ctr"/>
+          <a:lstStyle/>
+          <a:p>
+            <a:pPr algn="ctr"/>
+            <a:r>
+              <a:rPr lang="en-SE" sz="1200" dirty="0">
+                <a:solidFill>
+                  <a:schemeClr val="tx1"/>
+                </a:solidFill>
+              </a:rPr>
+              <a:t>Node 85</a:t>
+            </a:r>
+          </a:p>
+          <a:p>
+            <a:pPr algn="ctr"/>
+            <a:r>
+              <a:rPr lang="en-SE" sz="1200" dirty="0">
+                <a:solidFill>
+                  <a:schemeClr val="tx1"/>
+                </a:solidFill>
+              </a:rPr>
+              <a:t>Node Id = 1</a:t>
+            </a:r>
+          </a:p>
+          <a:p>
+            <a:pPr algn="ctr"/>
+            <a:r>
+              <a:rPr lang="en-SE" sz="1200" dirty="0">
+                <a:solidFill>
+                  <a:schemeClr val="tx1"/>
+                </a:solidFill>
+              </a:rPr>
+              <a:t>Patio</a:t>
+            </a:r>
+          </a:p>
+        </p:txBody>
+      </p:sp>
+      <p:sp>
+        <p:nvSpPr>
+          <p:cNvPr id="5" name="Rectangle 4">
+            <a:extLst>
+              <a:ext uri="{FF2B5EF4-FFF2-40B4-BE49-F238E27FC236}">
+                <a16:creationId xmlns:a16="http://schemas.microsoft.com/office/drawing/2014/main" id="{403C9F06-3E31-43A4-8FAC-04BA9BE8828D}"/>
+              </a:ext>
+            </a:extLst>
+          </p:cNvPr>
+          <p:cNvSpPr/>
+          <p:nvPr/>
+        </p:nvSpPr>
+        <p:spPr>
+          <a:xfrm>
+            <a:off x="7893602" y="3262452"/>
+            <a:ext cx="914400" cy="914400"/>
+          </a:xfrm>
+          <a:prstGeom prst="rect">
+            <a:avLst/>
+          </a:prstGeom>
+          <a:solidFill>
+            <a:srgbClr val="92D050">
+              <a:alpha val="42000"/>
+            </a:srgbClr>
+          </a:solidFill>
+          <a:ln>
+            <a:solidFill>
+              <a:schemeClr val="accent1">
+                <a:shade val="50000"/>
+                <a:alpha val="86000"/>
+              </a:schemeClr>
+            </a:solidFill>
+          </a:ln>
+        </p:spPr>
+        <p:style>
+          <a:lnRef idx="2">
+            <a:schemeClr val="accent1">
+              <a:shade val="50000"/>
+            </a:schemeClr>
+          </a:lnRef>
+          <a:fillRef idx="1">
+            <a:schemeClr val="accent1"/>
+          </a:fillRef>
+          <a:effectRef idx="0">
+            <a:schemeClr val="accent1"/>
+          </a:effectRef>
+          <a:fontRef idx="minor">
+            <a:schemeClr val="lt1"/>
+          </a:fontRef>
+        </p:style>
+        <p:txBody>
+          <a:bodyPr rtlCol="0" anchor="ctr"/>
+          <a:lstStyle/>
+          <a:p>
+            <a:pPr algn="ctr"/>
+            <a:r>
+              <a:rPr lang="en-SE" sz="1200" dirty="0">
+                <a:solidFill>
+                  <a:schemeClr val="tx1"/>
+                </a:solidFill>
+              </a:rPr>
+              <a:t>Node 86</a:t>
+            </a:r>
+          </a:p>
+          <a:p>
+            <a:pPr algn="ctr"/>
+            <a:r>
+              <a:rPr lang="en-SE" sz="1200" dirty="0" err="1">
+                <a:solidFill>
+                  <a:schemeClr val="tx1"/>
+                </a:solidFill>
+              </a:rPr>
+              <a:t>NodeId</a:t>
+            </a:r>
+            <a:r>
+              <a:rPr lang="en-SE" sz="1200" dirty="0">
+                <a:solidFill>
+                  <a:schemeClr val="tx1"/>
+                </a:solidFill>
+              </a:rPr>
+              <a:t>=2</a:t>
+            </a:r>
+          </a:p>
+          <a:p>
+            <a:pPr algn="ctr"/>
+            <a:r>
+              <a:rPr lang="en-SE" sz="1200" dirty="0">
+                <a:solidFill>
+                  <a:schemeClr val="tx1"/>
+                </a:solidFill>
+              </a:rPr>
+              <a:t>Office</a:t>
+            </a:r>
+          </a:p>
+        </p:txBody>
+      </p:sp>
+      <p:cxnSp>
+        <p:nvCxnSpPr>
+          <p:cNvPr id="9" name="Straight Arrow Connector 8">
+            <a:extLst>
+              <a:ext uri="{FF2B5EF4-FFF2-40B4-BE49-F238E27FC236}">
+                <a16:creationId xmlns:a16="http://schemas.microsoft.com/office/drawing/2014/main" id="{2A111E6A-2723-4EE6-A747-D9195E974A0A}"/>
+              </a:ext>
+            </a:extLst>
+          </p:cNvPr>
+          <p:cNvCxnSpPr>
+            <a:stCxn id="3" idx="3"/>
+            <a:endCxn id="4" idx="1"/>
+          </p:cNvCxnSpPr>
+          <p:nvPr/>
+        </p:nvCxnSpPr>
+        <p:spPr>
+          <a:xfrm>
+            <a:off x="3150218" y="3007794"/>
+            <a:ext cx="1914492" cy="711858"/>
+          </a:xfrm>
+          <a:prstGeom prst="straightConnector1">
+            <a:avLst/>
+          </a:prstGeom>
+          <a:ln>
+            <a:tailEnd type="triangle"/>
+          </a:ln>
+        </p:spPr>
+        <p:style>
+          <a:lnRef idx="1">
+            <a:schemeClr val="accent1"/>
+          </a:lnRef>
+          <a:fillRef idx="0">
+            <a:schemeClr val="accent1"/>
+          </a:fillRef>
+          <a:effectRef idx="0">
+            <a:schemeClr val="accent1"/>
+          </a:effectRef>
+          <a:fontRef idx="minor">
+            <a:schemeClr val="tx1"/>
+          </a:fontRef>
+        </p:style>
+      </p:cxnSp>
+      <p:cxnSp>
+        <p:nvCxnSpPr>
+          <p:cNvPr id="11" name="Straight Arrow Connector 10">
+            <a:extLst>
+              <a:ext uri="{FF2B5EF4-FFF2-40B4-BE49-F238E27FC236}">
+                <a16:creationId xmlns:a16="http://schemas.microsoft.com/office/drawing/2014/main" id="{B9D30099-33AA-4118-95B0-39E7C82F1CF7}"/>
+              </a:ext>
+            </a:extLst>
+          </p:cNvPr>
+          <p:cNvCxnSpPr>
+            <a:stCxn id="4" idx="3"/>
+            <a:endCxn id="5" idx="1"/>
+          </p:cNvCxnSpPr>
+          <p:nvPr/>
+        </p:nvCxnSpPr>
+        <p:spPr>
+          <a:xfrm>
+            <a:off x="5979110" y="3719652"/>
+            <a:ext cx="1914492" cy="0"/>
+          </a:xfrm>
+          <a:prstGeom prst="straightConnector1">
+            <a:avLst/>
+          </a:prstGeom>
+          <a:ln>
+            <a:tailEnd type="triangle"/>
+          </a:ln>
+        </p:spPr>
+        <p:style>
+          <a:lnRef idx="1">
+            <a:schemeClr val="accent1"/>
+          </a:lnRef>
+          <a:fillRef idx="0">
+            <a:schemeClr val="accent1"/>
+          </a:fillRef>
+          <a:effectRef idx="0">
+            <a:schemeClr val="accent1"/>
+          </a:effectRef>
+          <a:fontRef idx="minor">
+            <a:schemeClr val="tx1"/>
+          </a:fontRef>
+        </p:style>
+      </p:cxnSp>
+      <p:sp>
+        <p:nvSpPr>
+          <p:cNvPr id="16" name="TextBox 15">
+            <a:extLst>
+              <a:ext uri="{FF2B5EF4-FFF2-40B4-BE49-F238E27FC236}">
+                <a16:creationId xmlns:a16="http://schemas.microsoft.com/office/drawing/2014/main" id="{1E3DB0FC-636E-47D3-9FB9-9F724BD0E3A7}"/>
+              </a:ext>
+            </a:extLst>
+          </p:cNvPr>
+          <p:cNvSpPr txBox="1"/>
+          <p:nvPr/>
+        </p:nvSpPr>
+        <p:spPr>
+          <a:xfrm>
+            <a:off x="5064710" y="3019564"/>
+            <a:ext cx="780983" cy="246221"/>
+          </a:xfrm>
+          <a:prstGeom prst="rect">
+            <a:avLst/>
+          </a:prstGeom>
+          <a:noFill/>
+        </p:spPr>
+        <p:txBody>
+          <a:bodyPr wrap="none" rtlCol="0">
+            <a:spAutoFit/>
+          </a:bodyPr>
+          <a:lstStyle/>
+          <a:p>
+            <a:r>
+              <a:rPr lang="en-SE" sz="1000" dirty="0"/>
+              <a:t>Temp/Hum</a:t>
+            </a:r>
+          </a:p>
+        </p:txBody>
+      </p:sp>
+      <p:sp>
+        <p:nvSpPr>
+          <p:cNvPr id="17" name="TextBox 16">
+            <a:extLst>
+              <a:ext uri="{FF2B5EF4-FFF2-40B4-BE49-F238E27FC236}">
+                <a16:creationId xmlns:a16="http://schemas.microsoft.com/office/drawing/2014/main" id="{74DEF83C-FB96-4AF1-944F-2BA9A95208FC}"/>
+              </a:ext>
+            </a:extLst>
+          </p:cNvPr>
+          <p:cNvSpPr txBox="1"/>
+          <p:nvPr/>
+        </p:nvSpPr>
+        <p:spPr>
+          <a:xfrm>
+            <a:off x="8808002" y="3248165"/>
+            <a:ext cx="1119217" cy="1015663"/>
+          </a:xfrm>
+          <a:prstGeom prst="rect">
+            <a:avLst/>
+          </a:prstGeom>
+          <a:noFill/>
+        </p:spPr>
+        <p:txBody>
+          <a:bodyPr wrap="none" rtlCol="0">
+            <a:spAutoFit/>
+          </a:bodyPr>
+          <a:lstStyle/>
+          <a:p>
+            <a:r>
+              <a:rPr lang="en-SE" sz="1000" dirty="0"/>
+              <a:t>time</a:t>
+            </a:r>
+          </a:p>
+          <a:p>
+            <a:r>
+              <a:rPr lang="sv-SE" sz="1000" dirty="0"/>
+              <a:t>I</a:t>
+            </a:r>
+            <a:r>
+              <a:rPr lang="en-SE" sz="1000" dirty="0" err="1"/>
+              <a:t>ndoor</a:t>
+            </a:r>
+            <a:r>
+              <a:rPr lang="en-SE" sz="1000" dirty="0"/>
+              <a:t> temp</a:t>
+            </a:r>
+          </a:p>
+          <a:p>
+            <a:r>
+              <a:rPr lang="sv-SE" sz="1000" dirty="0"/>
+              <a:t>O</a:t>
+            </a:r>
+            <a:r>
+              <a:rPr lang="en-SE" sz="1000" dirty="0" err="1"/>
+              <a:t>utdoor</a:t>
+            </a:r>
+            <a:r>
+              <a:rPr lang="en-SE" sz="1000" dirty="0"/>
+              <a:t> temp</a:t>
+            </a:r>
+          </a:p>
+          <a:p>
+            <a:r>
+              <a:rPr lang="sv-SE" sz="1000" dirty="0"/>
+              <a:t>O</a:t>
+            </a:r>
+            <a:r>
+              <a:rPr lang="en-SE" sz="1000" dirty="0" err="1"/>
+              <a:t>utdoor</a:t>
+            </a:r>
+            <a:r>
+              <a:rPr lang="en-SE" sz="1000" dirty="0"/>
+              <a:t> humidity</a:t>
+            </a:r>
+          </a:p>
+          <a:p>
+            <a:r>
+              <a:rPr lang="en-SE" sz="1000" dirty="0"/>
+              <a:t>UV-Index</a:t>
+            </a:r>
+          </a:p>
+          <a:p>
+            <a:r>
+              <a:rPr lang="en-SE" sz="1000" dirty="0"/>
+              <a:t>Air pressure</a:t>
+            </a:r>
+          </a:p>
+        </p:txBody>
+      </p:sp>
+      <p:sp>
+        <p:nvSpPr>
+          <p:cNvPr id="26" name="TextBox 18">
+            <a:extLst>
+              <a:ext uri="{FF2B5EF4-FFF2-40B4-BE49-F238E27FC236}">
+                <a16:creationId xmlns:a16="http://schemas.microsoft.com/office/drawing/2014/main" id="{B3968AD3-E319-4DDA-8B7B-EAD6035E8052}"/>
+              </a:ext>
+            </a:extLst>
+          </p:cNvPr>
+          <p:cNvSpPr txBox="1"/>
+          <p:nvPr/>
+        </p:nvSpPr>
+        <p:spPr>
+          <a:xfrm>
+            <a:off x="3150218" y="2478953"/>
+            <a:ext cx="780983" cy="246221"/>
+          </a:xfrm>
+          <a:prstGeom prst="rect">
+            <a:avLst/>
+          </a:prstGeom>
+          <a:noFill/>
+        </p:spPr>
+        <p:txBody>
+          <a:bodyPr wrap="none" rtlCol="0">
+            <a:spAutoFit/>
+          </a:bodyPr>
+          <a:lstStyle/>
+          <a:p>
+            <a:r>
+              <a:rPr lang="en-SE" sz="1000" dirty="0"/>
+              <a:t>Temp/Hum</a:t>
+            </a:r>
+          </a:p>
+        </p:txBody>
+      </p:sp>
+      <p:sp>
+        <p:nvSpPr>
+          <p:cNvPr id="27" name="Rectangle 2">
+            <a:extLst>
+              <a:ext uri="{FF2B5EF4-FFF2-40B4-BE49-F238E27FC236}">
+                <a16:creationId xmlns:a16="http://schemas.microsoft.com/office/drawing/2014/main" id="{446D5DD0-C63A-46EA-9553-C93EA9E6B045}"/>
+              </a:ext>
+            </a:extLst>
+          </p:cNvPr>
+          <p:cNvSpPr/>
+          <p:nvPr/>
+        </p:nvSpPr>
+        <p:spPr>
+          <a:xfrm>
+            <a:off x="2235818" y="3734564"/>
+            <a:ext cx="914400" cy="914400"/>
+          </a:xfrm>
+          <a:prstGeom prst="rect">
+            <a:avLst/>
+          </a:prstGeom>
+          <a:solidFill>
+            <a:srgbClr val="92D050">
+              <a:alpha val="42000"/>
+            </a:srgbClr>
+          </a:solidFill>
+          <a:ln>
+            <a:solidFill>
+              <a:schemeClr val="accent1">
+                <a:shade val="50000"/>
+                <a:alpha val="86000"/>
+              </a:schemeClr>
+            </a:solidFill>
+          </a:ln>
+        </p:spPr>
+        <p:style>
+          <a:lnRef idx="2">
+            <a:schemeClr val="accent1">
+              <a:shade val="50000"/>
+            </a:schemeClr>
+          </a:lnRef>
+          <a:fillRef idx="1">
+            <a:schemeClr val="accent1"/>
+          </a:fillRef>
+          <a:effectRef idx="0">
+            <a:schemeClr val="accent1"/>
+          </a:effectRef>
+          <a:fontRef idx="minor">
+            <a:schemeClr val="lt1"/>
+          </a:fontRef>
+        </p:style>
+        <p:txBody>
+          <a:bodyPr rtlCol="0" anchor="ctr"/>
+          <a:lstStyle/>
+          <a:p>
+            <a:pPr algn="ctr"/>
+            <a:r>
+              <a:rPr lang="en-SE" sz="1200" dirty="0">
+                <a:solidFill>
+                  <a:schemeClr val="tx1"/>
+                </a:solidFill>
+              </a:rPr>
+              <a:t>Node 5</a:t>
+            </a:r>
+          </a:p>
+          <a:p>
+            <a:pPr algn="ctr"/>
+            <a:r>
+              <a:rPr lang="en-SE" sz="1200" dirty="0" err="1">
+                <a:solidFill>
+                  <a:schemeClr val="tx1"/>
+                </a:solidFill>
+              </a:rPr>
+              <a:t>Frontyard</a:t>
+            </a:r>
+            <a:endParaRPr lang="en-SE" sz="1200" dirty="0">
+              <a:solidFill>
+                <a:schemeClr val="tx1"/>
+              </a:solidFill>
+            </a:endParaRPr>
+          </a:p>
+        </p:txBody>
+      </p:sp>
+      <p:cxnSp>
+        <p:nvCxnSpPr>
+          <p:cNvPr id="30" name="Rak pilkoppling 29">
+            <a:extLst>
+              <a:ext uri="{FF2B5EF4-FFF2-40B4-BE49-F238E27FC236}">
+                <a16:creationId xmlns:a16="http://schemas.microsoft.com/office/drawing/2014/main" id="{437E73ED-91EA-4D2D-9CD7-04BCB59FE6F1}"/>
+              </a:ext>
+            </a:extLst>
+          </p:cNvPr>
+          <p:cNvCxnSpPr>
+            <a:stCxn id="27" idx="3"/>
+            <a:endCxn id="4" idx="1"/>
+          </p:cNvCxnSpPr>
+          <p:nvPr/>
+        </p:nvCxnSpPr>
+        <p:spPr>
+          <a:xfrm flipV="1">
+            <a:off x="3150218" y="3719652"/>
+            <a:ext cx="1914492" cy="472112"/>
+          </a:xfrm>
+          <a:prstGeom prst="straightConnector1">
+            <a:avLst/>
+          </a:prstGeom>
+          <a:ln>
+            <a:tailEnd type="triangle"/>
+          </a:ln>
+        </p:spPr>
+        <p:style>
+          <a:lnRef idx="1">
+            <a:schemeClr val="accent1"/>
+          </a:lnRef>
+          <a:fillRef idx="0">
+            <a:schemeClr val="accent1"/>
+          </a:fillRef>
+          <a:effectRef idx="0">
+            <a:schemeClr val="accent1"/>
+          </a:effectRef>
+          <a:fontRef idx="minor">
+            <a:schemeClr val="tx1"/>
+          </a:fontRef>
+        </p:style>
+      </p:cxnSp>
+      <p:sp>
+        <p:nvSpPr>
+          <p:cNvPr id="31" name="TextBox 18">
+            <a:extLst>
+              <a:ext uri="{FF2B5EF4-FFF2-40B4-BE49-F238E27FC236}">
+                <a16:creationId xmlns:a16="http://schemas.microsoft.com/office/drawing/2014/main" id="{ADA8EBCD-8E37-4A41-9452-695877CD2AA5}"/>
+              </a:ext>
+            </a:extLst>
+          </p:cNvPr>
+          <p:cNvSpPr txBox="1"/>
+          <p:nvPr/>
+        </p:nvSpPr>
+        <p:spPr>
+          <a:xfrm>
+            <a:off x="3150218" y="3785033"/>
+            <a:ext cx="1048685" cy="246221"/>
+          </a:xfrm>
+          <a:prstGeom prst="rect">
+            <a:avLst/>
+          </a:prstGeom>
+          <a:noFill/>
+        </p:spPr>
+        <p:txBody>
+          <a:bodyPr wrap="none" rtlCol="0">
+            <a:spAutoFit/>
+          </a:bodyPr>
+          <a:lstStyle/>
+          <a:p>
+            <a:r>
+              <a:rPr lang="en-SE" sz="1000" dirty="0"/>
+              <a:t>UVI/Air pressure</a:t>
+            </a:r>
+          </a:p>
+        </p:txBody>
+      </p:sp>
+    </p:spTree>
+    <p:extLst>
+      <p:ext uri="{BB962C8B-B14F-4D97-AF65-F5344CB8AC3E}">
+        <p14:creationId xmlns:p14="http://schemas.microsoft.com/office/powerpoint/2010/main" val="3186348832"/>
+      </p:ext>
+    </p:extLst>
+  </p:cSld>
+  <p:clrMapOvr>
+    <a:masterClrMapping/>
+  </p:clrMapOvr>
+</p:sld>
+</file>
+
+<file path=ppt/slides/slide5.xml><?xml version="1.0" encoding="utf-8"?>
+<p:sld xmlns:a="http://schemas.openxmlformats.org/drawingml/2006/main" xmlns:r="http://schemas.openxmlformats.org/officeDocument/2006/relationships" xmlns:p="http://schemas.openxmlformats.org/presentationml/2006/main">
+  <p:cSld>
+    <p:spTree>
+      <p:nvGrpSpPr>
+        <p:cNvPr id="1" name=""/>
+        <p:cNvGrpSpPr/>
+        <p:nvPr/>
+      </p:nvGrpSpPr>
+      <p:grpSpPr>
+        <a:xfrm>
+          <a:off x="0" y="0"/>
+          <a:ext cx="0" cy="0"/>
+          <a:chOff x="0" y="0"/>
+          <a:chExt cx="0" cy="0"/>
+        </a:xfrm>
+      </p:grpSpPr>
+      <p:sp>
+        <p:nvSpPr>
+          <p:cNvPr id="2" name="Title 1">
+            <a:extLst>
+              <a:ext uri="{FF2B5EF4-FFF2-40B4-BE49-F238E27FC236}">
+                <a16:creationId xmlns:a16="http://schemas.microsoft.com/office/drawing/2014/main" id="{AF0E3A21-EA92-4943-A69B-C8BEEC506EC5}"/>
+              </a:ext>
+            </a:extLst>
+          </p:cNvPr>
+          <p:cNvSpPr>
+            <a:spLocks noGrp="1"/>
+          </p:cNvSpPr>
+          <p:nvPr>
+            <p:ph type="title"/>
+          </p:nvPr>
+        </p:nvSpPr>
+        <p:spPr/>
+        <p:txBody>
+          <a:bodyPr/>
+          <a:lstStyle/>
+          <a:p>
+            <a:r>
+              <a:rPr lang="en-SE" dirty="0"/>
+              <a:t>Topology: Star Distribution</a:t>
+            </a:r>
+            <a:br>
+              <a:rPr lang="en-SE" dirty="0"/>
+            </a:br>
+            <a:r>
+              <a:rPr lang="en-SE" dirty="0"/>
+              <a:t>Garden side</a:t>
+            </a:r>
+          </a:p>
+        </p:txBody>
+      </p:sp>
+      <p:sp>
+        <p:nvSpPr>
+          <p:cNvPr id="3" name="Rectangle 2">
+            <a:extLst>
+              <a:ext uri="{FF2B5EF4-FFF2-40B4-BE49-F238E27FC236}">
+                <a16:creationId xmlns:a16="http://schemas.microsoft.com/office/drawing/2014/main" id="{772D33C7-F15A-4328-859F-268788CDC37F}"/>
+              </a:ext>
+            </a:extLst>
+          </p:cNvPr>
+          <p:cNvSpPr/>
+          <p:nvPr/>
+        </p:nvSpPr>
+        <p:spPr>
+          <a:xfrm>
+            <a:off x="2235818" y="2550594"/>
+            <a:ext cx="914400" cy="914400"/>
+          </a:xfrm>
+          <a:prstGeom prst="rect">
+            <a:avLst/>
+          </a:prstGeom>
+          <a:solidFill>
+            <a:srgbClr val="92D050">
+              <a:alpha val="42000"/>
+            </a:srgbClr>
+          </a:solidFill>
+          <a:ln>
+            <a:solidFill>
+              <a:schemeClr val="accent1">
+                <a:shade val="50000"/>
+                <a:alpha val="86000"/>
+              </a:schemeClr>
+            </a:solidFill>
+          </a:ln>
+        </p:spPr>
+        <p:style>
+          <a:lnRef idx="2">
+            <a:schemeClr val="accent1">
+              <a:shade val="50000"/>
+            </a:schemeClr>
+          </a:lnRef>
+          <a:fillRef idx="1">
+            <a:schemeClr val="accent1"/>
+          </a:fillRef>
+          <a:effectRef idx="0">
+            <a:schemeClr val="accent1"/>
+          </a:effectRef>
+          <a:fontRef idx="minor">
+            <a:schemeClr val="lt1"/>
+          </a:fontRef>
+        </p:style>
+        <p:txBody>
+          <a:bodyPr rtlCol="0" anchor="ctr"/>
+          <a:lstStyle/>
+          <a:p>
+            <a:pPr algn="ctr"/>
+            <a:r>
+              <a:rPr lang="en-SE" sz="1200" dirty="0">
+                <a:solidFill>
+                  <a:schemeClr val="tx1"/>
+                </a:solidFill>
+              </a:rPr>
+              <a:t>Node 27</a:t>
+            </a:r>
+          </a:p>
+          <a:p>
+            <a:pPr algn="ctr"/>
+            <a:r>
+              <a:rPr lang="en-SE" sz="1200" dirty="0">
+                <a:solidFill>
+                  <a:schemeClr val="tx1"/>
+                </a:solidFill>
+              </a:rPr>
+              <a:t>Pergola</a:t>
+            </a:r>
+          </a:p>
+        </p:txBody>
+      </p:sp>
+      <p:sp>
+        <p:nvSpPr>
+          <p:cNvPr id="4" name="Rectangle 3">
+            <a:extLst>
+              <a:ext uri="{FF2B5EF4-FFF2-40B4-BE49-F238E27FC236}">
+                <a16:creationId xmlns:a16="http://schemas.microsoft.com/office/drawing/2014/main" id="{22685319-BF4F-4CC2-8AD1-AF959C07D429}"/>
+              </a:ext>
+            </a:extLst>
+          </p:cNvPr>
+          <p:cNvSpPr/>
+          <p:nvPr/>
+        </p:nvSpPr>
+        <p:spPr>
+          <a:xfrm>
+            <a:off x="5064710" y="3262452"/>
+            <a:ext cx="914400" cy="914400"/>
+          </a:xfrm>
+          <a:prstGeom prst="rect">
+            <a:avLst/>
+          </a:prstGeom>
+          <a:solidFill>
+            <a:srgbClr val="92D050">
+              <a:alpha val="42000"/>
+            </a:srgbClr>
+          </a:solidFill>
+          <a:ln>
+            <a:solidFill>
+              <a:schemeClr val="accent1">
+                <a:shade val="50000"/>
+                <a:alpha val="86000"/>
+              </a:schemeClr>
+            </a:solidFill>
+          </a:ln>
+        </p:spPr>
+        <p:style>
+          <a:lnRef idx="2">
+            <a:schemeClr val="accent1">
+              <a:shade val="50000"/>
+            </a:schemeClr>
+          </a:lnRef>
+          <a:fillRef idx="1">
+            <a:schemeClr val="accent1"/>
+          </a:fillRef>
+          <a:effectRef idx="0">
+            <a:schemeClr val="accent1"/>
+          </a:effectRef>
+          <a:fontRef idx="minor">
+            <a:schemeClr val="lt1"/>
+          </a:fontRef>
+        </p:style>
+        <p:txBody>
+          <a:bodyPr rtlCol="0" anchor="ctr"/>
+          <a:lstStyle/>
+          <a:p>
+            <a:pPr algn="ctr"/>
+            <a:r>
+              <a:rPr lang="en-SE" sz="1200" dirty="0">
+                <a:solidFill>
+                  <a:schemeClr val="tx1"/>
+                </a:solidFill>
+              </a:rPr>
+              <a:t>Node 95</a:t>
+            </a:r>
+          </a:p>
+          <a:p>
+            <a:pPr algn="ctr"/>
+            <a:r>
+              <a:rPr lang="en-SE" sz="1200" dirty="0">
+                <a:solidFill>
+                  <a:schemeClr val="tx1"/>
+                </a:solidFill>
+              </a:rPr>
+              <a:t>Node Id = 1</a:t>
+            </a:r>
+          </a:p>
+          <a:p>
+            <a:pPr algn="ctr"/>
+            <a:r>
+              <a:rPr lang="en-SE" sz="1200" dirty="0">
+                <a:solidFill>
+                  <a:schemeClr val="tx1"/>
+                </a:solidFill>
+              </a:rPr>
+              <a:t>Patio</a:t>
+            </a:r>
+          </a:p>
+        </p:txBody>
+      </p:sp>
+      <p:sp>
+        <p:nvSpPr>
+          <p:cNvPr id="5" name="Rectangle 4">
+            <a:extLst>
+              <a:ext uri="{FF2B5EF4-FFF2-40B4-BE49-F238E27FC236}">
+                <a16:creationId xmlns:a16="http://schemas.microsoft.com/office/drawing/2014/main" id="{403C9F06-3E31-43A4-8FAC-04BA9BE8828D}"/>
+              </a:ext>
+            </a:extLst>
+          </p:cNvPr>
+          <p:cNvSpPr/>
+          <p:nvPr/>
+        </p:nvSpPr>
+        <p:spPr>
+          <a:xfrm>
+            <a:off x="7974349" y="2739461"/>
+            <a:ext cx="914400" cy="914400"/>
+          </a:xfrm>
+          <a:prstGeom prst="rect">
+            <a:avLst/>
+          </a:prstGeom>
+          <a:solidFill>
+            <a:srgbClr val="92D050">
+              <a:alpha val="42000"/>
+            </a:srgbClr>
+          </a:solidFill>
+          <a:ln>
+            <a:solidFill>
+              <a:schemeClr val="accent1">
+                <a:shade val="50000"/>
+                <a:alpha val="86000"/>
+              </a:schemeClr>
+            </a:solidFill>
+          </a:ln>
+        </p:spPr>
+        <p:style>
+          <a:lnRef idx="2">
+            <a:schemeClr val="accent1">
+              <a:shade val="50000"/>
+            </a:schemeClr>
+          </a:lnRef>
+          <a:fillRef idx="1">
+            <a:schemeClr val="accent1"/>
+          </a:fillRef>
+          <a:effectRef idx="0">
+            <a:schemeClr val="accent1"/>
+          </a:effectRef>
+          <a:fontRef idx="minor">
+            <a:schemeClr val="lt1"/>
+          </a:fontRef>
+        </p:style>
+        <p:txBody>
+          <a:bodyPr rtlCol="0" anchor="ctr"/>
+          <a:lstStyle/>
+          <a:p>
+            <a:pPr algn="ctr"/>
+            <a:r>
+              <a:rPr lang="en-SE" sz="1200" dirty="0">
+                <a:solidFill>
+                  <a:schemeClr val="tx1"/>
+                </a:solidFill>
+              </a:rPr>
+              <a:t>Node 96</a:t>
+            </a:r>
+          </a:p>
+          <a:p>
+            <a:pPr algn="ctr"/>
+            <a:r>
+              <a:rPr lang="en-SE" sz="1200" dirty="0" err="1">
+                <a:solidFill>
+                  <a:schemeClr val="tx1"/>
+                </a:solidFill>
+              </a:rPr>
+              <a:t>NodeId</a:t>
+            </a:r>
+            <a:r>
+              <a:rPr lang="en-SE" sz="1200" dirty="0">
+                <a:solidFill>
+                  <a:schemeClr val="tx1"/>
+                </a:solidFill>
+              </a:rPr>
+              <a:t>=2</a:t>
+            </a:r>
+          </a:p>
+          <a:p>
+            <a:pPr algn="ctr"/>
+            <a:r>
+              <a:rPr lang="en-SE" sz="1200" dirty="0">
+                <a:solidFill>
+                  <a:schemeClr val="tx1"/>
+                </a:solidFill>
+              </a:rPr>
+              <a:t>Livingroom</a:t>
+            </a:r>
+          </a:p>
+        </p:txBody>
+      </p:sp>
+      <p:sp>
+        <p:nvSpPr>
+          <p:cNvPr id="6" name="Rectangle 5">
+            <a:extLst>
+              <a:ext uri="{FF2B5EF4-FFF2-40B4-BE49-F238E27FC236}">
+                <a16:creationId xmlns:a16="http://schemas.microsoft.com/office/drawing/2014/main" id="{1409038A-EABC-494E-812B-561023384C6C}"/>
+              </a:ext>
+            </a:extLst>
+          </p:cNvPr>
+          <p:cNvSpPr/>
+          <p:nvPr/>
+        </p:nvSpPr>
+        <p:spPr>
+          <a:xfrm>
+            <a:off x="7974349" y="3844362"/>
+            <a:ext cx="914400" cy="914400"/>
+          </a:xfrm>
+          <a:prstGeom prst="rect">
+            <a:avLst/>
+          </a:prstGeom>
+          <a:solidFill>
+            <a:srgbClr val="92D050">
+              <a:alpha val="42000"/>
+            </a:srgbClr>
+          </a:solidFill>
+          <a:ln>
+            <a:solidFill>
+              <a:schemeClr val="accent1">
+                <a:shade val="50000"/>
+                <a:alpha val="86000"/>
+              </a:schemeClr>
+            </a:solidFill>
+          </a:ln>
+        </p:spPr>
+        <p:style>
+          <a:lnRef idx="2">
+            <a:schemeClr val="accent1">
+              <a:shade val="50000"/>
+            </a:schemeClr>
+          </a:lnRef>
+          <a:fillRef idx="1">
+            <a:schemeClr val="accent1"/>
+          </a:fillRef>
+          <a:effectRef idx="0">
+            <a:schemeClr val="accent1"/>
+          </a:effectRef>
+          <a:fontRef idx="minor">
+            <a:schemeClr val="lt1"/>
+          </a:fontRef>
+        </p:style>
+        <p:txBody>
+          <a:bodyPr rtlCol="0" anchor="ctr"/>
+          <a:lstStyle/>
+          <a:p>
+            <a:pPr algn="ctr"/>
+            <a:r>
+              <a:rPr lang="en-SE" sz="1200" dirty="0">
+                <a:solidFill>
+                  <a:schemeClr val="tx1"/>
+                </a:solidFill>
+              </a:rPr>
+              <a:t>Node 97</a:t>
+            </a:r>
+          </a:p>
+          <a:p>
+            <a:pPr algn="ctr"/>
+            <a:r>
+              <a:rPr lang="en-SE" sz="1200" dirty="0" err="1">
+                <a:solidFill>
+                  <a:schemeClr val="tx1"/>
+                </a:solidFill>
+              </a:rPr>
+              <a:t>NodeId</a:t>
+            </a:r>
+            <a:r>
+              <a:rPr lang="en-SE" sz="1200" dirty="0">
+                <a:solidFill>
+                  <a:schemeClr val="tx1"/>
+                </a:solidFill>
+              </a:rPr>
+              <a:t>=3</a:t>
+            </a:r>
+          </a:p>
+          <a:p>
+            <a:pPr algn="ctr"/>
+            <a:r>
+              <a:rPr lang="en-SE" sz="1200" dirty="0">
+                <a:solidFill>
+                  <a:schemeClr val="tx1"/>
+                </a:solidFill>
+              </a:rPr>
+              <a:t>Bedroom</a:t>
+            </a:r>
+          </a:p>
+        </p:txBody>
+      </p:sp>
+      <p:cxnSp>
+        <p:nvCxnSpPr>
+          <p:cNvPr id="9" name="Straight Arrow Connector 8">
+            <a:extLst>
+              <a:ext uri="{FF2B5EF4-FFF2-40B4-BE49-F238E27FC236}">
+                <a16:creationId xmlns:a16="http://schemas.microsoft.com/office/drawing/2014/main" id="{2A111E6A-2723-4EE6-A747-D9195E974A0A}"/>
+              </a:ext>
+            </a:extLst>
+          </p:cNvPr>
+          <p:cNvCxnSpPr>
+            <a:stCxn id="3" idx="3"/>
+            <a:endCxn id="4" idx="1"/>
+          </p:cNvCxnSpPr>
+          <p:nvPr/>
+        </p:nvCxnSpPr>
+        <p:spPr>
+          <a:xfrm>
+            <a:off x="3150218" y="3007794"/>
+            <a:ext cx="1914492" cy="711858"/>
+          </a:xfrm>
+          <a:prstGeom prst="straightConnector1">
+            <a:avLst/>
+          </a:prstGeom>
+          <a:ln>
+            <a:tailEnd type="triangle"/>
+          </a:ln>
+        </p:spPr>
+        <p:style>
+          <a:lnRef idx="1">
+            <a:schemeClr val="accent1"/>
+          </a:lnRef>
+          <a:fillRef idx="0">
+            <a:schemeClr val="accent1"/>
+          </a:fillRef>
+          <a:effectRef idx="0">
+            <a:schemeClr val="accent1"/>
+          </a:effectRef>
+          <a:fontRef idx="minor">
+            <a:schemeClr val="tx1"/>
+          </a:fontRef>
+        </p:style>
+      </p:cxnSp>
+      <p:cxnSp>
+        <p:nvCxnSpPr>
+          <p:cNvPr id="11" name="Straight Arrow Connector 10">
+            <a:extLst>
+              <a:ext uri="{FF2B5EF4-FFF2-40B4-BE49-F238E27FC236}">
+                <a16:creationId xmlns:a16="http://schemas.microsoft.com/office/drawing/2014/main" id="{B9D30099-33AA-4118-95B0-39E7C82F1CF7}"/>
+              </a:ext>
+            </a:extLst>
+          </p:cNvPr>
+          <p:cNvCxnSpPr>
+            <a:stCxn id="4" idx="3"/>
+            <a:endCxn id="5" idx="1"/>
+          </p:cNvCxnSpPr>
+          <p:nvPr/>
+        </p:nvCxnSpPr>
+        <p:spPr>
+          <a:xfrm flipV="1">
+            <a:off x="5979110" y="3196661"/>
+            <a:ext cx="1995239" cy="522991"/>
+          </a:xfrm>
+          <a:prstGeom prst="straightConnector1">
+            <a:avLst/>
+          </a:prstGeom>
+          <a:ln>
+            <a:tailEnd type="triangle"/>
+          </a:ln>
+        </p:spPr>
+        <p:style>
+          <a:lnRef idx="1">
+            <a:schemeClr val="accent1"/>
+          </a:lnRef>
+          <a:fillRef idx="0">
+            <a:schemeClr val="accent1"/>
+          </a:fillRef>
+          <a:effectRef idx="0">
+            <a:schemeClr val="accent1"/>
+          </a:effectRef>
+          <a:fontRef idx="minor">
+            <a:schemeClr val="tx1"/>
+          </a:fontRef>
+        </p:style>
+      </p:cxnSp>
+      <p:cxnSp>
+        <p:nvCxnSpPr>
+          <p:cNvPr id="13" name="Straight Arrow Connector 12">
+            <a:extLst>
+              <a:ext uri="{FF2B5EF4-FFF2-40B4-BE49-F238E27FC236}">
+                <a16:creationId xmlns:a16="http://schemas.microsoft.com/office/drawing/2014/main" id="{4CB4588D-D231-4976-B9A3-25C72F687E41}"/>
+              </a:ext>
+            </a:extLst>
+          </p:cNvPr>
+          <p:cNvCxnSpPr>
+            <a:stCxn id="4" idx="3"/>
+            <a:endCxn id="6" idx="1"/>
+          </p:cNvCxnSpPr>
+          <p:nvPr/>
+        </p:nvCxnSpPr>
+        <p:spPr>
+          <a:xfrm>
+            <a:off x="5979110" y="3719652"/>
+            <a:ext cx="1995239" cy="581910"/>
+          </a:xfrm>
+          <a:prstGeom prst="straightConnector1">
+            <a:avLst/>
+          </a:prstGeom>
+          <a:ln>
+            <a:tailEnd type="triangle"/>
+          </a:ln>
+        </p:spPr>
+        <p:style>
+          <a:lnRef idx="1">
+            <a:schemeClr val="accent1"/>
+          </a:lnRef>
+          <a:fillRef idx="0">
+            <a:schemeClr val="accent1"/>
+          </a:fillRef>
+          <a:effectRef idx="0">
+            <a:schemeClr val="accent1"/>
+          </a:effectRef>
+          <a:fontRef idx="minor">
+            <a:schemeClr val="tx1"/>
+          </a:fontRef>
+        </p:style>
+      </p:cxnSp>
+      <p:sp>
+        <p:nvSpPr>
+          <p:cNvPr id="16" name="TextBox 15">
+            <a:extLst>
+              <a:ext uri="{FF2B5EF4-FFF2-40B4-BE49-F238E27FC236}">
+                <a16:creationId xmlns:a16="http://schemas.microsoft.com/office/drawing/2014/main" id="{1E3DB0FC-636E-47D3-9FB9-9F724BD0E3A7}"/>
+              </a:ext>
+            </a:extLst>
+          </p:cNvPr>
+          <p:cNvSpPr txBox="1"/>
+          <p:nvPr/>
+        </p:nvSpPr>
+        <p:spPr>
+          <a:xfrm>
+            <a:off x="5064710" y="3019564"/>
+            <a:ext cx="780983" cy="246221"/>
+          </a:xfrm>
+          <a:prstGeom prst="rect">
+            <a:avLst/>
+          </a:prstGeom>
+          <a:noFill/>
+        </p:spPr>
+        <p:txBody>
+          <a:bodyPr wrap="none" rtlCol="0">
+            <a:spAutoFit/>
+          </a:bodyPr>
+          <a:lstStyle/>
+          <a:p>
+            <a:r>
+              <a:rPr lang="en-SE" sz="1000" dirty="0"/>
+              <a:t>Temp/Hum</a:t>
+            </a:r>
+          </a:p>
+        </p:txBody>
+      </p:sp>
+      <p:sp>
+        <p:nvSpPr>
+          <p:cNvPr id="17" name="TextBox 16">
+            <a:extLst>
+              <a:ext uri="{FF2B5EF4-FFF2-40B4-BE49-F238E27FC236}">
+                <a16:creationId xmlns:a16="http://schemas.microsoft.com/office/drawing/2014/main" id="{74DEF83C-FB96-4AF1-944F-2BA9A95208FC}"/>
+              </a:ext>
+            </a:extLst>
+          </p:cNvPr>
+          <p:cNvSpPr txBox="1"/>
+          <p:nvPr/>
+        </p:nvSpPr>
+        <p:spPr>
+          <a:xfrm>
+            <a:off x="8888749" y="2725174"/>
+            <a:ext cx="1119217" cy="1015663"/>
+          </a:xfrm>
+          <a:prstGeom prst="rect">
+            <a:avLst/>
+          </a:prstGeom>
+          <a:noFill/>
+        </p:spPr>
+        <p:txBody>
+          <a:bodyPr wrap="none" rtlCol="0">
+            <a:spAutoFit/>
+          </a:bodyPr>
+          <a:lstStyle/>
+          <a:p>
+            <a:r>
+              <a:rPr lang="en-SE" sz="1000" dirty="0"/>
+              <a:t>time</a:t>
+            </a:r>
+          </a:p>
+          <a:p>
+            <a:r>
+              <a:rPr lang="sv-SE" sz="1000" dirty="0"/>
+              <a:t>I</a:t>
+            </a:r>
+            <a:r>
+              <a:rPr lang="en-SE" sz="1000" dirty="0" err="1"/>
+              <a:t>ndoor</a:t>
+            </a:r>
+            <a:r>
+              <a:rPr lang="en-SE" sz="1000" dirty="0"/>
+              <a:t> temp</a:t>
+            </a:r>
+          </a:p>
+          <a:p>
+            <a:r>
+              <a:rPr lang="sv-SE" sz="1000" dirty="0"/>
+              <a:t>O</a:t>
+            </a:r>
+            <a:r>
+              <a:rPr lang="en-SE" sz="1000" dirty="0" err="1"/>
+              <a:t>utdoor</a:t>
+            </a:r>
+            <a:r>
+              <a:rPr lang="en-SE" sz="1000" dirty="0"/>
+              <a:t> temp</a:t>
+            </a:r>
+          </a:p>
+          <a:p>
+            <a:r>
+              <a:rPr lang="sv-SE" sz="1000" dirty="0"/>
+              <a:t>O</a:t>
+            </a:r>
+            <a:r>
+              <a:rPr lang="en-SE" sz="1000" dirty="0" err="1"/>
+              <a:t>utdoor</a:t>
+            </a:r>
+            <a:r>
+              <a:rPr lang="en-SE" sz="1000" dirty="0"/>
+              <a:t> humidity</a:t>
+            </a:r>
+          </a:p>
+          <a:p>
+            <a:r>
+              <a:rPr lang="en-SE" sz="1000" dirty="0"/>
+              <a:t>UV-Index</a:t>
+            </a:r>
+          </a:p>
+          <a:p>
+            <a:r>
+              <a:rPr lang="en-SE" sz="1000" dirty="0"/>
+              <a:t>Air pressure</a:t>
+            </a:r>
+          </a:p>
+        </p:txBody>
+      </p:sp>
+      <p:sp>
+        <p:nvSpPr>
+          <p:cNvPr id="26" name="TextBox 18">
+            <a:extLst>
+              <a:ext uri="{FF2B5EF4-FFF2-40B4-BE49-F238E27FC236}">
+                <a16:creationId xmlns:a16="http://schemas.microsoft.com/office/drawing/2014/main" id="{B3968AD3-E319-4DDA-8B7B-EAD6035E8052}"/>
+              </a:ext>
+            </a:extLst>
+          </p:cNvPr>
+          <p:cNvSpPr txBox="1"/>
+          <p:nvPr/>
+        </p:nvSpPr>
+        <p:spPr>
+          <a:xfrm>
+            <a:off x="3150218" y="2478953"/>
+            <a:ext cx="780983" cy="246221"/>
+          </a:xfrm>
+          <a:prstGeom prst="rect">
+            <a:avLst/>
+          </a:prstGeom>
+          <a:noFill/>
+        </p:spPr>
+        <p:txBody>
+          <a:bodyPr wrap="none" rtlCol="0">
+            <a:spAutoFit/>
+          </a:bodyPr>
+          <a:lstStyle/>
+          <a:p>
+            <a:r>
+              <a:rPr lang="en-SE" sz="1000" dirty="0"/>
+              <a:t>Temp/Hum</a:t>
+            </a:r>
+          </a:p>
+        </p:txBody>
+      </p:sp>
+      <p:sp>
+        <p:nvSpPr>
+          <p:cNvPr id="27" name="Rectangle 2">
+            <a:extLst>
+              <a:ext uri="{FF2B5EF4-FFF2-40B4-BE49-F238E27FC236}">
+                <a16:creationId xmlns:a16="http://schemas.microsoft.com/office/drawing/2014/main" id="{446D5DD0-C63A-46EA-9553-C93EA9E6B045}"/>
+              </a:ext>
+            </a:extLst>
+          </p:cNvPr>
+          <p:cNvSpPr/>
+          <p:nvPr/>
+        </p:nvSpPr>
+        <p:spPr>
+          <a:xfrm>
+            <a:off x="2235818" y="3734564"/>
+            <a:ext cx="914400" cy="914400"/>
+          </a:xfrm>
+          <a:prstGeom prst="rect">
+            <a:avLst/>
+          </a:prstGeom>
+          <a:solidFill>
+            <a:srgbClr val="92D050">
+              <a:alpha val="42000"/>
+            </a:srgbClr>
+          </a:solidFill>
+          <a:ln>
+            <a:solidFill>
+              <a:schemeClr val="accent1">
+                <a:shade val="50000"/>
+                <a:alpha val="86000"/>
+              </a:schemeClr>
+            </a:solidFill>
+          </a:ln>
+        </p:spPr>
+        <p:style>
+          <a:lnRef idx="2">
+            <a:schemeClr val="accent1">
+              <a:shade val="50000"/>
+            </a:schemeClr>
+          </a:lnRef>
+          <a:fillRef idx="1">
+            <a:schemeClr val="accent1"/>
+          </a:fillRef>
+          <a:effectRef idx="0">
+            <a:schemeClr val="accent1"/>
+          </a:effectRef>
+          <a:fontRef idx="minor">
+            <a:schemeClr val="lt1"/>
+          </a:fontRef>
+        </p:style>
+        <p:txBody>
+          <a:bodyPr rtlCol="0" anchor="ctr"/>
+          <a:lstStyle/>
+          <a:p>
+            <a:pPr algn="ctr"/>
+            <a:r>
+              <a:rPr lang="en-SE" sz="1200" dirty="0">
+                <a:solidFill>
+                  <a:schemeClr val="tx1"/>
+                </a:solidFill>
+              </a:rPr>
+              <a:t>Node 31</a:t>
+            </a:r>
+          </a:p>
+          <a:p>
+            <a:pPr algn="ctr"/>
+            <a:r>
+              <a:rPr lang="en-SE" sz="1200" dirty="0">
+                <a:solidFill>
+                  <a:schemeClr val="tx1"/>
+                </a:solidFill>
+              </a:rPr>
+              <a:t>Pergola</a:t>
+            </a:r>
+          </a:p>
+        </p:txBody>
+      </p:sp>
+      <p:cxnSp>
+        <p:nvCxnSpPr>
+          <p:cNvPr id="30" name="Rak pilkoppling 29">
+            <a:extLst>
+              <a:ext uri="{FF2B5EF4-FFF2-40B4-BE49-F238E27FC236}">
+                <a16:creationId xmlns:a16="http://schemas.microsoft.com/office/drawing/2014/main" id="{437E73ED-91EA-4D2D-9CD7-04BCB59FE6F1}"/>
+              </a:ext>
+            </a:extLst>
+          </p:cNvPr>
+          <p:cNvCxnSpPr>
+            <a:stCxn id="27" idx="3"/>
+            <a:endCxn id="4" idx="1"/>
+          </p:cNvCxnSpPr>
+          <p:nvPr/>
+        </p:nvCxnSpPr>
+        <p:spPr>
+          <a:xfrm flipV="1">
+            <a:off x="3150218" y="3719652"/>
+            <a:ext cx="1914492" cy="472112"/>
+          </a:xfrm>
+          <a:prstGeom prst="straightConnector1">
+            <a:avLst/>
+          </a:prstGeom>
+          <a:ln>
+            <a:tailEnd type="triangle"/>
+          </a:ln>
+        </p:spPr>
+        <p:style>
+          <a:lnRef idx="1">
+            <a:schemeClr val="accent1"/>
+          </a:lnRef>
+          <a:fillRef idx="0">
+            <a:schemeClr val="accent1"/>
+          </a:fillRef>
+          <a:effectRef idx="0">
+            <a:schemeClr val="accent1"/>
+          </a:effectRef>
+          <a:fontRef idx="minor">
+            <a:schemeClr val="tx1"/>
+          </a:fontRef>
+        </p:style>
+      </p:cxnSp>
+      <p:sp>
+        <p:nvSpPr>
+          <p:cNvPr id="31" name="TextBox 18">
+            <a:extLst>
+              <a:ext uri="{FF2B5EF4-FFF2-40B4-BE49-F238E27FC236}">
+                <a16:creationId xmlns:a16="http://schemas.microsoft.com/office/drawing/2014/main" id="{ADA8EBCD-8E37-4A41-9452-695877CD2AA5}"/>
+              </a:ext>
+            </a:extLst>
+          </p:cNvPr>
+          <p:cNvSpPr txBox="1"/>
+          <p:nvPr/>
+        </p:nvSpPr>
+        <p:spPr>
+          <a:xfrm>
+            <a:off x="3150218" y="3785033"/>
+            <a:ext cx="1048685" cy="246221"/>
+          </a:xfrm>
+          <a:prstGeom prst="rect">
+            <a:avLst/>
+          </a:prstGeom>
+          <a:noFill/>
+        </p:spPr>
+        <p:txBody>
+          <a:bodyPr wrap="none" rtlCol="0">
+            <a:spAutoFit/>
+          </a:bodyPr>
+          <a:lstStyle/>
+          <a:p>
+            <a:r>
+              <a:rPr lang="en-SE" sz="1000" dirty="0"/>
+              <a:t>UVI/Air pressure</a:t>
+            </a:r>
+          </a:p>
+        </p:txBody>
+      </p:sp>
+      <p:sp>
+        <p:nvSpPr>
+          <p:cNvPr id="32" name="TextBox 16">
+            <a:extLst>
+              <a:ext uri="{FF2B5EF4-FFF2-40B4-BE49-F238E27FC236}">
+                <a16:creationId xmlns:a16="http://schemas.microsoft.com/office/drawing/2014/main" id="{0DA2CA64-6D55-49A3-9AB8-3A555C97D661}"/>
+              </a:ext>
+            </a:extLst>
+          </p:cNvPr>
+          <p:cNvSpPr txBox="1"/>
+          <p:nvPr/>
+        </p:nvSpPr>
+        <p:spPr>
+          <a:xfrm>
+            <a:off x="8903041" y="3782546"/>
+            <a:ext cx="1119217" cy="1015663"/>
+          </a:xfrm>
+          <a:prstGeom prst="rect">
+            <a:avLst/>
+          </a:prstGeom>
+          <a:noFill/>
+        </p:spPr>
+        <p:txBody>
+          <a:bodyPr wrap="none" rtlCol="0">
+            <a:spAutoFit/>
+          </a:bodyPr>
+          <a:lstStyle/>
+          <a:p>
+            <a:r>
+              <a:rPr lang="en-SE" sz="1000" dirty="0"/>
+              <a:t>time</a:t>
+            </a:r>
+          </a:p>
+          <a:p>
+            <a:r>
+              <a:rPr lang="sv-SE" sz="1000" dirty="0"/>
+              <a:t>I</a:t>
+            </a:r>
+            <a:r>
+              <a:rPr lang="en-SE" sz="1000" dirty="0" err="1"/>
+              <a:t>ndoor</a:t>
+            </a:r>
+            <a:r>
+              <a:rPr lang="en-SE" sz="1000" dirty="0"/>
+              <a:t> temp</a:t>
+            </a:r>
+          </a:p>
+          <a:p>
+            <a:r>
+              <a:rPr lang="sv-SE" sz="1000" dirty="0"/>
+              <a:t>O</a:t>
+            </a:r>
+            <a:r>
+              <a:rPr lang="en-SE" sz="1000" dirty="0" err="1"/>
+              <a:t>utdoor</a:t>
+            </a:r>
+            <a:r>
+              <a:rPr lang="en-SE" sz="1000" dirty="0"/>
+              <a:t> temp</a:t>
+            </a:r>
+          </a:p>
+          <a:p>
+            <a:r>
+              <a:rPr lang="sv-SE" sz="1000" dirty="0"/>
+              <a:t>O</a:t>
+            </a:r>
+            <a:r>
+              <a:rPr lang="en-SE" sz="1000" dirty="0" err="1"/>
+              <a:t>utdoor</a:t>
+            </a:r>
+            <a:r>
+              <a:rPr lang="en-SE" sz="1000" dirty="0"/>
+              <a:t> humidity</a:t>
+            </a:r>
+          </a:p>
+          <a:p>
+            <a:r>
+              <a:rPr lang="en-SE" sz="1000" dirty="0"/>
+              <a:t>UV-Index</a:t>
+            </a:r>
+          </a:p>
+          <a:p>
+            <a:r>
+              <a:rPr lang="en-SE" sz="1000" dirty="0"/>
+              <a:t>Air pressure</a:t>
+            </a:r>
+          </a:p>
+        </p:txBody>
+      </p:sp>
+    </p:spTree>
+    <p:extLst>
+      <p:ext uri="{BB962C8B-B14F-4D97-AF65-F5344CB8AC3E}">
+        <p14:creationId xmlns:p14="http://schemas.microsoft.com/office/powerpoint/2010/main" val="3472360343"/>
+      </p:ext>
+    </p:extLst>
+  </p:cSld>
+  <p:clrMapOvr>
+    <a:masterClrMapping/>
+  </p:clrMapOvr>
+</p:sld>
+</file>
+
+<file path=ppt/slides/slide6.xml><?xml version="1.0" encoding="utf-8"?>
+<p:sld xmlns:a="http://schemas.openxmlformats.org/drawingml/2006/main" xmlns:r="http://schemas.openxmlformats.org/officeDocument/2006/relationships" xmlns:p="http://schemas.openxmlformats.org/presentationml/2006/main">
+  <p:cSld>
+    <p:spTree>
+      <p:nvGrpSpPr>
+        <p:cNvPr id="1" name=""/>
+        <p:cNvGrpSpPr/>
+        <p:nvPr/>
+      </p:nvGrpSpPr>
+      <p:grpSpPr>
+        <a:xfrm>
+          <a:off x="0" y="0"/>
+          <a:ext cx="0" cy="0"/>
+          <a:chOff x="0" y="0"/>
+          <a:chExt cx="0" cy="0"/>
+        </a:xfrm>
+      </p:grpSpPr>
+      <p:sp>
+        <p:nvSpPr>
+          <p:cNvPr id="2" name="Title 1">
+            <a:extLst>
+              <a:ext uri="{FF2B5EF4-FFF2-40B4-BE49-F238E27FC236}">
                 <a16:creationId xmlns:a16="http://schemas.microsoft.com/office/drawing/2014/main" id="{7EE94081-A0BC-4C97-AE60-097A077D2FFC}"/>
               </a:ext>
             </a:extLst>
@@ -6791,7 +8482,7 @@
 </p:sld>
 </file>
 
-<file path=ppt/slides/slide5.xml><?xml version="1.0" encoding="utf-8"?>
+<file path=ppt/slides/slide7.xml><?xml version="1.0" encoding="utf-8"?>
 <p:sld xmlns:a="http://schemas.openxmlformats.org/drawingml/2006/main" xmlns:r="http://schemas.openxmlformats.org/officeDocument/2006/relationships" xmlns:p="http://schemas.openxmlformats.org/presentationml/2006/main">
   <p:cSld>
     <p:bg>

--- a/Documentation/ClockNet.pptx
+++ b/Documentation/ClockNet.pptx
@@ -12,6 +12,7 @@
     <p:sldId id="261" r:id="rId6"/>
     <p:sldId id="260" r:id="rId7"/>
     <p:sldId id="259" r:id="rId8"/>
+    <p:sldId id="263" r:id="rId9"/>
   </p:sldIdLst>
   <p:sldSz cx="12192000" cy="6858000"/>
   <p:notesSz cx="6858000" cy="9144000"/>
@@ -267,7 +268,7 @@
           <a:p>
             <a:fld id="{BE8EC4D6-8DFC-4D31-BF3E-167B2F1ECE7E}" type="datetimeFigureOut">
               <a:rPr lang="en-SE" smtClean="0"/>
-              <a:t>2021-02-28</a:t>
+              <a:t>2021-03-10</a:t>
             </a:fld>
             <a:endParaRPr lang="en-SE"/>
           </a:p>
@@ -467,7 +468,7 @@
           <a:p>
             <a:fld id="{BE8EC4D6-8DFC-4D31-BF3E-167B2F1ECE7E}" type="datetimeFigureOut">
               <a:rPr lang="en-SE" smtClean="0"/>
-              <a:t>2021-02-28</a:t>
+              <a:t>2021-03-10</a:t>
             </a:fld>
             <a:endParaRPr lang="en-SE"/>
           </a:p>
@@ -677,7 +678,7 @@
           <a:p>
             <a:fld id="{BE8EC4D6-8DFC-4D31-BF3E-167B2F1ECE7E}" type="datetimeFigureOut">
               <a:rPr lang="en-SE" smtClean="0"/>
-              <a:t>2021-02-28</a:t>
+              <a:t>2021-03-10</a:t>
             </a:fld>
             <a:endParaRPr lang="en-SE"/>
           </a:p>
@@ -877,7 +878,7 @@
           <a:p>
             <a:fld id="{BE8EC4D6-8DFC-4D31-BF3E-167B2F1ECE7E}" type="datetimeFigureOut">
               <a:rPr lang="en-SE" smtClean="0"/>
-              <a:t>2021-02-28</a:t>
+              <a:t>2021-03-10</a:t>
             </a:fld>
             <a:endParaRPr lang="en-SE"/>
           </a:p>
@@ -1153,7 +1154,7 @@
           <a:p>
             <a:fld id="{BE8EC4D6-8DFC-4D31-BF3E-167B2F1ECE7E}" type="datetimeFigureOut">
               <a:rPr lang="en-SE" smtClean="0"/>
-              <a:t>2021-02-28</a:t>
+              <a:t>2021-03-10</a:t>
             </a:fld>
             <a:endParaRPr lang="en-SE"/>
           </a:p>
@@ -1421,7 +1422,7 @@
           <a:p>
             <a:fld id="{BE8EC4D6-8DFC-4D31-BF3E-167B2F1ECE7E}" type="datetimeFigureOut">
               <a:rPr lang="en-SE" smtClean="0"/>
-              <a:t>2021-02-28</a:t>
+              <a:t>2021-03-10</a:t>
             </a:fld>
             <a:endParaRPr lang="en-SE"/>
           </a:p>
@@ -1836,7 +1837,7 @@
           <a:p>
             <a:fld id="{BE8EC4D6-8DFC-4D31-BF3E-167B2F1ECE7E}" type="datetimeFigureOut">
               <a:rPr lang="en-SE" smtClean="0"/>
-              <a:t>2021-02-28</a:t>
+              <a:t>2021-03-10</a:t>
             </a:fld>
             <a:endParaRPr lang="en-SE"/>
           </a:p>
@@ -1978,7 +1979,7 @@
           <a:p>
             <a:fld id="{BE8EC4D6-8DFC-4D31-BF3E-167B2F1ECE7E}" type="datetimeFigureOut">
               <a:rPr lang="en-SE" smtClean="0"/>
-              <a:t>2021-02-28</a:t>
+              <a:t>2021-03-10</a:t>
             </a:fld>
             <a:endParaRPr lang="en-SE"/>
           </a:p>
@@ -2091,7 +2092,7 @@
           <a:p>
             <a:fld id="{BE8EC4D6-8DFC-4D31-BF3E-167B2F1ECE7E}" type="datetimeFigureOut">
               <a:rPr lang="en-SE" smtClean="0"/>
-              <a:t>2021-02-28</a:t>
+              <a:t>2021-03-10</a:t>
             </a:fld>
             <a:endParaRPr lang="en-SE"/>
           </a:p>
@@ -2404,7 +2405,7 @@
           <a:p>
             <a:fld id="{BE8EC4D6-8DFC-4D31-BF3E-167B2F1ECE7E}" type="datetimeFigureOut">
               <a:rPr lang="en-SE" smtClean="0"/>
-              <a:t>2021-02-28</a:t>
+              <a:t>2021-03-10</a:t>
             </a:fld>
             <a:endParaRPr lang="en-SE"/>
           </a:p>
@@ -2693,7 +2694,7 @@
           <a:p>
             <a:fld id="{BE8EC4D6-8DFC-4D31-BF3E-167B2F1ECE7E}" type="datetimeFigureOut">
               <a:rPr lang="en-SE" smtClean="0"/>
-              <a:t>2021-02-28</a:t>
+              <a:t>2021-03-10</a:t>
             </a:fld>
             <a:endParaRPr lang="en-SE"/>
           </a:p>
@@ -2936,7 +2937,7 @@
           <a:p>
             <a:fld id="{BE8EC4D6-8DFC-4D31-BF3E-167B2F1ECE7E}" type="datetimeFigureOut">
               <a:rPr lang="en-SE" smtClean="0"/>
-              <a:t>2021-02-28</a:t>
+              <a:t>2021-03-10</a:t>
             </a:fld>
             <a:endParaRPr lang="en-SE"/>
           </a:p>
@@ -9312,6 +9313,2053 @@
 </p:sld>
 </file>
 
+<file path=ppt/slides/slide8.xml><?xml version="1.0" encoding="utf-8"?>
+<p:sld xmlns:a="http://schemas.openxmlformats.org/drawingml/2006/main" xmlns:r="http://schemas.openxmlformats.org/officeDocument/2006/relationships" xmlns:p="http://schemas.openxmlformats.org/presentationml/2006/main">
+  <p:cSld>
+    <p:spTree>
+      <p:nvGrpSpPr>
+        <p:cNvPr id="1" name=""/>
+        <p:cNvGrpSpPr/>
+        <p:nvPr/>
+      </p:nvGrpSpPr>
+      <p:grpSpPr>
+        <a:xfrm>
+          <a:off x="0" y="0"/>
+          <a:ext cx="0" cy="0"/>
+          <a:chOff x="0" y="0"/>
+          <a:chExt cx="0" cy="0"/>
+        </a:xfrm>
+      </p:grpSpPr>
+      <p:sp>
+        <p:nvSpPr>
+          <p:cNvPr id="2" name="Title 1">
+            <a:extLst>
+              <a:ext uri="{FF2B5EF4-FFF2-40B4-BE49-F238E27FC236}">
+                <a16:creationId xmlns:a16="http://schemas.microsoft.com/office/drawing/2014/main" id="{010B6E6D-5673-4318-ABB3-F275FB27A116}"/>
+              </a:ext>
+            </a:extLst>
+          </p:cNvPr>
+          <p:cNvSpPr>
+            <a:spLocks noGrp="1"/>
+          </p:cNvSpPr>
+          <p:nvPr>
+            <p:ph type="title"/>
+          </p:nvPr>
+        </p:nvSpPr>
+        <p:spPr/>
+        <p:txBody>
+          <a:bodyPr/>
+          <a:lstStyle/>
+          <a:p>
+            <a:r>
+              <a:rPr lang="en-SE" dirty="0" err="1"/>
+              <a:t>Programing</a:t>
+            </a:r>
+            <a:r>
+              <a:rPr lang="en-SE" dirty="0"/>
+              <a:t>- and temperature port</a:t>
+            </a:r>
+          </a:p>
+        </p:txBody>
+      </p:sp>
+      <p:sp>
+        <p:nvSpPr>
+          <p:cNvPr id="19" name="TextBox 18">
+            <a:extLst>
+              <a:ext uri="{FF2B5EF4-FFF2-40B4-BE49-F238E27FC236}">
+                <a16:creationId xmlns:a16="http://schemas.microsoft.com/office/drawing/2014/main" id="{69001CEF-C8EA-401C-942B-7A45817468D5}"/>
+              </a:ext>
+            </a:extLst>
+          </p:cNvPr>
+          <p:cNvSpPr txBox="1"/>
+          <p:nvPr/>
+        </p:nvSpPr>
+        <p:spPr>
+          <a:xfrm>
+            <a:off x="5079432" y="1255190"/>
+            <a:ext cx="625492" cy="369332"/>
+          </a:xfrm>
+          <a:prstGeom prst="rect">
+            <a:avLst/>
+          </a:prstGeom>
+          <a:noFill/>
+        </p:spPr>
+        <p:txBody>
+          <a:bodyPr wrap="none" rtlCol="0">
+            <a:spAutoFit/>
+          </a:bodyPr>
+          <a:lstStyle/>
+          <a:p>
+            <a:r>
+              <a:rPr lang="en-SE" b="1" dirty="0"/>
+              <a:t>RJ45</a:t>
+            </a:r>
+          </a:p>
+        </p:txBody>
+      </p:sp>
+      <p:sp>
+        <p:nvSpPr>
+          <p:cNvPr id="38" name="Oval 37">
+            <a:extLst>
+              <a:ext uri="{FF2B5EF4-FFF2-40B4-BE49-F238E27FC236}">
+                <a16:creationId xmlns:a16="http://schemas.microsoft.com/office/drawing/2014/main" id="{B6657B08-6829-40F1-8C2A-7B5E6FF4F7DD}"/>
+              </a:ext>
+            </a:extLst>
+          </p:cNvPr>
+          <p:cNvSpPr/>
+          <p:nvPr/>
+        </p:nvSpPr>
+        <p:spPr>
+          <a:xfrm>
+            <a:off x="7284719" y="3898901"/>
+            <a:ext cx="849631" cy="788244"/>
+          </a:xfrm>
+          <a:prstGeom prst="ellipse">
+            <a:avLst/>
+          </a:prstGeom>
+          <a:ln w="22225"/>
+        </p:spPr>
+        <p:style>
+          <a:lnRef idx="2">
+            <a:schemeClr val="accent1">
+              <a:shade val="50000"/>
+            </a:schemeClr>
+          </a:lnRef>
+          <a:fillRef idx="1">
+            <a:schemeClr val="accent1"/>
+          </a:fillRef>
+          <a:effectRef idx="0">
+            <a:schemeClr val="accent1"/>
+          </a:effectRef>
+          <a:fontRef idx="minor">
+            <a:schemeClr val="lt1"/>
+          </a:fontRef>
+        </p:style>
+        <p:txBody>
+          <a:bodyPr rtlCol="0" anchor="ctr"/>
+          <a:lstStyle/>
+          <a:p>
+            <a:pPr algn="ctr"/>
+            <a:endParaRPr lang="en-SE" dirty="0"/>
+          </a:p>
+        </p:txBody>
+      </p:sp>
+      <p:sp>
+        <p:nvSpPr>
+          <p:cNvPr id="39" name="Rectangle 38">
+            <a:extLst>
+              <a:ext uri="{FF2B5EF4-FFF2-40B4-BE49-F238E27FC236}">
+                <a16:creationId xmlns:a16="http://schemas.microsoft.com/office/drawing/2014/main" id="{7031F0A6-E707-4AA6-BF04-ED810553F366}"/>
+              </a:ext>
+            </a:extLst>
+          </p:cNvPr>
+          <p:cNvSpPr/>
+          <p:nvPr/>
+        </p:nvSpPr>
+        <p:spPr>
+          <a:xfrm>
+            <a:off x="7708053" y="3833707"/>
+            <a:ext cx="450426" cy="1029545"/>
+          </a:xfrm>
+          <a:prstGeom prst="rect">
+            <a:avLst/>
+          </a:prstGeom>
+          <a:solidFill>
+            <a:schemeClr val="bg1"/>
+          </a:solidFill>
+          <a:ln>
+            <a:noFill/>
+          </a:ln>
+        </p:spPr>
+        <p:style>
+          <a:lnRef idx="2">
+            <a:schemeClr val="accent1">
+              <a:shade val="50000"/>
+            </a:schemeClr>
+          </a:lnRef>
+          <a:fillRef idx="1">
+            <a:schemeClr val="accent1"/>
+          </a:fillRef>
+          <a:effectRef idx="0">
+            <a:schemeClr val="accent1"/>
+          </a:effectRef>
+          <a:fontRef idx="minor">
+            <a:schemeClr val="lt1"/>
+          </a:fontRef>
+        </p:style>
+        <p:txBody>
+          <a:bodyPr rtlCol="0" anchor="ctr"/>
+          <a:lstStyle/>
+          <a:p>
+            <a:pPr algn="ctr"/>
+            <a:endParaRPr lang="en-SE"/>
+          </a:p>
+        </p:txBody>
+      </p:sp>
+      <p:cxnSp>
+        <p:nvCxnSpPr>
+          <p:cNvPr id="41" name="Straight Connector 40">
+            <a:extLst>
+              <a:ext uri="{FF2B5EF4-FFF2-40B4-BE49-F238E27FC236}">
+                <a16:creationId xmlns:a16="http://schemas.microsoft.com/office/drawing/2014/main" id="{062177E7-A242-4024-8629-8648F544EA21}"/>
+              </a:ext>
+            </a:extLst>
+          </p:cNvPr>
+          <p:cNvCxnSpPr>
+            <a:cxnSpLocks/>
+            <a:endCxn id="38" idx="4"/>
+          </p:cNvCxnSpPr>
+          <p:nvPr/>
+        </p:nvCxnSpPr>
+        <p:spPr>
+          <a:xfrm>
+            <a:off x="7709535" y="3898901"/>
+            <a:ext cx="0" cy="788244"/>
+          </a:xfrm>
+          <a:prstGeom prst="line">
+            <a:avLst/>
+          </a:prstGeom>
+          <a:ln w="15875">
+            <a:solidFill>
+              <a:schemeClr val="tx1"/>
+            </a:solidFill>
+          </a:ln>
+        </p:spPr>
+        <p:style>
+          <a:lnRef idx="1">
+            <a:schemeClr val="accent1"/>
+          </a:lnRef>
+          <a:fillRef idx="0">
+            <a:schemeClr val="accent1"/>
+          </a:fillRef>
+          <a:effectRef idx="0">
+            <a:schemeClr val="accent1"/>
+          </a:effectRef>
+          <a:fontRef idx="minor">
+            <a:schemeClr val="tx1"/>
+          </a:fontRef>
+        </p:style>
+      </p:cxnSp>
+      <p:sp>
+        <p:nvSpPr>
+          <p:cNvPr id="50" name="TextBox 49">
+            <a:extLst>
+              <a:ext uri="{FF2B5EF4-FFF2-40B4-BE49-F238E27FC236}">
+                <a16:creationId xmlns:a16="http://schemas.microsoft.com/office/drawing/2014/main" id="{4AC91A69-6773-4992-A308-F09C68B116B3}"/>
+              </a:ext>
+            </a:extLst>
+          </p:cNvPr>
+          <p:cNvSpPr txBox="1"/>
+          <p:nvPr/>
+        </p:nvSpPr>
+        <p:spPr>
+          <a:xfrm rot="16200000">
+            <a:off x="7425341" y="4174985"/>
+            <a:ext cx="747320" cy="276999"/>
+          </a:xfrm>
+          <a:prstGeom prst="rect">
+            <a:avLst/>
+          </a:prstGeom>
+          <a:noFill/>
+        </p:spPr>
+        <p:txBody>
+          <a:bodyPr wrap="none" rtlCol="0">
+            <a:spAutoFit/>
+          </a:bodyPr>
+          <a:lstStyle/>
+          <a:p>
+            <a:r>
+              <a:rPr lang="en-SE" sz="1200" dirty="0"/>
+              <a:t>DS18B20</a:t>
+            </a:r>
+          </a:p>
+        </p:txBody>
+      </p:sp>
+      <p:sp>
+        <p:nvSpPr>
+          <p:cNvPr id="51" name="TextBox 50">
+            <a:extLst>
+              <a:ext uri="{FF2B5EF4-FFF2-40B4-BE49-F238E27FC236}">
+                <a16:creationId xmlns:a16="http://schemas.microsoft.com/office/drawing/2014/main" id="{F77FE29D-7545-4FDE-BB90-D91DBF8BBC24}"/>
+              </a:ext>
+            </a:extLst>
+          </p:cNvPr>
+          <p:cNvSpPr txBox="1"/>
+          <p:nvPr/>
+        </p:nvSpPr>
+        <p:spPr>
+          <a:xfrm>
+            <a:off x="7336053" y="3963131"/>
+            <a:ext cx="255198" cy="261610"/>
+          </a:xfrm>
+          <a:prstGeom prst="rect">
+            <a:avLst/>
+          </a:prstGeom>
+          <a:noFill/>
+        </p:spPr>
+        <p:txBody>
+          <a:bodyPr wrap="none" rtlCol="0">
+            <a:spAutoFit/>
+          </a:bodyPr>
+          <a:lstStyle/>
+          <a:p>
+            <a:r>
+              <a:rPr lang="en-SE" sz="1100" dirty="0"/>
+              <a:t>+</a:t>
+            </a:r>
+          </a:p>
+        </p:txBody>
+      </p:sp>
+      <p:sp>
+        <p:nvSpPr>
+          <p:cNvPr id="52" name="TextBox 51">
+            <a:extLst>
+              <a:ext uri="{FF2B5EF4-FFF2-40B4-BE49-F238E27FC236}">
+                <a16:creationId xmlns:a16="http://schemas.microsoft.com/office/drawing/2014/main" id="{16B9366F-D155-4546-AD21-DD6E910D8770}"/>
+              </a:ext>
+            </a:extLst>
+          </p:cNvPr>
+          <p:cNvSpPr txBox="1"/>
+          <p:nvPr/>
+        </p:nvSpPr>
+        <p:spPr>
+          <a:xfrm>
+            <a:off x="7284719" y="4158166"/>
+            <a:ext cx="452368" cy="261610"/>
+          </a:xfrm>
+          <a:prstGeom prst="rect">
+            <a:avLst/>
+          </a:prstGeom>
+          <a:noFill/>
+        </p:spPr>
+        <p:txBody>
+          <a:bodyPr wrap="none" rtlCol="0">
+            <a:spAutoFit/>
+          </a:bodyPr>
+          <a:lstStyle/>
+          <a:p>
+            <a:r>
+              <a:rPr lang="en-SE" sz="1100" dirty="0"/>
+              <a:t>Data</a:t>
+            </a:r>
+          </a:p>
+        </p:txBody>
+      </p:sp>
+      <p:sp>
+        <p:nvSpPr>
+          <p:cNvPr id="53" name="TextBox 52">
+            <a:extLst>
+              <a:ext uri="{FF2B5EF4-FFF2-40B4-BE49-F238E27FC236}">
+                <a16:creationId xmlns:a16="http://schemas.microsoft.com/office/drawing/2014/main" id="{DE2341CC-717B-42C2-ABBE-138B64886104}"/>
+              </a:ext>
+            </a:extLst>
+          </p:cNvPr>
+          <p:cNvSpPr txBox="1"/>
+          <p:nvPr/>
+        </p:nvSpPr>
+        <p:spPr>
+          <a:xfrm>
+            <a:off x="7336053" y="4334508"/>
+            <a:ext cx="227948" cy="261610"/>
+          </a:xfrm>
+          <a:prstGeom prst="rect">
+            <a:avLst/>
+          </a:prstGeom>
+          <a:noFill/>
+        </p:spPr>
+        <p:txBody>
+          <a:bodyPr wrap="none" rtlCol="0">
+            <a:spAutoFit/>
+          </a:bodyPr>
+          <a:lstStyle/>
+          <a:p>
+            <a:r>
+              <a:rPr lang="en-SE" sz="1100" dirty="0"/>
+              <a:t>-</a:t>
+            </a:r>
+          </a:p>
+        </p:txBody>
+      </p:sp>
+      <p:cxnSp>
+        <p:nvCxnSpPr>
+          <p:cNvPr id="55" name="Connector: Elbow 54">
+            <a:extLst>
+              <a:ext uri="{FF2B5EF4-FFF2-40B4-BE49-F238E27FC236}">
+                <a16:creationId xmlns:a16="http://schemas.microsoft.com/office/drawing/2014/main" id="{A3D55537-1E46-4C7E-86B0-501C09382344}"/>
+              </a:ext>
+            </a:extLst>
+          </p:cNvPr>
+          <p:cNvCxnSpPr>
+            <a:stCxn id="37" idx="1"/>
+            <a:endCxn id="51" idx="1"/>
+          </p:cNvCxnSpPr>
+          <p:nvPr/>
+        </p:nvCxnSpPr>
+        <p:spPr>
+          <a:xfrm rot="16200000" flipH="1">
+            <a:off x="5783035" y="2540917"/>
+            <a:ext cx="2029545" cy="1076492"/>
+          </a:xfrm>
+          <a:prstGeom prst="bentConnector2">
+            <a:avLst/>
+          </a:prstGeom>
+        </p:spPr>
+        <p:style>
+          <a:lnRef idx="1">
+            <a:schemeClr val="accent1"/>
+          </a:lnRef>
+          <a:fillRef idx="0">
+            <a:schemeClr val="accent1"/>
+          </a:fillRef>
+          <a:effectRef idx="0">
+            <a:schemeClr val="accent1"/>
+          </a:effectRef>
+          <a:fontRef idx="minor">
+            <a:schemeClr val="tx1"/>
+          </a:fontRef>
+        </p:style>
+      </p:cxnSp>
+      <p:cxnSp>
+        <p:nvCxnSpPr>
+          <p:cNvPr id="57" name="Connector: Elbow 56">
+            <a:extLst>
+              <a:ext uri="{FF2B5EF4-FFF2-40B4-BE49-F238E27FC236}">
+                <a16:creationId xmlns:a16="http://schemas.microsoft.com/office/drawing/2014/main" id="{20A6D949-D921-428E-8706-AAFE568406F9}"/>
+              </a:ext>
+            </a:extLst>
+          </p:cNvPr>
+          <p:cNvCxnSpPr>
+            <a:stCxn id="36" idx="1"/>
+            <a:endCxn id="52" idx="1"/>
+          </p:cNvCxnSpPr>
+          <p:nvPr/>
+        </p:nvCxnSpPr>
+        <p:spPr>
+          <a:xfrm rot="16200000" flipH="1">
+            <a:off x="5532492" y="2536744"/>
+            <a:ext cx="2224580" cy="1279874"/>
+          </a:xfrm>
+          <a:prstGeom prst="bentConnector2">
+            <a:avLst/>
+          </a:prstGeom>
+        </p:spPr>
+        <p:style>
+          <a:lnRef idx="1">
+            <a:schemeClr val="accent1"/>
+          </a:lnRef>
+          <a:fillRef idx="0">
+            <a:schemeClr val="accent1"/>
+          </a:fillRef>
+          <a:effectRef idx="0">
+            <a:schemeClr val="accent1"/>
+          </a:effectRef>
+          <a:fontRef idx="minor">
+            <a:schemeClr val="tx1"/>
+          </a:fontRef>
+        </p:style>
+      </p:cxnSp>
+      <p:cxnSp>
+        <p:nvCxnSpPr>
+          <p:cNvPr id="59" name="Connector: Elbow 58">
+            <a:extLst>
+              <a:ext uri="{FF2B5EF4-FFF2-40B4-BE49-F238E27FC236}">
+                <a16:creationId xmlns:a16="http://schemas.microsoft.com/office/drawing/2014/main" id="{A79F3C98-AB9F-436C-A0DE-5E95613EA072}"/>
+              </a:ext>
+            </a:extLst>
+          </p:cNvPr>
+          <p:cNvCxnSpPr>
+            <a:stCxn id="35" idx="1"/>
+            <a:endCxn id="53" idx="1"/>
+          </p:cNvCxnSpPr>
+          <p:nvPr/>
+        </p:nvCxnSpPr>
+        <p:spPr>
+          <a:xfrm rot="16200000" flipH="1">
+            <a:off x="5342629" y="2471889"/>
+            <a:ext cx="2400922" cy="1585926"/>
+          </a:xfrm>
+          <a:prstGeom prst="bentConnector2">
+            <a:avLst/>
+          </a:prstGeom>
+        </p:spPr>
+        <p:style>
+          <a:lnRef idx="1">
+            <a:schemeClr val="accent1"/>
+          </a:lnRef>
+          <a:fillRef idx="0">
+            <a:schemeClr val="accent1"/>
+          </a:fillRef>
+          <a:effectRef idx="0">
+            <a:schemeClr val="accent1"/>
+          </a:effectRef>
+          <a:fontRef idx="minor">
+            <a:schemeClr val="tx1"/>
+          </a:fontRef>
+        </p:style>
+      </p:cxnSp>
+      <p:sp>
+        <p:nvSpPr>
+          <p:cNvPr id="60" name="Rectangle 59">
+            <a:extLst>
+              <a:ext uri="{FF2B5EF4-FFF2-40B4-BE49-F238E27FC236}">
+                <a16:creationId xmlns:a16="http://schemas.microsoft.com/office/drawing/2014/main" id="{0356D306-8438-4EE5-96B2-9DC8B003CE41}"/>
+              </a:ext>
+            </a:extLst>
+          </p:cNvPr>
+          <p:cNvSpPr/>
+          <p:nvPr/>
+        </p:nvSpPr>
+        <p:spPr>
+          <a:xfrm>
+            <a:off x="4248120" y="5368814"/>
+            <a:ext cx="1528305" cy="154633"/>
+          </a:xfrm>
+          <a:prstGeom prst="rect">
+            <a:avLst/>
+          </a:prstGeom>
+        </p:spPr>
+        <p:style>
+          <a:lnRef idx="2">
+            <a:schemeClr val="accent1">
+              <a:shade val="50000"/>
+            </a:schemeClr>
+          </a:lnRef>
+          <a:fillRef idx="1">
+            <a:schemeClr val="accent1"/>
+          </a:fillRef>
+          <a:effectRef idx="0">
+            <a:schemeClr val="accent1"/>
+          </a:effectRef>
+          <a:fontRef idx="minor">
+            <a:schemeClr val="lt1"/>
+          </a:fontRef>
+        </p:style>
+        <p:txBody>
+          <a:bodyPr rtlCol="0" anchor="ctr"/>
+          <a:lstStyle/>
+          <a:p>
+            <a:pPr algn="ctr"/>
+            <a:endParaRPr lang="en-SE"/>
+          </a:p>
+        </p:txBody>
+      </p:sp>
+      <p:cxnSp>
+        <p:nvCxnSpPr>
+          <p:cNvPr id="64" name="Straight Connector 63">
+            <a:extLst>
+              <a:ext uri="{FF2B5EF4-FFF2-40B4-BE49-F238E27FC236}">
+                <a16:creationId xmlns:a16="http://schemas.microsoft.com/office/drawing/2014/main" id="{139C1524-5017-4B1C-9869-DD8D9600CC40}"/>
+              </a:ext>
+            </a:extLst>
+          </p:cNvPr>
+          <p:cNvCxnSpPr>
+            <a:cxnSpLocks/>
+            <a:stCxn id="24" idx="1"/>
+          </p:cNvCxnSpPr>
+          <p:nvPr/>
+        </p:nvCxnSpPr>
+        <p:spPr>
+          <a:xfrm>
+            <a:off x="4476537" y="2064391"/>
+            <a:ext cx="0" cy="3304423"/>
+          </a:xfrm>
+          <a:prstGeom prst="line">
+            <a:avLst/>
+          </a:prstGeom>
+        </p:spPr>
+        <p:style>
+          <a:lnRef idx="1">
+            <a:schemeClr val="accent1"/>
+          </a:lnRef>
+          <a:fillRef idx="0">
+            <a:schemeClr val="accent1"/>
+          </a:fillRef>
+          <a:effectRef idx="0">
+            <a:schemeClr val="accent1"/>
+          </a:effectRef>
+          <a:fontRef idx="minor">
+            <a:schemeClr val="tx1"/>
+          </a:fontRef>
+        </p:style>
+      </p:cxnSp>
+      <p:cxnSp>
+        <p:nvCxnSpPr>
+          <p:cNvPr id="66" name="Straight Connector 65">
+            <a:extLst>
+              <a:ext uri="{FF2B5EF4-FFF2-40B4-BE49-F238E27FC236}">
+                <a16:creationId xmlns:a16="http://schemas.microsoft.com/office/drawing/2014/main" id="{43C9C55A-95FA-4815-A139-3590E8FE13B5}"/>
+              </a:ext>
+            </a:extLst>
+          </p:cNvPr>
+          <p:cNvCxnSpPr>
+            <a:cxnSpLocks/>
+            <a:stCxn id="31" idx="1"/>
+          </p:cNvCxnSpPr>
+          <p:nvPr/>
+        </p:nvCxnSpPr>
+        <p:spPr>
+          <a:xfrm>
+            <a:off x="4731255" y="2064391"/>
+            <a:ext cx="0" cy="3381739"/>
+          </a:xfrm>
+          <a:prstGeom prst="line">
+            <a:avLst/>
+          </a:prstGeom>
+        </p:spPr>
+        <p:style>
+          <a:lnRef idx="1">
+            <a:schemeClr val="accent1"/>
+          </a:lnRef>
+          <a:fillRef idx="0">
+            <a:schemeClr val="accent1"/>
+          </a:fillRef>
+          <a:effectRef idx="0">
+            <a:schemeClr val="accent1"/>
+          </a:effectRef>
+          <a:fontRef idx="minor">
+            <a:schemeClr val="tx1"/>
+          </a:fontRef>
+        </p:style>
+      </p:cxnSp>
+      <p:cxnSp>
+        <p:nvCxnSpPr>
+          <p:cNvPr id="68" name="Straight Connector 67">
+            <a:extLst>
+              <a:ext uri="{FF2B5EF4-FFF2-40B4-BE49-F238E27FC236}">
+                <a16:creationId xmlns:a16="http://schemas.microsoft.com/office/drawing/2014/main" id="{36432C35-338F-4764-8E7C-EE3BC0D8E7A0}"/>
+              </a:ext>
+            </a:extLst>
+          </p:cNvPr>
+          <p:cNvCxnSpPr>
+            <a:cxnSpLocks/>
+            <a:stCxn id="32" idx="1"/>
+          </p:cNvCxnSpPr>
+          <p:nvPr/>
+        </p:nvCxnSpPr>
+        <p:spPr>
+          <a:xfrm>
+            <a:off x="4985973" y="2064391"/>
+            <a:ext cx="0" cy="3381739"/>
+          </a:xfrm>
+          <a:prstGeom prst="line">
+            <a:avLst/>
+          </a:prstGeom>
+        </p:spPr>
+        <p:style>
+          <a:lnRef idx="1">
+            <a:schemeClr val="accent1"/>
+          </a:lnRef>
+          <a:fillRef idx="0">
+            <a:schemeClr val="accent1"/>
+          </a:fillRef>
+          <a:effectRef idx="0">
+            <a:schemeClr val="accent1"/>
+          </a:effectRef>
+          <a:fontRef idx="minor">
+            <a:schemeClr val="tx1"/>
+          </a:fontRef>
+        </p:style>
+      </p:cxnSp>
+      <p:cxnSp>
+        <p:nvCxnSpPr>
+          <p:cNvPr id="70" name="Straight Connector 69">
+            <a:extLst>
+              <a:ext uri="{FF2B5EF4-FFF2-40B4-BE49-F238E27FC236}">
+                <a16:creationId xmlns:a16="http://schemas.microsoft.com/office/drawing/2014/main" id="{358E256C-63F1-46CA-A686-232966D87C67}"/>
+              </a:ext>
+            </a:extLst>
+          </p:cNvPr>
+          <p:cNvCxnSpPr>
+            <a:cxnSpLocks/>
+            <a:stCxn id="33" idx="1"/>
+          </p:cNvCxnSpPr>
+          <p:nvPr/>
+        </p:nvCxnSpPr>
+        <p:spPr>
+          <a:xfrm flipH="1">
+            <a:off x="5222720" y="2064391"/>
+            <a:ext cx="17971" cy="3381739"/>
+          </a:xfrm>
+          <a:prstGeom prst="line">
+            <a:avLst/>
+          </a:prstGeom>
+        </p:spPr>
+        <p:style>
+          <a:lnRef idx="1">
+            <a:schemeClr val="accent1"/>
+          </a:lnRef>
+          <a:fillRef idx="0">
+            <a:schemeClr val="accent1"/>
+          </a:fillRef>
+          <a:effectRef idx="0">
+            <a:schemeClr val="accent1"/>
+          </a:effectRef>
+          <a:fontRef idx="minor">
+            <a:schemeClr val="tx1"/>
+          </a:fontRef>
+        </p:style>
+      </p:cxnSp>
+      <p:cxnSp>
+        <p:nvCxnSpPr>
+          <p:cNvPr id="72" name="Straight Connector 71">
+            <a:extLst>
+              <a:ext uri="{FF2B5EF4-FFF2-40B4-BE49-F238E27FC236}">
+                <a16:creationId xmlns:a16="http://schemas.microsoft.com/office/drawing/2014/main" id="{FA7562DB-B7CA-4464-9400-29B2937CE3DF}"/>
+              </a:ext>
+            </a:extLst>
+          </p:cNvPr>
+          <p:cNvCxnSpPr>
+            <a:cxnSpLocks/>
+            <a:stCxn id="34" idx="1"/>
+          </p:cNvCxnSpPr>
+          <p:nvPr/>
+        </p:nvCxnSpPr>
+        <p:spPr>
+          <a:xfrm>
+            <a:off x="5495409" y="2064391"/>
+            <a:ext cx="0" cy="3304423"/>
+          </a:xfrm>
+          <a:prstGeom prst="line">
+            <a:avLst/>
+          </a:prstGeom>
+        </p:spPr>
+        <p:style>
+          <a:lnRef idx="1">
+            <a:schemeClr val="accent1"/>
+          </a:lnRef>
+          <a:fillRef idx="0">
+            <a:schemeClr val="accent1"/>
+          </a:fillRef>
+          <a:effectRef idx="0">
+            <a:schemeClr val="accent1"/>
+          </a:effectRef>
+          <a:fontRef idx="minor">
+            <a:schemeClr val="tx1"/>
+          </a:fontRef>
+        </p:style>
+      </p:cxnSp>
+      <p:sp>
+        <p:nvSpPr>
+          <p:cNvPr id="76" name="TextBox 75">
+            <a:extLst>
+              <a:ext uri="{FF2B5EF4-FFF2-40B4-BE49-F238E27FC236}">
+                <a16:creationId xmlns:a16="http://schemas.microsoft.com/office/drawing/2014/main" id="{D3C5B6FE-6376-4A2F-B75C-15ADA8FA7D08}"/>
+              </a:ext>
+            </a:extLst>
+          </p:cNvPr>
+          <p:cNvSpPr txBox="1"/>
+          <p:nvPr/>
+        </p:nvSpPr>
+        <p:spPr>
+          <a:xfrm rot="16200000">
+            <a:off x="4224076" y="5557935"/>
+            <a:ext cx="394660" cy="246221"/>
+          </a:xfrm>
+          <a:prstGeom prst="rect">
+            <a:avLst/>
+          </a:prstGeom>
+          <a:noFill/>
+        </p:spPr>
+        <p:txBody>
+          <a:bodyPr wrap="none" rtlCol="0">
+            <a:spAutoFit/>
+          </a:bodyPr>
+          <a:lstStyle/>
+          <a:p>
+            <a:r>
+              <a:rPr lang="en-SE" sz="1000" dirty="0"/>
+              <a:t>DTR</a:t>
+            </a:r>
+          </a:p>
+        </p:txBody>
+      </p:sp>
+      <p:sp>
+        <p:nvSpPr>
+          <p:cNvPr id="77" name="TextBox 76">
+            <a:extLst>
+              <a:ext uri="{FF2B5EF4-FFF2-40B4-BE49-F238E27FC236}">
+                <a16:creationId xmlns:a16="http://schemas.microsoft.com/office/drawing/2014/main" id="{6B03E011-1C82-4654-B65E-EB2C62E3E7BD}"/>
+              </a:ext>
+            </a:extLst>
+          </p:cNvPr>
+          <p:cNvSpPr txBox="1"/>
+          <p:nvPr/>
+        </p:nvSpPr>
+        <p:spPr>
+          <a:xfrm rot="16200000">
+            <a:off x="4482000" y="5557935"/>
+            <a:ext cx="388248" cy="246221"/>
+          </a:xfrm>
+          <a:prstGeom prst="rect">
+            <a:avLst/>
+          </a:prstGeom>
+          <a:noFill/>
+        </p:spPr>
+        <p:txBody>
+          <a:bodyPr wrap="none" rtlCol="0">
+            <a:spAutoFit/>
+          </a:bodyPr>
+          <a:lstStyle/>
+          <a:p>
+            <a:r>
+              <a:rPr lang="en-SE" sz="1000" dirty="0" err="1"/>
+              <a:t>RxD</a:t>
+            </a:r>
+            <a:endParaRPr lang="en-SE" sz="1000" dirty="0"/>
+          </a:p>
+        </p:txBody>
+      </p:sp>
+      <p:sp>
+        <p:nvSpPr>
+          <p:cNvPr id="78" name="TextBox 77">
+            <a:extLst>
+              <a:ext uri="{FF2B5EF4-FFF2-40B4-BE49-F238E27FC236}">
+                <a16:creationId xmlns:a16="http://schemas.microsoft.com/office/drawing/2014/main" id="{5ADD5152-858E-4F3A-BCA6-EBB7FDC82D5F}"/>
+              </a:ext>
+            </a:extLst>
+          </p:cNvPr>
+          <p:cNvSpPr txBox="1"/>
+          <p:nvPr/>
+        </p:nvSpPr>
+        <p:spPr>
+          <a:xfrm rot="16200000">
+            <a:off x="4744733" y="5557935"/>
+            <a:ext cx="372218" cy="246221"/>
+          </a:xfrm>
+          <a:prstGeom prst="rect">
+            <a:avLst/>
+          </a:prstGeom>
+          <a:noFill/>
+        </p:spPr>
+        <p:txBody>
+          <a:bodyPr wrap="none" rtlCol="0">
+            <a:spAutoFit/>
+          </a:bodyPr>
+          <a:lstStyle/>
+          <a:p>
+            <a:r>
+              <a:rPr lang="en-SE" sz="1000" dirty="0" err="1"/>
+              <a:t>RxT</a:t>
+            </a:r>
+            <a:endParaRPr lang="en-SE" sz="1000" dirty="0"/>
+          </a:p>
+        </p:txBody>
+      </p:sp>
+      <p:sp>
+        <p:nvSpPr>
+          <p:cNvPr id="79" name="TextBox 78">
+            <a:extLst>
+              <a:ext uri="{FF2B5EF4-FFF2-40B4-BE49-F238E27FC236}">
+                <a16:creationId xmlns:a16="http://schemas.microsoft.com/office/drawing/2014/main" id="{91AE066C-7993-4802-9C4B-3DBA32DAC7BA}"/>
+              </a:ext>
+            </a:extLst>
+          </p:cNvPr>
+          <p:cNvSpPr txBox="1"/>
+          <p:nvPr/>
+        </p:nvSpPr>
+        <p:spPr>
+          <a:xfrm rot="16200000">
+            <a:off x="4988230" y="5557935"/>
+            <a:ext cx="394660" cy="246221"/>
+          </a:xfrm>
+          <a:prstGeom prst="rect">
+            <a:avLst/>
+          </a:prstGeom>
+          <a:noFill/>
+        </p:spPr>
+        <p:txBody>
+          <a:bodyPr wrap="none" rtlCol="0">
+            <a:spAutoFit/>
+          </a:bodyPr>
+          <a:lstStyle/>
+          <a:p>
+            <a:r>
+              <a:rPr lang="en-SE" sz="1000" dirty="0"/>
+              <a:t>VCC</a:t>
+            </a:r>
+          </a:p>
+        </p:txBody>
+      </p:sp>
+      <p:sp>
+        <p:nvSpPr>
+          <p:cNvPr id="80" name="TextBox 79">
+            <a:extLst>
+              <a:ext uri="{FF2B5EF4-FFF2-40B4-BE49-F238E27FC236}">
+                <a16:creationId xmlns:a16="http://schemas.microsoft.com/office/drawing/2014/main" id="{84F9F78E-3649-4A47-9671-0797ADFEA713}"/>
+              </a:ext>
+            </a:extLst>
+          </p:cNvPr>
+          <p:cNvSpPr txBox="1"/>
+          <p:nvPr/>
+        </p:nvSpPr>
+        <p:spPr>
+          <a:xfrm rot="16200000">
+            <a:off x="5252566" y="5557935"/>
+            <a:ext cx="375424" cy="246221"/>
+          </a:xfrm>
+          <a:prstGeom prst="rect">
+            <a:avLst/>
+          </a:prstGeom>
+          <a:noFill/>
+        </p:spPr>
+        <p:txBody>
+          <a:bodyPr wrap="none" rtlCol="0">
+            <a:spAutoFit/>
+          </a:bodyPr>
+          <a:lstStyle/>
+          <a:p>
+            <a:r>
+              <a:rPr lang="en-SE" sz="1000" dirty="0"/>
+              <a:t>CTS</a:t>
+            </a:r>
+          </a:p>
+        </p:txBody>
+      </p:sp>
+      <p:sp>
+        <p:nvSpPr>
+          <p:cNvPr id="81" name="TextBox 80">
+            <a:extLst>
+              <a:ext uri="{FF2B5EF4-FFF2-40B4-BE49-F238E27FC236}">
+                <a16:creationId xmlns:a16="http://schemas.microsoft.com/office/drawing/2014/main" id="{75FFD175-3E8E-4391-8550-4A84CA2632A3}"/>
+              </a:ext>
+            </a:extLst>
+          </p:cNvPr>
+          <p:cNvSpPr txBox="1"/>
+          <p:nvPr/>
+        </p:nvSpPr>
+        <p:spPr>
+          <a:xfrm rot="16200000">
+            <a:off x="5481636" y="5557935"/>
+            <a:ext cx="426720" cy="246221"/>
+          </a:xfrm>
+          <a:prstGeom prst="rect">
+            <a:avLst/>
+          </a:prstGeom>
+          <a:noFill/>
+        </p:spPr>
+        <p:txBody>
+          <a:bodyPr wrap="none" rtlCol="0">
+            <a:spAutoFit/>
+          </a:bodyPr>
+          <a:lstStyle/>
+          <a:p>
+            <a:r>
+              <a:rPr lang="en-SE" sz="1000" dirty="0"/>
+              <a:t>GND</a:t>
+            </a:r>
+          </a:p>
+        </p:txBody>
+      </p:sp>
+      <p:grpSp>
+        <p:nvGrpSpPr>
+          <p:cNvPr id="100" name="Group 99">
+            <a:extLst>
+              <a:ext uri="{FF2B5EF4-FFF2-40B4-BE49-F238E27FC236}">
+                <a16:creationId xmlns:a16="http://schemas.microsoft.com/office/drawing/2014/main" id="{A4C5874D-7390-445B-8EF1-7A59B81F9374}"/>
+              </a:ext>
+            </a:extLst>
+          </p:cNvPr>
+          <p:cNvGrpSpPr/>
+          <p:nvPr/>
+        </p:nvGrpSpPr>
+        <p:grpSpPr>
+          <a:xfrm>
+            <a:off x="4342015" y="1547747"/>
+            <a:ext cx="4190006" cy="1498654"/>
+            <a:chOff x="4342015" y="1547747"/>
+            <a:chExt cx="4190006" cy="1498654"/>
+          </a:xfrm>
+        </p:grpSpPr>
+        <p:sp>
+          <p:nvSpPr>
+            <p:cNvPr id="3" name="Rectangle 2">
+              <a:extLst>
+                <a:ext uri="{FF2B5EF4-FFF2-40B4-BE49-F238E27FC236}">
+                  <a16:creationId xmlns:a16="http://schemas.microsoft.com/office/drawing/2014/main" id="{4031F298-7E32-4139-A48A-CCCE45E3D209}"/>
+                </a:ext>
+              </a:extLst>
+            </p:cNvPr>
+            <p:cNvSpPr/>
+            <p:nvPr/>
+          </p:nvSpPr>
+          <p:spPr>
+            <a:xfrm>
+              <a:off x="4342015" y="1547747"/>
+              <a:ext cx="2036990" cy="1314639"/>
+            </a:xfrm>
+            <a:prstGeom prst="rect">
+              <a:avLst/>
+            </a:prstGeom>
+          </p:spPr>
+          <p:style>
+            <a:lnRef idx="2">
+              <a:schemeClr val="accent1">
+                <a:shade val="50000"/>
+              </a:schemeClr>
+            </a:lnRef>
+            <a:fillRef idx="1">
+              <a:schemeClr val="accent1"/>
+            </a:fillRef>
+            <a:effectRef idx="0">
+              <a:schemeClr val="accent1"/>
+            </a:effectRef>
+            <a:fontRef idx="minor">
+              <a:schemeClr val="lt1"/>
+            </a:fontRef>
+          </p:style>
+          <p:txBody>
+            <a:bodyPr rtlCol="0" anchor="ctr"/>
+            <a:lstStyle/>
+            <a:p>
+              <a:pPr algn="ctr"/>
+              <a:endParaRPr lang="en-SE"/>
+            </a:p>
+          </p:txBody>
+        </p:sp>
+        <p:cxnSp>
+          <p:nvCxnSpPr>
+            <p:cNvPr id="10" name="Straight Connector 9">
+              <a:extLst>
+                <a:ext uri="{FF2B5EF4-FFF2-40B4-BE49-F238E27FC236}">
+                  <a16:creationId xmlns:a16="http://schemas.microsoft.com/office/drawing/2014/main" id="{D6035D58-3B38-4A37-ADD3-D9BB299F484B}"/>
+                </a:ext>
+              </a:extLst>
+            </p:cNvPr>
+            <p:cNvCxnSpPr>
+              <a:cxnSpLocks/>
+            </p:cNvCxnSpPr>
+            <p:nvPr/>
+          </p:nvCxnSpPr>
+          <p:spPr>
+            <a:xfrm>
+              <a:off x="4454932" y="1992013"/>
+              <a:ext cx="1" cy="870373"/>
+            </a:xfrm>
+            <a:prstGeom prst="line">
+              <a:avLst/>
+            </a:prstGeom>
+            <a:ln w="82550">
+              <a:solidFill>
+                <a:srgbClr val="FFC000"/>
+              </a:solidFill>
+            </a:ln>
+          </p:spPr>
+          <p:style>
+            <a:lnRef idx="1">
+              <a:schemeClr val="accent1"/>
+            </a:lnRef>
+            <a:fillRef idx="0">
+              <a:schemeClr val="accent1"/>
+            </a:fillRef>
+            <a:effectRef idx="0">
+              <a:schemeClr val="accent1"/>
+            </a:effectRef>
+            <a:fontRef idx="minor">
+              <a:schemeClr val="tx1"/>
+            </a:fontRef>
+          </p:style>
+        </p:cxnSp>
+        <p:cxnSp>
+          <p:nvCxnSpPr>
+            <p:cNvPr id="12" name="Straight Connector 11">
+              <a:extLst>
+                <a:ext uri="{FF2B5EF4-FFF2-40B4-BE49-F238E27FC236}">
+                  <a16:creationId xmlns:a16="http://schemas.microsoft.com/office/drawing/2014/main" id="{72D7B8DA-F42C-48B4-A11F-54127138C36C}"/>
+                </a:ext>
+              </a:extLst>
+            </p:cNvPr>
+            <p:cNvCxnSpPr>
+              <a:cxnSpLocks/>
+            </p:cNvCxnSpPr>
+            <p:nvPr/>
+          </p:nvCxnSpPr>
+          <p:spPr>
+            <a:xfrm>
+              <a:off x="4713770" y="1992013"/>
+              <a:ext cx="1" cy="870373"/>
+            </a:xfrm>
+            <a:prstGeom prst="line">
+              <a:avLst/>
+            </a:prstGeom>
+            <a:ln w="82550">
+              <a:solidFill>
+                <a:srgbClr val="FFC000"/>
+              </a:solidFill>
+            </a:ln>
+          </p:spPr>
+          <p:style>
+            <a:lnRef idx="1">
+              <a:schemeClr val="accent1"/>
+            </a:lnRef>
+            <a:fillRef idx="0">
+              <a:schemeClr val="accent1"/>
+            </a:fillRef>
+            <a:effectRef idx="0">
+              <a:schemeClr val="accent1"/>
+            </a:effectRef>
+            <a:fontRef idx="minor">
+              <a:schemeClr val="tx1"/>
+            </a:fontRef>
+          </p:style>
+        </p:cxnSp>
+        <p:cxnSp>
+          <p:nvCxnSpPr>
+            <p:cNvPr id="13" name="Straight Connector 12">
+              <a:extLst>
+                <a:ext uri="{FF2B5EF4-FFF2-40B4-BE49-F238E27FC236}">
+                  <a16:creationId xmlns:a16="http://schemas.microsoft.com/office/drawing/2014/main" id="{C8B5F56F-BF60-4D87-B641-34506FC3DF46}"/>
+                </a:ext>
+              </a:extLst>
+            </p:cNvPr>
+            <p:cNvCxnSpPr>
+              <a:cxnSpLocks/>
+            </p:cNvCxnSpPr>
+            <p:nvPr/>
+          </p:nvCxnSpPr>
+          <p:spPr>
+            <a:xfrm>
+              <a:off x="4972608" y="1992013"/>
+              <a:ext cx="1" cy="870373"/>
+            </a:xfrm>
+            <a:prstGeom prst="line">
+              <a:avLst/>
+            </a:prstGeom>
+            <a:ln w="82550">
+              <a:solidFill>
+                <a:srgbClr val="FFC000"/>
+              </a:solidFill>
+            </a:ln>
+          </p:spPr>
+          <p:style>
+            <a:lnRef idx="1">
+              <a:schemeClr val="accent1"/>
+            </a:lnRef>
+            <a:fillRef idx="0">
+              <a:schemeClr val="accent1"/>
+            </a:fillRef>
+            <a:effectRef idx="0">
+              <a:schemeClr val="accent1"/>
+            </a:effectRef>
+            <a:fontRef idx="minor">
+              <a:schemeClr val="tx1"/>
+            </a:fontRef>
+          </p:style>
+        </p:cxnSp>
+        <p:cxnSp>
+          <p:nvCxnSpPr>
+            <p:cNvPr id="14" name="Straight Connector 13">
+              <a:extLst>
+                <a:ext uri="{FF2B5EF4-FFF2-40B4-BE49-F238E27FC236}">
+                  <a16:creationId xmlns:a16="http://schemas.microsoft.com/office/drawing/2014/main" id="{FA81410A-35F5-4259-9F5F-1273843FE5D8}"/>
+                </a:ext>
+              </a:extLst>
+            </p:cNvPr>
+            <p:cNvCxnSpPr>
+              <a:cxnSpLocks/>
+            </p:cNvCxnSpPr>
+            <p:nvPr/>
+          </p:nvCxnSpPr>
+          <p:spPr>
+            <a:xfrm>
+              <a:off x="5231446" y="1992013"/>
+              <a:ext cx="1" cy="870373"/>
+            </a:xfrm>
+            <a:prstGeom prst="line">
+              <a:avLst/>
+            </a:prstGeom>
+            <a:ln w="82550">
+              <a:solidFill>
+                <a:srgbClr val="FFC000"/>
+              </a:solidFill>
+            </a:ln>
+          </p:spPr>
+          <p:style>
+            <a:lnRef idx="1">
+              <a:schemeClr val="accent1"/>
+            </a:lnRef>
+            <a:fillRef idx="0">
+              <a:schemeClr val="accent1"/>
+            </a:fillRef>
+            <a:effectRef idx="0">
+              <a:schemeClr val="accent1"/>
+            </a:effectRef>
+            <a:fontRef idx="minor">
+              <a:schemeClr val="tx1"/>
+            </a:fontRef>
+          </p:style>
+        </p:cxnSp>
+        <p:cxnSp>
+          <p:nvCxnSpPr>
+            <p:cNvPr id="15" name="Straight Connector 14">
+              <a:extLst>
+                <a:ext uri="{FF2B5EF4-FFF2-40B4-BE49-F238E27FC236}">
+                  <a16:creationId xmlns:a16="http://schemas.microsoft.com/office/drawing/2014/main" id="{5448919B-6CF5-4291-A4CC-B304C088D651}"/>
+                </a:ext>
+              </a:extLst>
+            </p:cNvPr>
+            <p:cNvCxnSpPr>
+              <a:cxnSpLocks/>
+            </p:cNvCxnSpPr>
+            <p:nvPr/>
+          </p:nvCxnSpPr>
+          <p:spPr>
+            <a:xfrm>
+              <a:off x="5490284" y="1992013"/>
+              <a:ext cx="1" cy="870373"/>
+            </a:xfrm>
+            <a:prstGeom prst="line">
+              <a:avLst/>
+            </a:prstGeom>
+            <a:ln w="82550">
+              <a:solidFill>
+                <a:srgbClr val="FFC000"/>
+              </a:solidFill>
+            </a:ln>
+          </p:spPr>
+          <p:style>
+            <a:lnRef idx="1">
+              <a:schemeClr val="accent1"/>
+            </a:lnRef>
+            <a:fillRef idx="0">
+              <a:schemeClr val="accent1"/>
+            </a:fillRef>
+            <a:effectRef idx="0">
+              <a:schemeClr val="accent1"/>
+            </a:effectRef>
+            <a:fontRef idx="minor">
+              <a:schemeClr val="tx1"/>
+            </a:fontRef>
+          </p:style>
+        </p:cxnSp>
+        <p:cxnSp>
+          <p:nvCxnSpPr>
+            <p:cNvPr id="16" name="Straight Connector 15">
+              <a:extLst>
+                <a:ext uri="{FF2B5EF4-FFF2-40B4-BE49-F238E27FC236}">
+                  <a16:creationId xmlns:a16="http://schemas.microsoft.com/office/drawing/2014/main" id="{6C989226-6F16-4CD5-8630-7E0D6D0BF1E6}"/>
+                </a:ext>
+              </a:extLst>
+            </p:cNvPr>
+            <p:cNvCxnSpPr>
+              <a:cxnSpLocks/>
+            </p:cNvCxnSpPr>
+            <p:nvPr/>
+          </p:nvCxnSpPr>
+          <p:spPr>
+            <a:xfrm>
+              <a:off x="5749122" y="1992013"/>
+              <a:ext cx="1" cy="870373"/>
+            </a:xfrm>
+            <a:prstGeom prst="line">
+              <a:avLst/>
+            </a:prstGeom>
+            <a:ln w="82550">
+              <a:solidFill>
+                <a:srgbClr val="FFC000"/>
+              </a:solidFill>
+            </a:ln>
+          </p:spPr>
+          <p:style>
+            <a:lnRef idx="1">
+              <a:schemeClr val="accent1"/>
+            </a:lnRef>
+            <a:fillRef idx="0">
+              <a:schemeClr val="accent1"/>
+            </a:fillRef>
+            <a:effectRef idx="0">
+              <a:schemeClr val="accent1"/>
+            </a:effectRef>
+            <a:fontRef idx="minor">
+              <a:schemeClr val="tx1"/>
+            </a:fontRef>
+          </p:style>
+        </p:cxnSp>
+        <p:cxnSp>
+          <p:nvCxnSpPr>
+            <p:cNvPr id="17" name="Straight Connector 16">
+              <a:extLst>
+                <a:ext uri="{FF2B5EF4-FFF2-40B4-BE49-F238E27FC236}">
+                  <a16:creationId xmlns:a16="http://schemas.microsoft.com/office/drawing/2014/main" id="{23311D54-EC03-4163-8DF7-5A956F817B9C}"/>
+                </a:ext>
+              </a:extLst>
+            </p:cNvPr>
+            <p:cNvCxnSpPr>
+              <a:cxnSpLocks/>
+            </p:cNvCxnSpPr>
+            <p:nvPr/>
+          </p:nvCxnSpPr>
+          <p:spPr>
+            <a:xfrm>
+              <a:off x="6007960" y="1992013"/>
+              <a:ext cx="1" cy="870373"/>
+            </a:xfrm>
+            <a:prstGeom prst="line">
+              <a:avLst/>
+            </a:prstGeom>
+            <a:ln w="82550">
+              <a:solidFill>
+                <a:srgbClr val="FFC000"/>
+              </a:solidFill>
+            </a:ln>
+          </p:spPr>
+          <p:style>
+            <a:lnRef idx="1">
+              <a:schemeClr val="accent1"/>
+            </a:lnRef>
+            <a:fillRef idx="0">
+              <a:schemeClr val="accent1"/>
+            </a:fillRef>
+            <a:effectRef idx="0">
+              <a:schemeClr val="accent1"/>
+            </a:effectRef>
+            <a:fontRef idx="minor">
+              <a:schemeClr val="tx1"/>
+            </a:fontRef>
+          </p:style>
+        </p:cxnSp>
+        <p:cxnSp>
+          <p:nvCxnSpPr>
+            <p:cNvPr id="18" name="Straight Connector 17">
+              <a:extLst>
+                <a:ext uri="{FF2B5EF4-FFF2-40B4-BE49-F238E27FC236}">
+                  <a16:creationId xmlns:a16="http://schemas.microsoft.com/office/drawing/2014/main" id="{575B56F9-4D47-4A8E-B9A7-0D024BE99B30}"/>
+                </a:ext>
+              </a:extLst>
+            </p:cNvPr>
+            <p:cNvCxnSpPr>
+              <a:cxnSpLocks/>
+            </p:cNvCxnSpPr>
+            <p:nvPr/>
+          </p:nvCxnSpPr>
+          <p:spPr>
+            <a:xfrm>
+              <a:off x="6266799" y="1992012"/>
+              <a:ext cx="1" cy="870373"/>
+            </a:xfrm>
+            <a:prstGeom prst="line">
+              <a:avLst/>
+            </a:prstGeom>
+            <a:ln w="82550">
+              <a:solidFill>
+                <a:srgbClr val="FFC000"/>
+              </a:solidFill>
+            </a:ln>
+          </p:spPr>
+          <p:style>
+            <a:lnRef idx="1">
+              <a:schemeClr val="accent1"/>
+            </a:lnRef>
+            <a:fillRef idx="0">
+              <a:schemeClr val="accent1"/>
+            </a:fillRef>
+            <a:effectRef idx="0">
+              <a:schemeClr val="accent1"/>
+            </a:effectRef>
+            <a:fontRef idx="minor">
+              <a:schemeClr val="tx1"/>
+            </a:fontRef>
+          </p:style>
+        </p:cxnSp>
+        <p:sp>
+          <p:nvSpPr>
+            <p:cNvPr id="21" name="Rectangle 20">
+              <a:extLst>
+                <a:ext uri="{FF2B5EF4-FFF2-40B4-BE49-F238E27FC236}">
+                  <a16:creationId xmlns:a16="http://schemas.microsoft.com/office/drawing/2014/main" id="{3AABA8CC-0170-4B13-9CAA-E2096FD1827B}"/>
+                </a:ext>
+              </a:extLst>
+            </p:cNvPr>
+            <p:cNvSpPr/>
+            <p:nvPr/>
+          </p:nvSpPr>
+          <p:spPr>
+            <a:xfrm>
+              <a:off x="5002894" y="2865376"/>
+              <a:ext cx="670593" cy="181025"/>
+            </a:xfrm>
+            <a:prstGeom prst="rect">
+              <a:avLst/>
+            </a:prstGeom>
+          </p:spPr>
+          <p:style>
+            <a:lnRef idx="2">
+              <a:schemeClr val="accent1">
+                <a:shade val="50000"/>
+              </a:schemeClr>
+            </a:lnRef>
+            <a:fillRef idx="1">
+              <a:schemeClr val="accent1"/>
+            </a:fillRef>
+            <a:effectRef idx="0">
+              <a:schemeClr val="accent1"/>
+            </a:effectRef>
+            <a:fontRef idx="minor">
+              <a:schemeClr val="lt1"/>
+            </a:fontRef>
+          </p:style>
+          <p:txBody>
+            <a:bodyPr rtlCol="0" anchor="ctr"/>
+            <a:lstStyle/>
+            <a:p>
+              <a:pPr algn="ctr"/>
+              <a:endParaRPr lang="en-SE"/>
+            </a:p>
+          </p:txBody>
+        </p:sp>
+        <p:sp>
+          <p:nvSpPr>
+            <p:cNvPr id="24" name="TextBox 23">
+              <a:extLst>
+                <a:ext uri="{FF2B5EF4-FFF2-40B4-BE49-F238E27FC236}">
+                  <a16:creationId xmlns:a16="http://schemas.microsoft.com/office/drawing/2014/main" id="{2AB833E5-D999-49E9-B0A2-D40F514CE571}"/>
+                </a:ext>
+              </a:extLst>
+            </p:cNvPr>
+            <p:cNvSpPr txBox="1"/>
+            <p:nvPr/>
+          </p:nvSpPr>
+          <p:spPr>
+            <a:xfrm rot="16200000">
+              <a:off x="4279206" y="1743950"/>
+              <a:ext cx="394660" cy="246221"/>
+            </a:xfrm>
+            <a:prstGeom prst="rect">
+              <a:avLst/>
+            </a:prstGeom>
+            <a:noFill/>
+          </p:spPr>
+          <p:txBody>
+            <a:bodyPr wrap="none" rtlCol="0">
+              <a:spAutoFit/>
+            </a:bodyPr>
+            <a:lstStyle/>
+            <a:p>
+              <a:r>
+                <a:rPr lang="en-SE" sz="1000" dirty="0"/>
+                <a:t>DTR</a:t>
+              </a:r>
+            </a:p>
+          </p:txBody>
+        </p:sp>
+        <p:sp>
+          <p:nvSpPr>
+            <p:cNvPr id="31" name="TextBox 30">
+              <a:extLst>
+                <a:ext uri="{FF2B5EF4-FFF2-40B4-BE49-F238E27FC236}">
+                  <a16:creationId xmlns:a16="http://schemas.microsoft.com/office/drawing/2014/main" id="{7FA4CCE2-18F5-46C9-82F0-23D94DA41E90}"/>
+                </a:ext>
+              </a:extLst>
+            </p:cNvPr>
+            <p:cNvSpPr txBox="1"/>
+            <p:nvPr/>
+          </p:nvSpPr>
+          <p:spPr>
+            <a:xfrm rot="16200000">
+              <a:off x="4537130" y="1747156"/>
+              <a:ext cx="388248" cy="246221"/>
+            </a:xfrm>
+            <a:prstGeom prst="rect">
+              <a:avLst/>
+            </a:prstGeom>
+            <a:noFill/>
+          </p:spPr>
+          <p:txBody>
+            <a:bodyPr wrap="none" rtlCol="0">
+              <a:spAutoFit/>
+            </a:bodyPr>
+            <a:lstStyle/>
+            <a:p>
+              <a:r>
+                <a:rPr lang="en-SE" sz="1000" dirty="0" err="1"/>
+                <a:t>RxD</a:t>
+              </a:r>
+              <a:endParaRPr lang="en-SE" sz="1000" dirty="0"/>
+            </a:p>
+          </p:txBody>
+        </p:sp>
+        <p:sp>
+          <p:nvSpPr>
+            <p:cNvPr id="32" name="TextBox 31">
+              <a:extLst>
+                <a:ext uri="{FF2B5EF4-FFF2-40B4-BE49-F238E27FC236}">
+                  <a16:creationId xmlns:a16="http://schemas.microsoft.com/office/drawing/2014/main" id="{09C4EE8A-9023-4CED-B633-05835DB2DF3B}"/>
+                </a:ext>
+              </a:extLst>
+            </p:cNvPr>
+            <p:cNvSpPr txBox="1"/>
+            <p:nvPr/>
+          </p:nvSpPr>
+          <p:spPr>
+            <a:xfrm rot="16200000">
+              <a:off x="4799863" y="1755171"/>
+              <a:ext cx="372218" cy="246221"/>
+            </a:xfrm>
+            <a:prstGeom prst="rect">
+              <a:avLst/>
+            </a:prstGeom>
+            <a:noFill/>
+          </p:spPr>
+          <p:txBody>
+            <a:bodyPr wrap="none" rtlCol="0">
+              <a:spAutoFit/>
+            </a:bodyPr>
+            <a:lstStyle/>
+            <a:p>
+              <a:r>
+                <a:rPr lang="en-SE" sz="1000" dirty="0" err="1"/>
+                <a:t>RxT</a:t>
+              </a:r>
+              <a:endParaRPr lang="en-SE" sz="1000" dirty="0"/>
+            </a:p>
+          </p:txBody>
+        </p:sp>
+        <p:sp>
+          <p:nvSpPr>
+            <p:cNvPr id="33" name="TextBox 32">
+              <a:extLst>
+                <a:ext uri="{FF2B5EF4-FFF2-40B4-BE49-F238E27FC236}">
+                  <a16:creationId xmlns:a16="http://schemas.microsoft.com/office/drawing/2014/main" id="{CC02D746-AC9E-4657-B94D-2362CAD109A9}"/>
+                </a:ext>
+              </a:extLst>
+            </p:cNvPr>
+            <p:cNvSpPr txBox="1"/>
+            <p:nvPr/>
+          </p:nvSpPr>
+          <p:spPr>
+            <a:xfrm rot="16200000">
+              <a:off x="5043360" y="1743950"/>
+              <a:ext cx="394660" cy="246221"/>
+            </a:xfrm>
+            <a:prstGeom prst="rect">
+              <a:avLst/>
+            </a:prstGeom>
+            <a:noFill/>
+          </p:spPr>
+          <p:txBody>
+            <a:bodyPr wrap="none" rtlCol="0">
+              <a:spAutoFit/>
+            </a:bodyPr>
+            <a:lstStyle/>
+            <a:p>
+              <a:r>
+                <a:rPr lang="en-SE" sz="1000" dirty="0"/>
+                <a:t>VCC</a:t>
+              </a:r>
+            </a:p>
+          </p:txBody>
+        </p:sp>
+        <p:sp>
+          <p:nvSpPr>
+            <p:cNvPr id="34" name="TextBox 33">
+              <a:extLst>
+                <a:ext uri="{FF2B5EF4-FFF2-40B4-BE49-F238E27FC236}">
+                  <a16:creationId xmlns:a16="http://schemas.microsoft.com/office/drawing/2014/main" id="{1FEDD6EB-2922-49FD-BD2B-F3B9E97025A4}"/>
+                </a:ext>
+              </a:extLst>
+            </p:cNvPr>
+            <p:cNvSpPr txBox="1"/>
+            <p:nvPr/>
+          </p:nvSpPr>
+          <p:spPr>
+            <a:xfrm rot="16200000">
+              <a:off x="5307696" y="1753568"/>
+              <a:ext cx="375424" cy="246221"/>
+            </a:xfrm>
+            <a:prstGeom prst="rect">
+              <a:avLst/>
+            </a:prstGeom>
+            <a:noFill/>
+          </p:spPr>
+          <p:txBody>
+            <a:bodyPr wrap="none" rtlCol="0">
+              <a:spAutoFit/>
+            </a:bodyPr>
+            <a:lstStyle/>
+            <a:p>
+              <a:r>
+                <a:rPr lang="en-SE" sz="1000" dirty="0"/>
+                <a:t>CTS</a:t>
+              </a:r>
+            </a:p>
+          </p:txBody>
+        </p:sp>
+        <p:sp>
+          <p:nvSpPr>
+            <p:cNvPr id="35" name="TextBox 34">
+              <a:extLst>
+                <a:ext uri="{FF2B5EF4-FFF2-40B4-BE49-F238E27FC236}">
+                  <a16:creationId xmlns:a16="http://schemas.microsoft.com/office/drawing/2014/main" id="{94CB35ED-04CC-4BC8-9B32-E351ACA98EC6}"/>
+                </a:ext>
+              </a:extLst>
+            </p:cNvPr>
+            <p:cNvSpPr txBox="1"/>
+            <p:nvPr/>
+          </p:nvSpPr>
+          <p:spPr>
+            <a:xfrm rot="16200000">
+              <a:off x="5536766" y="1727920"/>
+              <a:ext cx="426720" cy="246221"/>
+            </a:xfrm>
+            <a:prstGeom prst="rect">
+              <a:avLst/>
+            </a:prstGeom>
+            <a:noFill/>
+          </p:spPr>
+          <p:txBody>
+            <a:bodyPr wrap="none" rtlCol="0">
+              <a:spAutoFit/>
+            </a:bodyPr>
+            <a:lstStyle/>
+            <a:p>
+              <a:r>
+                <a:rPr lang="en-SE" sz="1000" dirty="0"/>
+                <a:t>GND</a:t>
+              </a:r>
+            </a:p>
+          </p:txBody>
+        </p:sp>
+        <p:sp>
+          <p:nvSpPr>
+            <p:cNvPr id="36" name="TextBox 35">
+              <a:extLst>
+                <a:ext uri="{FF2B5EF4-FFF2-40B4-BE49-F238E27FC236}">
+                  <a16:creationId xmlns:a16="http://schemas.microsoft.com/office/drawing/2014/main" id="{2DED9178-B90D-4D74-AFEF-67E52866A9E9}"/>
+                </a:ext>
+              </a:extLst>
+            </p:cNvPr>
+            <p:cNvSpPr txBox="1"/>
+            <p:nvPr/>
+          </p:nvSpPr>
+          <p:spPr>
+            <a:xfrm rot="16200000">
+              <a:off x="5768241" y="1704677"/>
+              <a:ext cx="473206" cy="246221"/>
+            </a:xfrm>
+            <a:prstGeom prst="rect">
+              <a:avLst/>
+            </a:prstGeom>
+            <a:noFill/>
+          </p:spPr>
+          <p:txBody>
+            <a:bodyPr wrap="none" rtlCol="0">
+              <a:spAutoFit/>
+            </a:bodyPr>
+            <a:lstStyle/>
+            <a:p>
+              <a:r>
+                <a:rPr lang="en-SE" sz="1000" dirty="0"/>
+                <a:t>DATA</a:t>
+              </a:r>
+            </a:p>
+          </p:txBody>
+        </p:sp>
+        <p:sp>
+          <p:nvSpPr>
+            <p:cNvPr id="37" name="TextBox 36">
+              <a:extLst>
+                <a:ext uri="{FF2B5EF4-FFF2-40B4-BE49-F238E27FC236}">
+                  <a16:creationId xmlns:a16="http://schemas.microsoft.com/office/drawing/2014/main" id="{EC514524-257B-4EE8-967C-77B57294610B}"/>
+                </a:ext>
+              </a:extLst>
+            </p:cNvPr>
+            <p:cNvSpPr txBox="1"/>
+            <p:nvPr/>
+          </p:nvSpPr>
+          <p:spPr>
+            <a:xfrm rot="16200000">
+              <a:off x="6062230" y="1743950"/>
+              <a:ext cx="394660" cy="246221"/>
+            </a:xfrm>
+            <a:prstGeom prst="rect">
+              <a:avLst/>
+            </a:prstGeom>
+            <a:noFill/>
+          </p:spPr>
+          <p:txBody>
+            <a:bodyPr wrap="none" rtlCol="0">
+              <a:spAutoFit/>
+            </a:bodyPr>
+            <a:lstStyle/>
+            <a:p>
+              <a:r>
+                <a:rPr lang="en-SE" sz="1000" dirty="0"/>
+                <a:t>VCC</a:t>
+              </a:r>
+            </a:p>
+          </p:txBody>
+        </p:sp>
+        <p:sp>
+          <p:nvSpPr>
+            <p:cNvPr id="82" name="TextBox 81">
+              <a:extLst>
+                <a:ext uri="{FF2B5EF4-FFF2-40B4-BE49-F238E27FC236}">
+                  <a16:creationId xmlns:a16="http://schemas.microsoft.com/office/drawing/2014/main" id="{99B1ABE5-6FF2-44E3-8CDB-D57C30DFC70E}"/>
+                </a:ext>
+              </a:extLst>
+            </p:cNvPr>
+            <p:cNvSpPr txBox="1"/>
+            <p:nvPr/>
+          </p:nvSpPr>
+          <p:spPr>
+            <a:xfrm>
+              <a:off x="6395282" y="2279048"/>
+              <a:ext cx="2136739" cy="369332"/>
+            </a:xfrm>
+            <a:prstGeom prst="rect">
+              <a:avLst/>
+            </a:prstGeom>
+            <a:noFill/>
+          </p:spPr>
+          <p:txBody>
+            <a:bodyPr wrap="none" rtlCol="0">
+              <a:spAutoFit/>
+            </a:bodyPr>
+            <a:lstStyle/>
+            <a:p>
+              <a:r>
+                <a:rPr lang="en-SE" dirty="0"/>
+                <a:t>View from cable side</a:t>
+              </a:r>
+            </a:p>
+          </p:txBody>
+        </p:sp>
+      </p:grpSp>
+      <p:sp>
+        <p:nvSpPr>
+          <p:cNvPr id="83" name="TextBox 82">
+            <a:extLst>
+              <a:ext uri="{FF2B5EF4-FFF2-40B4-BE49-F238E27FC236}">
+                <a16:creationId xmlns:a16="http://schemas.microsoft.com/office/drawing/2014/main" id="{9C9C3467-B0A3-48BC-82F7-B35E87F04C34}"/>
+              </a:ext>
+            </a:extLst>
+          </p:cNvPr>
+          <p:cNvSpPr txBox="1"/>
+          <p:nvPr/>
+        </p:nvSpPr>
+        <p:spPr>
+          <a:xfrm rot="16200000">
+            <a:off x="4012289" y="3219820"/>
+            <a:ext cx="731290" cy="246221"/>
+          </a:xfrm>
+          <a:prstGeom prst="rect">
+            <a:avLst/>
+          </a:prstGeom>
+          <a:noFill/>
+        </p:spPr>
+        <p:txBody>
+          <a:bodyPr wrap="none" rtlCol="0">
+            <a:spAutoFit/>
+          </a:bodyPr>
+          <a:lstStyle/>
+          <a:p>
+            <a:r>
+              <a:rPr lang="en-SE" sz="1000" dirty="0"/>
+              <a:t>W/Orange</a:t>
+            </a:r>
+          </a:p>
+        </p:txBody>
+      </p:sp>
+      <p:sp>
+        <p:nvSpPr>
+          <p:cNvPr id="84" name="TextBox 83">
+            <a:extLst>
+              <a:ext uri="{FF2B5EF4-FFF2-40B4-BE49-F238E27FC236}">
+                <a16:creationId xmlns:a16="http://schemas.microsoft.com/office/drawing/2014/main" id="{6A6DC4DC-C063-43ED-B5B0-2420BFCFEAD3}"/>
+              </a:ext>
+            </a:extLst>
+          </p:cNvPr>
+          <p:cNvSpPr txBox="1"/>
+          <p:nvPr/>
+        </p:nvSpPr>
+        <p:spPr>
+          <a:xfrm rot="16200000">
+            <a:off x="4338628" y="3149287"/>
+            <a:ext cx="567784" cy="246221"/>
+          </a:xfrm>
+          <a:prstGeom prst="rect">
+            <a:avLst/>
+          </a:prstGeom>
+          <a:noFill/>
+        </p:spPr>
+        <p:txBody>
+          <a:bodyPr wrap="none" rtlCol="0">
+            <a:spAutoFit/>
+          </a:bodyPr>
+          <a:lstStyle/>
+          <a:p>
+            <a:r>
+              <a:rPr lang="en-SE" sz="1000" dirty="0"/>
+              <a:t>Orange</a:t>
+            </a:r>
+          </a:p>
+        </p:txBody>
+      </p:sp>
+      <p:sp>
+        <p:nvSpPr>
+          <p:cNvPr id="85" name="TextBox 84">
+            <a:extLst>
+              <a:ext uri="{FF2B5EF4-FFF2-40B4-BE49-F238E27FC236}">
+                <a16:creationId xmlns:a16="http://schemas.microsoft.com/office/drawing/2014/main" id="{4DB5FED6-B41F-464C-9B66-78B0D060D0C5}"/>
+              </a:ext>
+            </a:extLst>
+          </p:cNvPr>
+          <p:cNvSpPr txBox="1"/>
+          <p:nvPr/>
+        </p:nvSpPr>
+        <p:spPr>
+          <a:xfrm rot="16200000">
+            <a:off x="4546297" y="3192904"/>
+            <a:ext cx="668773" cy="246221"/>
+          </a:xfrm>
+          <a:prstGeom prst="rect">
+            <a:avLst/>
+          </a:prstGeom>
+          <a:noFill/>
+        </p:spPr>
+        <p:txBody>
+          <a:bodyPr wrap="none" rtlCol="0">
+            <a:spAutoFit/>
+          </a:bodyPr>
+          <a:lstStyle/>
+          <a:p>
+            <a:r>
+              <a:rPr lang="en-SE" sz="1000" dirty="0"/>
+              <a:t>W/Green</a:t>
+            </a:r>
+          </a:p>
+        </p:txBody>
+      </p:sp>
+      <p:sp>
+        <p:nvSpPr>
+          <p:cNvPr id="86" name="TextBox 85">
+            <a:extLst>
+              <a:ext uri="{FF2B5EF4-FFF2-40B4-BE49-F238E27FC236}">
+                <a16:creationId xmlns:a16="http://schemas.microsoft.com/office/drawing/2014/main" id="{AD57AF20-A72E-4378-81EA-7F3F15EC80D2}"/>
+              </a:ext>
+            </a:extLst>
+          </p:cNvPr>
+          <p:cNvSpPr txBox="1"/>
+          <p:nvPr/>
+        </p:nvSpPr>
+        <p:spPr>
+          <a:xfrm rot="16200000">
+            <a:off x="4932305" y="3103892"/>
+            <a:ext cx="415498" cy="246221"/>
+          </a:xfrm>
+          <a:prstGeom prst="rect">
+            <a:avLst/>
+          </a:prstGeom>
+          <a:noFill/>
+        </p:spPr>
+        <p:txBody>
+          <a:bodyPr wrap="none" rtlCol="0">
+            <a:spAutoFit/>
+          </a:bodyPr>
+          <a:lstStyle/>
+          <a:p>
+            <a:r>
+              <a:rPr lang="en-SE" sz="1000" dirty="0"/>
+              <a:t>Blue</a:t>
+            </a:r>
+          </a:p>
+        </p:txBody>
+      </p:sp>
+      <p:sp>
+        <p:nvSpPr>
+          <p:cNvPr id="88" name="TextBox 87">
+            <a:extLst>
+              <a:ext uri="{FF2B5EF4-FFF2-40B4-BE49-F238E27FC236}">
+                <a16:creationId xmlns:a16="http://schemas.microsoft.com/office/drawing/2014/main" id="{0682E2EA-A949-4E0D-B50C-A5EEB57CCACA}"/>
+              </a:ext>
+            </a:extLst>
+          </p:cNvPr>
+          <p:cNvSpPr txBox="1"/>
+          <p:nvPr/>
+        </p:nvSpPr>
+        <p:spPr>
+          <a:xfrm rot="16200000">
+            <a:off x="5411717" y="3148777"/>
+            <a:ext cx="505267" cy="246221"/>
+          </a:xfrm>
+          <a:prstGeom prst="rect">
+            <a:avLst/>
+          </a:prstGeom>
+          <a:noFill/>
+        </p:spPr>
+        <p:txBody>
+          <a:bodyPr wrap="none" rtlCol="0">
+            <a:spAutoFit/>
+          </a:bodyPr>
+          <a:lstStyle/>
+          <a:p>
+            <a:r>
+              <a:rPr lang="en-SE" sz="1000" dirty="0"/>
+              <a:t>Green</a:t>
+            </a:r>
+          </a:p>
+        </p:txBody>
+      </p:sp>
+      <p:sp>
+        <p:nvSpPr>
+          <p:cNvPr id="89" name="TextBox 88">
+            <a:extLst>
+              <a:ext uri="{FF2B5EF4-FFF2-40B4-BE49-F238E27FC236}">
+                <a16:creationId xmlns:a16="http://schemas.microsoft.com/office/drawing/2014/main" id="{81478472-BD3A-42B5-AF05-B332EB4A190A}"/>
+              </a:ext>
+            </a:extLst>
+          </p:cNvPr>
+          <p:cNvSpPr txBox="1"/>
+          <p:nvPr/>
+        </p:nvSpPr>
+        <p:spPr>
+          <a:xfrm rot="16200000">
+            <a:off x="5893336" y="3159196"/>
+            <a:ext cx="526106" cy="246221"/>
+          </a:xfrm>
+          <a:prstGeom prst="rect">
+            <a:avLst/>
+          </a:prstGeom>
+          <a:noFill/>
+        </p:spPr>
+        <p:txBody>
+          <a:bodyPr wrap="none" rtlCol="0">
+            <a:spAutoFit/>
+          </a:bodyPr>
+          <a:lstStyle/>
+          <a:p>
+            <a:r>
+              <a:rPr lang="en-SE" sz="1000" dirty="0"/>
+              <a:t>Brown</a:t>
+            </a:r>
+          </a:p>
+        </p:txBody>
+      </p:sp>
+      <p:sp>
+        <p:nvSpPr>
+          <p:cNvPr id="90" name="TextBox 89">
+            <a:extLst>
+              <a:ext uri="{FF2B5EF4-FFF2-40B4-BE49-F238E27FC236}">
+                <a16:creationId xmlns:a16="http://schemas.microsoft.com/office/drawing/2014/main" id="{210C6DFA-93F4-4765-A9CB-5E6C5DF9DBB3}"/>
+              </a:ext>
+            </a:extLst>
+          </p:cNvPr>
+          <p:cNvSpPr txBox="1"/>
+          <p:nvPr/>
+        </p:nvSpPr>
+        <p:spPr>
+          <a:xfrm rot="16200000">
+            <a:off x="5559206" y="3240949"/>
+            <a:ext cx="689612" cy="246221"/>
+          </a:xfrm>
+          <a:prstGeom prst="rect">
+            <a:avLst/>
+          </a:prstGeom>
+          <a:noFill/>
+        </p:spPr>
+        <p:txBody>
+          <a:bodyPr wrap="none" rtlCol="0">
+            <a:spAutoFit/>
+          </a:bodyPr>
+          <a:lstStyle/>
+          <a:p>
+            <a:r>
+              <a:rPr lang="en-SE" sz="1000" dirty="0"/>
+              <a:t>W/Brown</a:t>
+            </a:r>
+          </a:p>
+        </p:txBody>
+      </p:sp>
+      <p:sp>
+        <p:nvSpPr>
+          <p:cNvPr id="91" name="TextBox 90">
+            <a:extLst>
+              <a:ext uri="{FF2B5EF4-FFF2-40B4-BE49-F238E27FC236}">
+                <a16:creationId xmlns:a16="http://schemas.microsoft.com/office/drawing/2014/main" id="{CFFBD8E3-BF06-43C2-8AE2-C7787D2B5659}"/>
+              </a:ext>
+            </a:extLst>
+          </p:cNvPr>
+          <p:cNvSpPr txBox="1"/>
+          <p:nvPr/>
+        </p:nvSpPr>
+        <p:spPr>
+          <a:xfrm rot="16200000">
+            <a:off x="5121300" y="3151983"/>
+            <a:ext cx="511679" cy="246221"/>
+          </a:xfrm>
+          <a:prstGeom prst="rect">
+            <a:avLst/>
+          </a:prstGeom>
+          <a:noFill/>
+        </p:spPr>
+        <p:txBody>
+          <a:bodyPr wrap="none" rtlCol="0">
+            <a:spAutoFit/>
+          </a:bodyPr>
+          <a:lstStyle/>
+          <a:p>
+            <a:r>
+              <a:rPr lang="en-SE" sz="1000" dirty="0"/>
+              <a:t>W/</a:t>
+            </a:r>
+            <a:r>
+              <a:rPr lang="en-SE" sz="1000" dirty="0" err="1"/>
+              <a:t>Ble</a:t>
+            </a:r>
+            <a:endParaRPr lang="en-SE" sz="1000" dirty="0"/>
+          </a:p>
+        </p:txBody>
+      </p:sp>
+      <p:cxnSp>
+        <p:nvCxnSpPr>
+          <p:cNvPr id="110" name="Straight Connector 109">
+            <a:extLst>
+              <a:ext uri="{FF2B5EF4-FFF2-40B4-BE49-F238E27FC236}">
+                <a16:creationId xmlns:a16="http://schemas.microsoft.com/office/drawing/2014/main" id="{8A421FC0-B21C-486A-B587-188C6EF3AB91}"/>
+              </a:ext>
+            </a:extLst>
+          </p:cNvPr>
+          <p:cNvCxnSpPr>
+            <a:cxnSpLocks/>
+          </p:cNvCxnSpPr>
+          <p:nvPr/>
+        </p:nvCxnSpPr>
+        <p:spPr>
+          <a:xfrm>
+            <a:off x="5751781" y="2188910"/>
+            <a:ext cx="0" cy="3304423"/>
+          </a:xfrm>
+          <a:prstGeom prst="line">
+            <a:avLst/>
+          </a:prstGeom>
+        </p:spPr>
+        <p:style>
+          <a:lnRef idx="1">
+            <a:schemeClr val="accent1"/>
+          </a:lnRef>
+          <a:fillRef idx="0">
+            <a:schemeClr val="accent1"/>
+          </a:fillRef>
+          <a:effectRef idx="0">
+            <a:schemeClr val="accent1"/>
+          </a:effectRef>
+          <a:fontRef idx="minor">
+            <a:schemeClr val="tx1"/>
+          </a:fontRef>
+        </p:style>
+      </p:cxnSp>
+    </p:spTree>
+    <p:extLst>
+      <p:ext uri="{BB962C8B-B14F-4D97-AF65-F5344CB8AC3E}">
+        <p14:creationId xmlns:p14="http://schemas.microsoft.com/office/powerpoint/2010/main" val="161329444"/>
+      </p:ext>
+    </p:extLst>
+  </p:cSld>
+  <p:clrMapOvr>
+    <a:masterClrMapping/>
+  </p:clrMapOvr>
+</p:sld>
+</file>
+
 <file path=ppt/theme/theme1.xml><?xml version="1.0" encoding="utf-8"?>
 <a:theme xmlns:a="http://schemas.openxmlformats.org/drawingml/2006/main" name="Office Theme">
   <a:themeElements>

--- a/Documentation/ClockNet.pptx
+++ b/Documentation/ClockNet.pptx
@@ -13,6 +13,7 @@
     <p:sldId id="260" r:id="rId7"/>
     <p:sldId id="259" r:id="rId8"/>
     <p:sldId id="263" r:id="rId9"/>
+    <p:sldId id="264" r:id="rId10"/>
   </p:sldIdLst>
   <p:sldSz cx="12192000" cy="6858000"/>
   <p:notesSz cx="6858000" cy="9144000"/>
@@ -11360,6 +11361,102 @@
 </p:sld>
 </file>
 
+<file path=ppt/slides/slide9.xml><?xml version="1.0" encoding="utf-8"?>
+<p:sld xmlns:a="http://schemas.openxmlformats.org/drawingml/2006/main" xmlns:r="http://schemas.openxmlformats.org/officeDocument/2006/relationships" xmlns:p="http://schemas.openxmlformats.org/presentationml/2006/main">
+  <p:cSld>
+    <p:spTree>
+      <p:nvGrpSpPr>
+        <p:cNvPr id="1" name=""/>
+        <p:cNvGrpSpPr/>
+        <p:nvPr/>
+      </p:nvGrpSpPr>
+      <p:grpSpPr>
+        <a:xfrm>
+          <a:off x="0" y="0"/>
+          <a:ext cx="0" cy="0"/>
+          <a:chOff x="0" y="0"/>
+          <a:chExt cx="0" cy="0"/>
+        </a:xfrm>
+      </p:grpSpPr>
+      <p:sp>
+        <p:nvSpPr>
+          <p:cNvPr id="2" name="Title 1">
+            <a:extLst>
+              <a:ext uri="{FF2B5EF4-FFF2-40B4-BE49-F238E27FC236}">
+                <a16:creationId xmlns:a16="http://schemas.microsoft.com/office/drawing/2014/main" id="{00154955-160D-4AC0-9219-D05F122F5823}"/>
+              </a:ext>
+            </a:extLst>
+          </p:cNvPr>
+          <p:cNvSpPr>
+            <a:spLocks noGrp="1"/>
+          </p:cNvSpPr>
+          <p:nvPr>
+            <p:ph type="title"/>
+          </p:nvPr>
+        </p:nvSpPr>
+        <p:spPr/>
+        <p:txBody>
+          <a:bodyPr/>
+          <a:lstStyle/>
+          <a:p>
+            <a:r>
+              <a:rPr lang="en-SE" dirty="0"/>
+              <a:t>RJ45 </a:t>
+            </a:r>
+            <a:r>
+              <a:rPr lang="en-SE" dirty="0" err="1"/>
+              <a:t>color</a:t>
+            </a:r>
+            <a:r>
+              <a:rPr lang="en-SE" dirty="0"/>
+              <a:t> codes</a:t>
+            </a:r>
+          </a:p>
+        </p:txBody>
+      </p:sp>
+      <p:pic>
+        <p:nvPicPr>
+          <p:cNvPr id="4" name="Picture 3">
+            <a:extLst>
+              <a:ext uri="{FF2B5EF4-FFF2-40B4-BE49-F238E27FC236}">
+                <a16:creationId xmlns:a16="http://schemas.microsoft.com/office/drawing/2014/main" id="{221872B8-D85B-4F07-A8D5-2379F0B027F9}"/>
+              </a:ext>
+            </a:extLst>
+          </p:cNvPr>
+          <p:cNvPicPr>
+            <a:picLocks noChangeAspect="1"/>
+          </p:cNvPicPr>
+          <p:nvPr/>
+        </p:nvPicPr>
+        <p:blipFill>
+          <a:blip r:embed="rId2"/>
+          <a:stretch>
+            <a:fillRect/>
+          </a:stretch>
+        </p:blipFill>
+        <p:spPr>
+          <a:xfrm>
+            <a:off x="2485812" y="1610925"/>
+            <a:ext cx="6129867" cy="5008550"/>
+          </a:xfrm>
+          <a:prstGeom prst="rect">
+            <a:avLst/>
+          </a:prstGeom>
+        </p:spPr>
+      </p:pic>
+    </p:spTree>
+    <p:extLst>
+      <p:ext uri="{BB962C8B-B14F-4D97-AF65-F5344CB8AC3E}">
+        <p14:creationId xmlns:p14="http://schemas.microsoft.com/office/powerpoint/2010/main" val="4214038010"/>
+      </p:ext>
+    </p:extLst>
+  </p:cSld>
+  <p:clrMapOvr>
+    <a:masterClrMapping/>
+  </p:clrMapOvr>
+</p:sld>
+</file>
+
 <file path=ppt/theme/theme1.xml><?xml version="1.0" encoding="utf-8"?>
 <a:theme xmlns:a="http://schemas.openxmlformats.org/drawingml/2006/main" name="Office Theme">
   <a:themeElements>
